--- a/docs/presentation_intermediaire.pptx
+++ b/docs/presentation_intermediaire.pptx
@@ -108,6 +108,11 @@
       </a:defRPr>
     </a:lvl9pPr>
   </p:defaultTextStyle>
+  <p:extLst>
+    <p:ext uri="{EFAFB233-063F-42B5-8137-9DF3F51BA10A}">
+      <p15:sldGuideLst xmlns:p15="http://schemas.microsoft.com/office/powerpoint/2012/main"/>
+    </p:ext>
+  </p:extLst>
 </p:presentation>
 </file>
 
@@ -153,7 +158,7 @@
           </a:lstStyle>
           <a:p>
             <a:r>
-              <a:rPr lang="en-US" smtClean="0"/>
+              <a:rPr lang="en-US"/>
               <a:t>Cliquez et modifiez le titre</a:t>
             </a:r>
             <a:endParaRPr lang="en-US" dirty="0"/>
@@ -218,7 +223,7 @@
           </a:lstStyle>
           <a:p>
             <a:r>
-              <a:rPr lang="en-US" smtClean="0"/>
+              <a:rPr lang="en-US"/>
               <a:t>Cliquez pour modifier le style des sous-titres du masque</a:t>
             </a:r>
             <a:endParaRPr lang="en-US" dirty="0"/>
@@ -242,7 +247,7 @@
           <a:p>
             <a:fld id="{ECD19FB2-3AAB-4D03-B13A-2960828C78E3}" type="datetimeFigureOut">
               <a:rPr lang="en-US" smtClean="0"/>
-              <a:t>11/14/16</a:t>
+              <a:t>11/15/2016</a:t>
             </a:fld>
             <a:endParaRPr lang="en-US" dirty="0"/>
           </a:p>
@@ -337,7 +342,7 @@
           <a:lstStyle/>
           <a:p>
             <a:r>
-              <a:rPr lang="en-US" smtClean="0"/>
+              <a:rPr lang="en-US"/>
               <a:t>Cliquez et modifiez le titre</a:t>
             </a:r>
             <a:endParaRPr lang="en-US" dirty="0"/>
@@ -361,35 +366,35 @@
           <a:p>
             <a:pPr lvl="0"/>
             <a:r>
-              <a:rPr lang="en-US" smtClean="0"/>
+              <a:rPr lang="en-US"/>
               <a:t>Cliquez pour modifier les styles du texte du masque</a:t>
             </a:r>
           </a:p>
           <a:p>
             <a:pPr lvl="1"/>
             <a:r>
-              <a:rPr lang="en-US" smtClean="0"/>
+              <a:rPr lang="en-US"/>
               <a:t>Deuxième niveau</a:t>
             </a:r>
           </a:p>
           <a:p>
             <a:pPr lvl="2"/>
             <a:r>
-              <a:rPr lang="en-US" smtClean="0"/>
+              <a:rPr lang="en-US"/>
               <a:t>Troisième niveau</a:t>
             </a:r>
           </a:p>
           <a:p>
             <a:pPr lvl="3"/>
             <a:r>
-              <a:rPr lang="en-US" smtClean="0"/>
+              <a:rPr lang="en-US"/>
               <a:t>Quatrième niveau</a:t>
             </a:r>
           </a:p>
           <a:p>
             <a:pPr lvl="4"/>
             <a:r>
-              <a:rPr lang="en-US" smtClean="0"/>
+              <a:rPr lang="en-US"/>
               <a:t>Cinquième niveau</a:t>
             </a:r>
             <a:endParaRPr lang="en-US" dirty="0"/>
@@ -413,7 +418,7 @@
           <a:p>
             <a:fld id="{0DED02AE-B9A4-47BD-AF8E-97E16144138B}" type="datetimeFigureOut">
               <a:rPr lang="en-US" smtClean="0"/>
-              <a:t>11/14/16</a:t>
+              <a:t>11/15/2016</a:t>
             </a:fld>
             <a:endParaRPr lang="en-US" dirty="0"/>
           </a:p>
@@ -512,7 +517,7 @@
           <a:lstStyle/>
           <a:p>
             <a:r>
-              <a:rPr lang="en-US" smtClean="0"/>
+              <a:rPr lang="en-US"/>
               <a:t>Cliquez et modifiez le titre</a:t>
             </a:r>
             <a:endParaRPr lang="en-US" dirty="0"/>
@@ -541,35 +546,35 @@
           <a:p>
             <a:pPr lvl="0"/>
             <a:r>
-              <a:rPr lang="en-US" smtClean="0"/>
+              <a:rPr lang="en-US"/>
               <a:t>Cliquez pour modifier les styles du texte du masque</a:t>
             </a:r>
           </a:p>
           <a:p>
             <a:pPr lvl="1"/>
             <a:r>
-              <a:rPr lang="en-US" smtClean="0"/>
+              <a:rPr lang="en-US"/>
               <a:t>Deuxième niveau</a:t>
             </a:r>
           </a:p>
           <a:p>
             <a:pPr lvl="2"/>
             <a:r>
-              <a:rPr lang="en-US" smtClean="0"/>
+              <a:rPr lang="en-US"/>
               <a:t>Troisième niveau</a:t>
             </a:r>
           </a:p>
           <a:p>
             <a:pPr lvl="3"/>
             <a:r>
-              <a:rPr lang="en-US" smtClean="0"/>
+              <a:rPr lang="en-US"/>
               <a:t>Quatrième niveau</a:t>
             </a:r>
           </a:p>
           <a:p>
             <a:pPr lvl="4"/>
             <a:r>
-              <a:rPr lang="en-US" smtClean="0"/>
+              <a:rPr lang="en-US"/>
               <a:t>Cinquième niveau</a:t>
             </a:r>
             <a:endParaRPr lang="en-US" dirty="0"/>
@@ -593,7 +598,7 @@
           <a:p>
             <a:fld id="{CF0FD78B-DB02-4362-BCDC-98A55456977C}" type="datetimeFigureOut">
               <a:rPr lang="en-US" smtClean="0"/>
-              <a:t>11/14/16</a:t>
+              <a:t>11/15/2016</a:t>
             </a:fld>
             <a:endParaRPr lang="en-US" dirty="0"/>
           </a:p>
@@ -687,7 +692,7 @@
           <a:lstStyle/>
           <a:p>
             <a:r>
-              <a:rPr lang="en-US" smtClean="0"/>
+              <a:rPr lang="en-US"/>
               <a:t>Cliquez et modifiez le titre</a:t>
             </a:r>
             <a:endParaRPr lang="en-US" dirty="0"/>
@@ -711,35 +716,35 @@
           <a:p>
             <a:pPr lvl="0"/>
             <a:r>
-              <a:rPr lang="en-US" smtClean="0"/>
+              <a:rPr lang="en-US"/>
               <a:t>Cliquez pour modifier les styles du texte du masque</a:t>
             </a:r>
           </a:p>
           <a:p>
             <a:pPr lvl="1"/>
             <a:r>
-              <a:rPr lang="en-US" smtClean="0"/>
+              <a:rPr lang="en-US"/>
               <a:t>Deuxième niveau</a:t>
             </a:r>
           </a:p>
           <a:p>
             <a:pPr lvl="2"/>
             <a:r>
-              <a:rPr lang="en-US" smtClean="0"/>
+              <a:rPr lang="en-US"/>
               <a:t>Troisième niveau</a:t>
             </a:r>
           </a:p>
           <a:p>
             <a:pPr lvl="3"/>
             <a:r>
-              <a:rPr lang="en-US" smtClean="0"/>
+              <a:rPr lang="en-US"/>
               <a:t>Quatrième niveau</a:t>
             </a:r>
           </a:p>
           <a:p>
             <a:pPr lvl="4"/>
             <a:r>
-              <a:rPr lang="en-US" smtClean="0"/>
+              <a:rPr lang="en-US"/>
               <a:t>Cinquième niveau</a:t>
             </a:r>
             <a:endParaRPr lang="en-US" dirty="0"/>
@@ -763,7 +768,7 @@
           <a:p>
             <a:fld id="{99916976-5D93-46E4-A98A-FAD63E4D0EA8}" type="datetimeFigureOut">
               <a:rPr lang="en-US" smtClean="0"/>
-              <a:t>11/14/16</a:t>
+              <a:t>11/15/2016</a:t>
             </a:fld>
             <a:endParaRPr lang="en-US" dirty="0"/>
           </a:p>
@@ -866,7 +871,7 @@
           </a:lstStyle>
           <a:p>
             <a:r>
-              <a:rPr lang="en-US" smtClean="0"/>
+              <a:rPr lang="en-US"/>
               <a:t>Cliquez et modifiez le titre</a:t>
             </a:r>
             <a:endParaRPr lang="en-US" dirty="0"/>
@@ -986,7 +991,7 @@
           <a:p>
             <a:pPr lvl="0"/>
             <a:r>
-              <a:rPr lang="en-US" smtClean="0"/>
+              <a:rPr lang="en-US"/>
               <a:t>Cliquez pour modifier les styles du texte du masque</a:t>
             </a:r>
           </a:p>
@@ -1009,7 +1014,7 @@
           <a:p>
             <a:fld id="{0F39F4F5-F4D2-4D2A-AB60-88D37ADCB869}" type="datetimeFigureOut">
               <a:rPr lang="en-US" smtClean="0"/>
-              <a:t>11/14/16</a:t>
+              <a:t>11/15/2016</a:t>
             </a:fld>
             <a:endParaRPr lang="en-US" dirty="0"/>
           </a:p>
@@ -1103,7 +1108,7 @@
           <a:lstStyle/>
           <a:p>
             <a:r>
-              <a:rPr lang="en-US" smtClean="0"/>
+              <a:rPr lang="en-US"/>
               <a:t>Cliquez et modifiez le titre</a:t>
             </a:r>
             <a:endParaRPr lang="en-US" dirty="0"/>
@@ -1132,35 +1137,35 @@
           <a:p>
             <a:pPr lvl="0"/>
             <a:r>
-              <a:rPr lang="en-US" smtClean="0"/>
+              <a:rPr lang="en-US"/>
               <a:t>Cliquez pour modifier les styles du texte du masque</a:t>
             </a:r>
           </a:p>
           <a:p>
             <a:pPr lvl="1"/>
             <a:r>
-              <a:rPr lang="en-US" smtClean="0"/>
+              <a:rPr lang="en-US"/>
               <a:t>Deuxième niveau</a:t>
             </a:r>
           </a:p>
           <a:p>
             <a:pPr lvl="2"/>
             <a:r>
-              <a:rPr lang="en-US" smtClean="0"/>
+              <a:rPr lang="en-US"/>
               <a:t>Troisième niveau</a:t>
             </a:r>
           </a:p>
           <a:p>
             <a:pPr lvl="3"/>
             <a:r>
-              <a:rPr lang="en-US" smtClean="0"/>
+              <a:rPr lang="en-US"/>
               <a:t>Quatrième niveau</a:t>
             </a:r>
           </a:p>
           <a:p>
             <a:pPr lvl="4"/>
             <a:r>
-              <a:rPr lang="en-US" smtClean="0"/>
+              <a:rPr lang="en-US"/>
               <a:t>Cinquième niveau</a:t>
             </a:r>
             <a:endParaRPr lang="en-US" dirty="0"/>
@@ -1189,35 +1194,35 @@
           <a:p>
             <a:pPr lvl="0"/>
             <a:r>
-              <a:rPr lang="en-US" smtClean="0"/>
+              <a:rPr lang="en-US"/>
               <a:t>Cliquez pour modifier les styles du texte du masque</a:t>
             </a:r>
           </a:p>
           <a:p>
             <a:pPr lvl="1"/>
             <a:r>
-              <a:rPr lang="en-US" smtClean="0"/>
+              <a:rPr lang="en-US"/>
               <a:t>Deuxième niveau</a:t>
             </a:r>
           </a:p>
           <a:p>
             <a:pPr lvl="2"/>
             <a:r>
-              <a:rPr lang="en-US" smtClean="0"/>
+              <a:rPr lang="en-US"/>
               <a:t>Troisième niveau</a:t>
             </a:r>
           </a:p>
           <a:p>
             <a:pPr lvl="3"/>
             <a:r>
-              <a:rPr lang="en-US" smtClean="0"/>
+              <a:rPr lang="en-US"/>
               <a:t>Quatrième niveau</a:t>
             </a:r>
           </a:p>
           <a:p>
             <a:pPr lvl="4"/>
             <a:r>
-              <a:rPr lang="en-US" smtClean="0"/>
+              <a:rPr lang="en-US"/>
               <a:t>Cinquième niveau</a:t>
             </a:r>
             <a:endParaRPr lang="en-US" dirty="0"/>
@@ -1241,7 +1246,7 @@
           <a:p>
             <a:fld id="{D23BC6CE-6D1E-47E5-8859-F31AC5380EB2}" type="datetimeFigureOut">
               <a:rPr lang="en-US" smtClean="0"/>
-              <a:t>11/14/16</a:t>
+              <a:t>11/15/2016</a:t>
             </a:fld>
             <a:endParaRPr lang="en-US" dirty="0"/>
           </a:p>
@@ -1345,7 +1350,7 @@
           <a:lstStyle/>
           <a:p>
             <a:r>
-              <a:rPr lang="en-US" smtClean="0"/>
+              <a:rPr lang="en-US"/>
               <a:t>Cliquez et modifiez le titre</a:t>
             </a:r>
             <a:endParaRPr lang="en-US" dirty="0"/>
@@ -1411,7 +1416,7 @@
           <a:p>
             <a:pPr lvl="0"/>
             <a:r>
-              <a:rPr lang="en-US" smtClean="0"/>
+              <a:rPr lang="en-US"/>
               <a:t>Cliquez pour modifier les styles du texte du masque</a:t>
             </a:r>
           </a:p>
@@ -1439,35 +1444,35 @@
           <a:p>
             <a:pPr lvl="0"/>
             <a:r>
-              <a:rPr lang="en-US" smtClean="0"/>
+              <a:rPr lang="en-US"/>
               <a:t>Cliquez pour modifier les styles du texte du masque</a:t>
             </a:r>
           </a:p>
           <a:p>
             <a:pPr lvl="1"/>
             <a:r>
-              <a:rPr lang="en-US" smtClean="0"/>
+              <a:rPr lang="en-US"/>
               <a:t>Deuxième niveau</a:t>
             </a:r>
           </a:p>
           <a:p>
             <a:pPr lvl="2"/>
             <a:r>
-              <a:rPr lang="en-US" smtClean="0"/>
+              <a:rPr lang="en-US"/>
               <a:t>Troisième niveau</a:t>
             </a:r>
           </a:p>
           <a:p>
             <a:pPr lvl="3"/>
             <a:r>
-              <a:rPr lang="en-US" smtClean="0"/>
+              <a:rPr lang="en-US"/>
               <a:t>Quatrième niveau</a:t>
             </a:r>
           </a:p>
           <a:p>
             <a:pPr lvl="4"/>
             <a:r>
-              <a:rPr lang="en-US" smtClean="0"/>
+              <a:rPr lang="en-US"/>
               <a:t>Cinquième niveau</a:t>
             </a:r>
             <a:endParaRPr lang="en-US" dirty="0"/>
@@ -1533,7 +1538,7 @@
           <a:p>
             <a:pPr lvl="0"/>
             <a:r>
-              <a:rPr lang="en-US" smtClean="0"/>
+              <a:rPr lang="en-US"/>
               <a:t>Cliquez pour modifier les styles du texte du masque</a:t>
             </a:r>
           </a:p>
@@ -1561,35 +1566,35 @@
           <a:p>
             <a:pPr lvl="0"/>
             <a:r>
-              <a:rPr lang="en-US" smtClean="0"/>
+              <a:rPr lang="en-US"/>
               <a:t>Cliquez pour modifier les styles du texte du masque</a:t>
             </a:r>
           </a:p>
           <a:p>
             <a:pPr lvl="1"/>
             <a:r>
-              <a:rPr lang="en-US" smtClean="0"/>
+              <a:rPr lang="en-US"/>
               <a:t>Deuxième niveau</a:t>
             </a:r>
           </a:p>
           <a:p>
             <a:pPr lvl="2"/>
             <a:r>
-              <a:rPr lang="en-US" smtClean="0"/>
+              <a:rPr lang="en-US"/>
               <a:t>Troisième niveau</a:t>
             </a:r>
           </a:p>
           <a:p>
             <a:pPr lvl="3"/>
             <a:r>
-              <a:rPr lang="en-US" smtClean="0"/>
+              <a:rPr lang="en-US"/>
               <a:t>Quatrième niveau</a:t>
             </a:r>
           </a:p>
           <a:p>
             <a:pPr lvl="4"/>
             <a:r>
-              <a:rPr lang="en-US" smtClean="0"/>
+              <a:rPr lang="en-US"/>
               <a:t>Cinquième niveau</a:t>
             </a:r>
             <a:endParaRPr lang="en-US" dirty="0"/>
@@ -1613,7 +1618,7 @@
           <a:p>
             <a:fld id="{B1B4E7C4-4DA4-404D-9965-B13F2DD7D8BF}" type="datetimeFigureOut">
               <a:rPr lang="en-US" smtClean="0"/>
-              <a:t>11/14/16</a:t>
+              <a:t>11/15/2016</a:t>
             </a:fld>
             <a:endParaRPr lang="en-US" dirty="0"/>
           </a:p>
@@ -1712,7 +1717,7 @@
           <a:lstStyle/>
           <a:p>
             <a:r>
-              <a:rPr lang="en-US" smtClean="0"/>
+              <a:rPr lang="en-US"/>
               <a:t>Cliquez et modifiez le titre</a:t>
             </a:r>
             <a:endParaRPr lang="en-US" dirty="0"/>
@@ -1736,7 +1741,7 @@
           <a:p>
             <a:fld id="{476FB7AA-4A53-424F-AD41-70827B6504BA}" type="datetimeFigureOut">
               <a:rPr lang="en-US" smtClean="0"/>
-              <a:t>11/14/16</a:t>
+              <a:t>11/15/2016</a:t>
             </a:fld>
             <a:endParaRPr lang="en-US" dirty="0"/>
           </a:p>
@@ -1831,7 +1836,7 @@
           <a:p>
             <a:fld id="{E7884882-FB12-4BC8-9960-9AD8104D7FAE}" type="datetimeFigureOut">
               <a:rPr lang="en-US" smtClean="0"/>
-              <a:t>11/14/16</a:t>
+              <a:t>11/15/2016</a:t>
             </a:fld>
             <a:endParaRPr lang="en-US" dirty="0"/>
           </a:p>
@@ -1934,7 +1939,7 @@
           </a:lstStyle>
           <a:p>
             <a:r>
-              <a:rPr lang="en-US" smtClean="0"/>
+              <a:rPr lang="en-US"/>
               <a:t>Cliquez et modifiez le titre</a:t>
             </a:r>
             <a:endParaRPr lang="en-US" dirty="0"/>
@@ -1991,35 +1996,35 @@
           <a:p>
             <a:pPr lvl="0"/>
             <a:r>
-              <a:rPr lang="en-US" smtClean="0"/>
+              <a:rPr lang="en-US"/>
               <a:t>Cliquez pour modifier les styles du texte du masque</a:t>
             </a:r>
           </a:p>
           <a:p>
             <a:pPr lvl="1"/>
             <a:r>
-              <a:rPr lang="en-US" smtClean="0"/>
+              <a:rPr lang="en-US"/>
               <a:t>Deuxième niveau</a:t>
             </a:r>
           </a:p>
           <a:p>
             <a:pPr lvl="2"/>
             <a:r>
-              <a:rPr lang="en-US" smtClean="0"/>
+              <a:rPr lang="en-US"/>
               <a:t>Troisième niveau</a:t>
             </a:r>
           </a:p>
           <a:p>
             <a:pPr lvl="3"/>
             <a:r>
-              <a:rPr lang="en-US" smtClean="0"/>
+              <a:rPr lang="en-US"/>
               <a:t>Quatrième niveau</a:t>
             </a:r>
           </a:p>
           <a:p>
             <a:pPr lvl="4"/>
             <a:r>
-              <a:rPr lang="en-US" smtClean="0"/>
+              <a:rPr lang="en-US"/>
               <a:t>Cinquième niveau</a:t>
             </a:r>
             <a:endParaRPr lang="en-US" dirty="0"/>
@@ -2085,7 +2090,7 @@
           <a:p>
             <a:pPr lvl="0"/>
             <a:r>
-              <a:rPr lang="en-US" smtClean="0"/>
+              <a:rPr lang="en-US"/>
               <a:t>Cliquez pour modifier les styles du texte du masque</a:t>
             </a:r>
           </a:p>
@@ -2108,7 +2113,7 @@
           <a:p>
             <a:fld id="{F7D1BD23-6E54-4D9D-AD88-A2813C73CC25}" type="datetimeFigureOut">
               <a:rPr lang="en-US" smtClean="0"/>
-              <a:t>11/14/16</a:t>
+              <a:t>11/15/2016</a:t>
             </a:fld>
             <a:endParaRPr lang="en-US" dirty="0"/>
           </a:p>
@@ -2216,7 +2221,7 @@
           </a:lstStyle>
           <a:p>
             <a:r>
-              <a:rPr lang="en-US" smtClean="0"/>
+              <a:rPr lang="en-US"/>
               <a:t>Cliquez et modifiez le titre</a:t>
             </a:r>
             <a:endParaRPr lang="en-US" dirty="0"/>
@@ -2281,7 +2286,7 @@
           </a:lstStyle>
           <a:p>
             <a:r>
-              <a:rPr lang="en-US" smtClean="0"/>
+              <a:rPr lang="en-US"/>
               <a:t>Faire glisser l'image vers l'espace réservé ou cliquer sur l'icône pour l'ajouter</a:t>
             </a:r>
             <a:endParaRPr lang="en-US" dirty="0"/>
@@ -2347,7 +2352,7 @@
           <a:p>
             <a:pPr lvl="0"/>
             <a:r>
-              <a:rPr lang="en-US" smtClean="0"/>
+              <a:rPr lang="en-US"/>
               <a:t>Cliquez pour modifier les styles du texte du masque</a:t>
             </a:r>
           </a:p>
@@ -2370,7 +2375,7 @@
           <a:p>
             <a:fld id="{1471A834-4F3C-4AF9-9C74-05EC35A0F292}" type="datetimeFigureOut">
               <a:rPr lang="en-US" smtClean="0"/>
-              <a:t>11/14/16</a:t>
+              <a:t>11/15/2016</a:t>
             </a:fld>
             <a:endParaRPr lang="en-US" dirty="0"/>
           </a:p>
@@ -2479,7 +2484,7 @@
           <a:lstStyle/>
           <a:p>
             <a:r>
-              <a:rPr lang="en-US" smtClean="0"/>
+              <a:rPr lang="en-US"/>
               <a:t>Cliquez et modifiez le titre</a:t>
             </a:r>
             <a:endParaRPr lang="en-US" dirty="0"/>
@@ -2513,35 +2518,35 @@
           <a:p>
             <a:pPr lvl="0"/>
             <a:r>
-              <a:rPr lang="en-US" smtClean="0"/>
+              <a:rPr lang="en-US"/>
               <a:t>Cliquez pour modifier les styles du texte du masque</a:t>
             </a:r>
           </a:p>
           <a:p>
             <a:pPr lvl="1"/>
             <a:r>
-              <a:rPr lang="en-US" smtClean="0"/>
+              <a:rPr lang="en-US"/>
               <a:t>Deuxième niveau</a:t>
             </a:r>
           </a:p>
           <a:p>
             <a:pPr lvl="2"/>
             <a:r>
-              <a:rPr lang="en-US" smtClean="0"/>
+              <a:rPr lang="en-US"/>
               <a:t>Troisième niveau</a:t>
             </a:r>
           </a:p>
           <a:p>
             <a:pPr lvl="3"/>
             <a:r>
-              <a:rPr lang="en-US" smtClean="0"/>
+              <a:rPr lang="en-US"/>
               <a:t>Quatrième niveau</a:t>
             </a:r>
           </a:p>
           <a:p>
             <a:pPr lvl="4"/>
             <a:r>
-              <a:rPr lang="en-US" smtClean="0"/>
+              <a:rPr lang="en-US"/>
               <a:t>Cinquième niveau</a:t>
             </a:r>
             <a:endParaRPr lang="en-US" dirty="0"/>
@@ -2583,7 +2588,7 @@
           <a:p>
             <a:fld id="{51CF1133-3259-4C45-BABA-5B62D9C6F78D}" type="datetimeFigureOut">
               <a:rPr lang="en-US" smtClean="0"/>
-              <a:t>11/14/16</a:t>
+              <a:t>11/15/2016</a:t>
             </a:fld>
             <a:endParaRPr lang="en-US" dirty="0"/>
           </a:p>
@@ -3019,14 +3024,11 @@
           <a:p>
             <a:pPr algn="ctr"/>
             <a:r>
-              <a:rPr lang="fr-FR" sz="4000" dirty="0" smtClean="0">
+              <a:rPr lang="fr-FR" sz="4000" dirty="0">
                 <a:latin typeface="+mj-lt"/>
               </a:rPr>
               <a:t>Présentation Intermédiaire</a:t>
             </a:r>
-            <a:endParaRPr lang="fr-FR" sz="4000" dirty="0">
-              <a:latin typeface="+mj-lt"/>
-            </a:endParaRPr>
           </a:p>
         </p:txBody>
       </p:sp>
@@ -3058,39 +3060,35 @@
               <a:t>Henrik </a:t>
             </a:r>
             <a:r>
-              <a:rPr lang="fr-FR" dirty="0" err="1" smtClean="0"/>
+              <a:rPr lang="fr-FR" dirty="0" err="1"/>
               <a:t>Akesson</a:t>
             </a:r>
             <a:r>
-              <a:rPr lang="fr-FR" dirty="0" smtClean="0"/>
-              <a:t>,</a:t>
-            </a:r>
-            <a:r>
               <a:rPr lang="fr-FR" dirty="0"/>
-              <a:t> Patrick </a:t>
-            </a:r>
-            <a:r>
-              <a:rPr lang="fr-FR" dirty="0" err="1" smtClean="0"/>
+              <a:t>, Patrick </a:t>
+            </a:r>
+            <a:r>
+              <a:rPr lang="fr-FR" dirty="0" err="1"/>
               <a:t>Djomo</a:t>
             </a:r>
             <a:r>
-              <a:rPr lang="fr-FR" dirty="0" smtClean="0"/>
+              <a:rPr lang="fr-FR" dirty="0"/>
               <a:t>, Amel </a:t>
             </a:r>
             <a:r>
-              <a:rPr lang="fr-FR" dirty="0" err="1" smtClean="0"/>
+              <a:rPr lang="fr-FR" dirty="0" err="1"/>
               <a:t>Dussier</a:t>
             </a:r>
             <a:r>
-              <a:rPr lang="fr-FR" dirty="0" smtClean="0"/>
+              <a:rPr lang="fr-FR" dirty="0"/>
               <a:t>, Lo</a:t>
             </a:r>
             <a:r>
-              <a:rPr lang="en-US" dirty="0" err="1" smtClean="0"/>
+              <a:rPr lang="en-US" dirty="0" err="1"/>
               <a:t>ïc</a:t>
             </a:r>
             <a:r>
-              <a:rPr lang="en-US" dirty="0" smtClean="0"/>
+              <a:rPr lang="en-US" dirty="0"/>
               <a:t> Serafin</a:t>
             </a:r>
             <a:endParaRPr lang="fr-FR" dirty="0"/>
@@ -3173,10 +3171,9 @@
           <a:lstStyle/>
           <a:p>
             <a:r>
-              <a:rPr lang="fr-FR" dirty="0" smtClean="0"/>
+              <a:rPr lang="fr-FR" dirty="0"/>
               <a:t>Avancement du projet</a:t>
             </a:r>
-            <a:endParaRPr lang="fr-FR" dirty="0"/>
           </a:p>
         </p:txBody>
       </p:sp>
@@ -3342,10 +3339,9 @@
           <a:lstStyle/>
           <a:p>
             <a:r>
-              <a:rPr lang="fr-FR" sz="1200" dirty="0" smtClean="0"/>
+              <a:rPr lang="fr-FR" sz="1200" dirty="0"/>
               <a:t>Aujourd’hui</a:t>
             </a:r>
-            <a:endParaRPr lang="fr-FR" sz="1200" dirty="0"/>
           </a:p>
         </p:txBody>
       </p:sp>
@@ -3425,10 +3421,9 @@
           <a:lstStyle/>
           <a:p>
             <a:r>
-              <a:rPr lang="fr-FR" dirty="0" smtClean="0"/>
+              <a:rPr lang="fr-FR" dirty="0"/>
               <a:t>Technologies utilisées</a:t>
             </a:r>
-            <a:endParaRPr lang="fr-FR" dirty="0"/>
           </a:p>
         </p:txBody>
       </p:sp>
@@ -3554,9 +3549,9 @@
       </p:pic>
       <p:pic>
         <p:nvPicPr>
-          <p:cNvPr id="12" name="Image 11"/>
+          <p:cNvPr id="1026" name="Picture 2" descr="Image result for express js"/>
           <p:cNvPicPr>
-            <a:picLocks noChangeAspect="1"/>
+            <a:picLocks noChangeAspect="1" noChangeArrowheads="1"/>
           </p:cNvPicPr>
           <p:nvPr/>
         </p:nvPicPr>
@@ -3568,18 +3563,111 @@
               </a:ext>
             </a:extLst>
           </a:blip>
+          <a:srcRect/>
           <a:stretch>
             <a:fillRect/>
           </a:stretch>
         </p:blipFill>
-        <p:spPr>
+        <p:spPr bwMode="auto">
           <a:xfrm>
-            <a:off x="7316732" y="5421148"/>
-            <a:ext cx="4123057" cy="631400"/>
+            <a:off x="8772294" y="1356268"/>
+            <a:ext cx="2581506" cy="782779"/>
           </a:xfrm>
           <a:prstGeom prst="rect">
             <a:avLst/>
           </a:prstGeom>
+          <a:noFill/>
+          <a:extLst>
+            <a:ext uri="{909E8E84-426E-40DD-AFC4-6F175D3DCCD1}">
+              <a14:hiddenFill xmlns:a14="http://schemas.microsoft.com/office/drawing/2010/main">
+                <a:solidFill>
+                  <a:srgbClr val="FFFFFF"/>
+                </a:solidFill>
+              </a14:hiddenFill>
+            </a:ext>
+          </a:extLst>
+        </p:spPr>
+      </p:pic>
+      <p:pic>
+        <p:nvPicPr>
+          <p:cNvPr id="1028" name="Picture 4" descr="Image result for mongoose mongodb"/>
+          <p:cNvPicPr>
+            <a:picLocks noChangeAspect="1" noChangeArrowheads="1"/>
+          </p:cNvPicPr>
+          <p:nvPr/>
+        </p:nvPicPr>
+        <p:blipFill>
+          <a:blip r:embed="rId8">
+            <a:extLst>
+              <a:ext uri="{28A0092B-C50C-407E-A947-70E740481C1C}">
+                <a14:useLocalDpi xmlns:a14="http://schemas.microsoft.com/office/drawing/2010/main" val="0"/>
+              </a:ext>
+            </a:extLst>
+          </a:blip>
+          <a:srcRect/>
+          <a:stretch>
+            <a:fillRect/>
+          </a:stretch>
+        </p:blipFill>
+        <p:spPr bwMode="auto">
+          <a:xfrm>
+            <a:off x="7760655" y="4712085"/>
+            <a:ext cx="3524250" cy="1905000"/>
+          </a:xfrm>
+          <a:prstGeom prst="rect">
+            <a:avLst/>
+          </a:prstGeom>
+          <a:noFill/>
+          <a:extLst>
+            <a:ext uri="{909E8E84-426E-40DD-AFC4-6F175D3DCCD1}">
+              <a14:hiddenFill xmlns:a14="http://schemas.microsoft.com/office/drawing/2010/main">
+                <a:solidFill>
+                  <a:srgbClr val="FFFFFF"/>
+                </a:solidFill>
+              </a14:hiddenFill>
+            </a:ext>
+          </a:extLst>
+        </p:spPr>
+      </p:pic>
+      <p:pic>
+        <p:nvPicPr>
+          <p:cNvPr id="1030" name="Picture 6" descr="Image result for html5 css3"/>
+          <p:cNvPicPr>
+            <a:picLocks noChangeAspect="1" noChangeArrowheads="1"/>
+          </p:cNvPicPr>
+          <p:nvPr/>
+        </p:nvPicPr>
+        <p:blipFill>
+          <a:blip r:embed="rId9">
+            <a:extLst>
+              <a:ext uri="{28A0092B-C50C-407E-A947-70E740481C1C}">
+                <a14:useLocalDpi xmlns:a14="http://schemas.microsoft.com/office/drawing/2010/main" val="0"/>
+              </a:ext>
+            </a:extLst>
+          </a:blip>
+          <a:srcRect/>
+          <a:stretch>
+            <a:fillRect/>
+          </a:stretch>
+        </p:blipFill>
+        <p:spPr bwMode="auto">
+          <a:xfrm>
+            <a:off x="4845102" y="5104880"/>
+            <a:ext cx="1942981" cy="1295321"/>
+          </a:xfrm>
+          <a:prstGeom prst="rect">
+            <a:avLst/>
+          </a:prstGeom>
+          <a:noFill/>
+          <a:extLst>
+            <a:ext uri="{909E8E84-426E-40DD-AFC4-6F175D3DCCD1}">
+              <a14:hiddenFill xmlns:a14="http://schemas.microsoft.com/office/drawing/2010/main">
+                <a:solidFill>
+                  <a:srgbClr val="FFFFFF"/>
+                </a:solidFill>
+              </a14:hiddenFill>
+            </a:ext>
+          </a:extLst>
         </p:spPr>
       </p:pic>
     </p:spTree>
@@ -3657,10 +3745,9 @@
           <a:lstStyle/>
           <a:p>
             <a:r>
-              <a:rPr lang="fr-FR" dirty="0" smtClean="0"/>
+              <a:rPr lang="fr-FR" dirty="0"/>
               <a:t>Chiffrement</a:t>
             </a:r>
-            <a:endParaRPr lang="fr-FR" dirty="0"/>
           </a:p>
         </p:txBody>
       </p:sp>
@@ -3710,10 +3797,9 @@
           <a:lstStyle/>
           <a:p>
             <a:r>
-              <a:rPr lang="fr-FR" dirty="0" smtClean="0"/>
+              <a:rPr lang="fr-FR" dirty="0"/>
               <a:t>Démonstration</a:t>
             </a:r>
-            <a:endParaRPr lang="fr-FR" dirty="0"/>
           </a:p>
         </p:txBody>
       </p:sp>

--- a/docs/presentation_intermediaire.pptx
+++ b/docs/presentation_intermediaire.pptx
@@ -8,8 +8,9 @@
     <p:sldId id="256" r:id="rId2"/>
     <p:sldId id="260" r:id="rId3"/>
     <p:sldId id="259" r:id="rId4"/>
-    <p:sldId id="261" r:id="rId5"/>
-    <p:sldId id="257" r:id="rId6"/>
+    <p:sldId id="262" r:id="rId5"/>
+    <p:sldId id="261" r:id="rId6"/>
+    <p:sldId id="257" r:id="rId7"/>
   </p:sldIdLst>
   <p:sldSz cx="12192000" cy="6858000"/>
   <p:notesSz cx="6858000" cy="9144000"/>
@@ -247,7 +248,7 @@
           <a:p>
             <a:fld id="{ECD19FB2-3AAB-4D03-B13A-2960828C78E3}" type="datetimeFigureOut">
               <a:rPr lang="en-US" smtClean="0"/>
-              <a:t>11/15/2016</a:t>
+              <a:t>11/15/16</a:t>
             </a:fld>
             <a:endParaRPr lang="en-US" dirty="0"/>
           </a:p>
@@ -418,7 +419,7 @@
           <a:p>
             <a:fld id="{0DED02AE-B9A4-47BD-AF8E-97E16144138B}" type="datetimeFigureOut">
               <a:rPr lang="en-US" smtClean="0"/>
-              <a:t>11/15/2016</a:t>
+              <a:t>11/15/16</a:t>
             </a:fld>
             <a:endParaRPr lang="en-US" dirty="0"/>
           </a:p>
@@ -598,7 +599,7 @@
           <a:p>
             <a:fld id="{CF0FD78B-DB02-4362-BCDC-98A55456977C}" type="datetimeFigureOut">
               <a:rPr lang="en-US" smtClean="0"/>
-              <a:t>11/15/2016</a:t>
+              <a:t>11/15/16</a:t>
             </a:fld>
             <a:endParaRPr lang="en-US" dirty="0"/>
           </a:p>
@@ -768,7 +769,7 @@
           <a:p>
             <a:fld id="{99916976-5D93-46E4-A98A-FAD63E4D0EA8}" type="datetimeFigureOut">
               <a:rPr lang="en-US" smtClean="0"/>
-              <a:t>11/15/2016</a:t>
+              <a:t>11/15/16</a:t>
             </a:fld>
             <a:endParaRPr lang="en-US" dirty="0"/>
           </a:p>
@@ -1014,7 +1015,7 @@
           <a:p>
             <a:fld id="{0F39F4F5-F4D2-4D2A-AB60-88D37ADCB869}" type="datetimeFigureOut">
               <a:rPr lang="en-US" smtClean="0"/>
-              <a:t>11/15/2016</a:t>
+              <a:t>11/15/16</a:t>
             </a:fld>
             <a:endParaRPr lang="en-US" dirty="0"/>
           </a:p>
@@ -1246,7 +1247,7 @@
           <a:p>
             <a:fld id="{D23BC6CE-6D1E-47E5-8859-F31AC5380EB2}" type="datetimeFigureOut">
               <a:rPr lang="en-US" smtClean="0"/>
-              <a:t>11/15/2016</a:t>
+              <a:t>11/15/16</a:t>
             </a:fld>
             <a:endParaRPr lang="en-US" dirty="0"/>
           </a:p>
@@ -1618,7 +1619,7 @@
           <a:p>
             <a:fld id="{B1B4E7C4-4DA4-404D-9965-B13F2DD7D8BF}" type="datetimeFigureOut">
               <a:rPr lang="en-US" smtClean="0"/>
-              <a:t>11/15/2016</a:t>
+              <a:t>11/15/16</a:t>
             </a:fld>
             <a:endParaRPr lang="en-US" dirty="0"/>
           </a:p>
@@ -1741,7 +1742,7 @@
           <a:p>
             <a:fld id="{476FB7AA-4A53-424F-AD41-70827B6504BA}" type="datetimeFigureOut">
               <a:rPr lang="en-US" smtClean="0"/>
-              <a:t>11/15/2016</a:t>
+              <a:t>11/15/16</a:t>
             </a:fld>
             <a:endParaRPr lang="en-US" dirty="0"/>
           </a:p>
@@ -1836,7 +1837,7 @@
           <a:p>
             <a:fld id="{E7884882-FB12-4BC8-9960-9AD8104D7FAE}" type="datetimeFigureOut">
               <a:rPr lang="en-US" smtClean="0"/>
-              <a:t>11/15/2016</a:t>
+              <a:t>11/15/16</a:t>
             </a:fld>
             <a:endParaRPr lang="en-US" dirty="0"/>
           </a:p>
@@ -2113,7 +2114,7 @@
           <a:p>
             <a:fld id="{F7D1BD23-6E54-4D9D-AD88-A2813C73CC25}" type="datetimeFigureOut">
               <a:rPr lang="en-US" smtClean="0"/>
-              <a:t>11/15/2016</a:t>
+              <a:t>11/15/16</a:t>
             </a:fld>
             <a:endParaRPr lang="en-US" dirty="0"/>
           </a:p>
@@ -2375,7 +2376,7 @@
           <a:p>
             <a:fld id="{1471A834-4F3C-4AF9-9C74-05EC35A0F292}" type="datetimeFigureOut">
               <a:rPr lang="en-US" smtClean="0"/>
-              <a:t>11/15/2016</a:t>
+              <a:t>11/15/16</a:t>
             </a:fld>
             <a:endParaRPr lang="en-US" dirty="0"/>
           </a:p>
@@ -2588,7 +2589,7 @@
           <a:p>
             <a:fld id="{51CF1133-3259-4C45-BABA-5B62D9C6F78D}" type="datetimeFigureOut">
               <a:rPr lang="en-US" smtClean="0"/>
-              <a:t>11/15/2016</a:t>
+              <a:t>11/15/16</a:t>
             </a:fld>
             <a:endParaRPr lang="en-US" dirty="0"/>
           </a:p>
@@ -3345,6 +3346,52 @@
           </a:p>
         </p:txBody>
       </p:sp>
+      <p:sp>
+        <p:nvSpPr>
+          <p:cNvPr id="8" name="Rectangle 7"/>
+          <p:cNvSpPr/>
+          <p:nvPr/>
+        </p:nvSpPr>
+        <p:spPr>
+          <a:xfrm>
+            <a:off x="1977587" y="4228079"/>
+            <a:ext cx="8249088" cy="142754"/>
+          </a:xfrm>
+          <a:prstGeom prst="rect">
+            <a:avLst/>
+          </a:prstGeom>
+          <a:solidFill>
+            <a:schemeClr val="accent6">
+              <a:alpha val="40000"/>
+            </a:schemeClr>
+          </a:solidFill>
+          <a:ln>
+            <a:noFill/>
+          </a:ln>
+        </p:spPr>
+        <p:style>
+          <a:lnRef idx="3">
+            <a:schemeClr val="lt1"/>
+          </a:lnRef>
+          <a:fillRef idx="1">
+            <a:schemeClr val="accent6"/>
+          </a:fillRef>
+          <a:effectRef idx="1">
+            <a:schemeClr val="accent6"/>
+          </a:effectRef>
+          <a:fontRef idx="minor">
+            <a:schemeClr val="lt1"/>
+          </a:fontRef>
+        </p:style>
+        <p:txBody>
+          <a:bodyPr rtlCol="0" anchor="ctr"/>
+          <a:lstStyle/>
+          <a:p>
+            <a:pPr algn="ctr"/>
+            <a:endParaRPr lang="fr-FR"/>
+          </a:p>
+        </p:txBody>
+      </p:sp>
     </p:spTree>
     <p:extLst>
       <p:ext uri="{BB962C8B-B14F-4D97-AF65-F5344CB8AC3E}">
@@ -3708,6 +3755,89 @@
           </p:cNvPicPr>
           <p:nvPr/>
         </p:nvPicPr>
+        <p:blipFill>
+          <a:blip r:embed="rId2">
+            <a:extLst>
+              <a:ext uri="{28A0092B-C50C-407E-A947-70E740481C1C}">
+                <a14:useLocalDpi xmlns:a14="http://schemas.microsoft.com/office/drawing/2010/main" val="0"/>
+              </a:ext>
+            </a:extLst>
+          </a:blip>
+          <a:stretch>
+            <a:fillRect/>
+          </a:stretch>
+        </p:blipFill>
+        <p:spPr>
+          <a:xfrm>
+            <a:off x="1950737" y="1170432"/>
+            <a:ext cx="8290525" cy="5385815"/>
+          </a:xfrm>
+          <a:prstGeom prst="rect">
+            <a:avLst/>
+          </a:prstGeom>
+        </p:spPr>
+      </p:pic>
+      <p:sp>
+        <p:nvSpPr>
+          <p:cNvPr id="2" name="Titre 1"/>
+          <p:cNvSpPr>
+            <a:spLocks noGrp="1"/>
+          </p:cNvSpPr>
+          <p:nvPr>
+            <p:ph type="title"/>
+          </p:nvPr>
+        </p:nvSpPr>
+        <p:spPr/>
+        <p:txBody>
+          <a:bodyPr/>
+          <a:lstStyle/>
+          <a:p>
+            <a:r>
+              <a:rPr lang="fr-FR" dirty="0" smtClean="0"/>
+              <a:t>Structure du serveur</a:t>
+            </a:r>
+            <a:endParaRPr lang="fr-FR" dirty="0"/>
+          </a:p>
+        </p:txBody>
+      </p:sp>
+    </p:spTree>
+    <p:extLst>
+      <p:ext uri="{BB962C8B-B14F-4D97-AF65-F5344CB8AC3E}">
+        <p14:creationId xmlns:p14="http://schemas.microsoft.com/office/powerpoint/2010/main" val="1823587962"/>
+      </p:ext>
+    </p:extLst>
+  </p:cSld>
+  <p:clrMapOvr>
+    <a:masterClrMapping/>
+  </p:clrMapOvr>
+</p:sld>
+</file>
+
+<file path=ppt/slides/slide5.xml><?xml version="1.0" encoding="utf-8"?>
+<p:sld xmlns:a="http://schemas.openxmlformats.org/drawingml/2006/main" xmlns:r="http://schemas.openxmlformats.org/officeDocument/2006/relationships" xmlns:p="http://schemas.openxmlformats.org/presentationml/2006/main">
+  <p:cSld>
+    <p:spTree>
+      <p:nvGrpSpPr>
+        <p:cNvPr id="1" name=""/>
+        <p:cNvGrpSpPr/>
+        <p:nvPr/>
+      </p:nvGrpSpPr>
+      <p:grpSpPr>
+        <a:xfrm>
+          <a:off x="0" y="0"/>
+          <a:ext cx="0" cy="0"/>
+          <a:chOff x="0" y="0"/>
+          <a:chExt cx="0" cy="0"/>
+        </a:xfrm>
+      </p:grpSpPr>
+      <p:pic>
+        <p:nvPicPr>
+          <p:cNvPr id="4" name="Image 3"/>
+          <p:cNvPicPr>
+            <a:picLocks noChangeAspect="1"/>
+          </p:cNvPicPr>
+          <p:nvPr/>
+        </p:nvPicPr>
         <p:blipFill rotWithShape="1">
           <a:blip r:embed="rId2">
             <a:extLst>
@@ -3716,13 +3846,13 @@
               </a:ext>
             </a:extLst>
           </a:blip>
-          <a:srcRect t="13333"/>
+          <a:srcRect t="26894"/>
           <a:stretch/>
         </p:blipFill>
         <p:spPr>
           <a:xfrm>
-            <a:off x="937929" y="505608"/>
-            <a:ext cx="10316142" cy="5943601"/>
+            <a:off x="937929" y="1435608"/>
+            <a:ext cx="10316142" cy="5013601"/>
           </a:xfrm>
           <a:prstGeom prst="rect">
             <a:avLst/>
@@ -3764,7 +3894,7 @@
 </p:sld>
 </file>
 
-<file path=ppt/slides/slide5.xml><?xml version="1.0" encoding="utf-8"?>
+<file path=ppt/slides/slide6.xml><?xml version="1.0" encoding="utf-8"?>
 <p:sld xmlns:a="http://schemas.openxmlformats.org/drawingml/2006/main" xmlns:r="http://schemas.openxmlformats.org/officeDocument/2006/relationships" xmlns:p="http://schemas.openxmlformats.org/presentationml/2006/main">
   <p:cSld>
     <p:spTree>

--- a/docs/presentation_intermediaire.pptx
+++ b/docs/presentation_intermediaire.pptx
@@ -7,10 +7,11 @@
   <p:sldIdLst>
     <p:sldId id="256" r:id="rId2"/>
     <p:sldId id="260" r:id="rId3"/>
-    <p:sldId id="259" r:id="rId4"/>
-    <p:sldId id="262" r:id="rId5"/>
-    <p:sldId id="261" r:id="rId6"/>
-    <p:sldId id="257" r:id="rId7"/>
+    <p:sldId id="263" r:id="rId4"/>
+    <p:sldId id="261" r:id="rId5"/>
+    <p:sldId id="259" r:id="rId6"/>
+    <p:sldId id="262" r:id="rId7"/>
+    <p:sldId id="257" r:id="rId8"/>
   </p:sldIdLst>
   <p:sldSz cx="12192000" cy="6858000"/>
   <p:notesSz cx="6858000" cy="9144000"/>
@@ -248,7 +249,7 @@
           <a:p>
             <a:fld id="{ECD19FB2-3AAB-4D03-B13A-2960828C78E3}" type="datetimeFigureOut">
               <a:rPr lang="en-US" smtClean="0"/>
-              <a:t>11/15/16</a:t>
+              <a:t>11/16/16</a:t>
             </a:fld>
             <a:endParaRPr lang="en-US" dirty="0"/>
           </a:p>
@@ -419,7 +420,7 @@
           <a:p>
             <a:fld id="{0DED02AE-B9A4-47BD-AF8E-97E16144138B}" type="datetimeFigureOut">
               <a:rPr lang="en-US" smtClean="0"/>
-              <a:t>11/15/16</a:t>
+              <a:t>11/16/16</a:t>
             </a:fld>
             <a:endParaRPr lang="en-US" dirty="0"/>
           </a:p>
@@ -599,7 +600,7 @@
           <a:p>
             <a:fld id="{CF0FD78B-DB02-4362-BCDC-98A55456977C}" type="datetimeFigureOut">
               <a:rPr lang="en-US" smtClean="0"/>
-              <a:t>11/15/16</a:t>
+              <a:t>11/16/16</a:t>
             </a:fld>
             <a:endParaRPr lang="en-US" dirty="0"/>
           </a:p>
@@ -769,7 +770,7 @@
           <a:p>
             <a:fld id="{99916976-5D93-46E4-A98A-FAD63E4D0EA8}" type="datetimeFigureOut">
               <a:rPr lang="en-US" smtClean="0"/>
-              <a:t>11/15/16</a:t>
+              <a:t>11/16/16</a:t>
             </a:fld>
             <a:endParaRPr lang="en-US" dirty="0"/>
           </a:p>
@@ -1015,7 +1016,7 @@
           <a:p>
             <a:fld id="{0F39F4F5-F4D2-4D2A-AB60-88D37ADCB869}" type="datetimeFigureOut">
               <a:rPr lang="en-US" smtClean="0"/>
-              <a:t>11/15/16</a:t>
+              <a:t>11/16/16</a:t>
             </a:fld>
             <a:endParaRPr lang="en-US" dirty="0"/>
           </a:p>
@@ -1247,7 +1248,7 @@
           <a:p>
             <a:fld id="{D23BC6CE-6D1E-47E5-8859-F31AC5380EB2}" type="datetimeFigureOut">
               <a:rPr lang="en-US" smtClean="0"/>
-              <a:t>11/15/16</a:t>
+              <a:t>11/16/16</a:t>
             </a:fld>
             <a:endParaRPr lang="en-US" dirty="0"/>
           </a:p>
@@ -1619,7 +1620,7 @@
           <a:p>
             <a:fld id="{B1B4E7C4-4DA4-404D-9965-B13F2DD7D8BF}" type="datetimeFigureOut">
               <a:rPr lang="en-US" smtClean="0"/>
-              <a:t>11/15/16</a:t>
+              <a:t>11/16/16</a:t>
             </a:fld>
             <a:endParaRPr lang="en-US" dirty="0"/>
           </a:p>
@@ -1742,7 +1743,7 @@
           <a:p>
             <a:fld id="{476FB7AA-4A53-424F-AD41-70827B6504BA}" type="datetimeFigureOut">
               <a:rPr lang="en-US" smtClean="0"/>
-              <a:t>11/15/16</a:t>
+              <a:t>11/16/16</a:t>
             </a:fld>
             <a:endParaRPr lang="en-US" dirty="0"/>
           </a:p>
@@ -1837,7 +1838,7 @@
           <a:p>
             <a:fld id="{E7884882-FB12-4BC8-9960-9AD8104D7FAE}" type="datetimeFigureOut">
               <a:rPr lang="en-US" smtClean="0"/>
-              <a:t>11/15/16</a:t>
+              <a:t>11/16/16</a:t>
             </a:fld>
             <a:endParaRPr lang="en-US" dirty="0"/>
           </a:p>
@@ -2114,7 +2115,7 @@
           <a:p>
             <a:fld id="{F7D1BD23-6E54-4D9D-AD88-A2813C73CC25}" type="datetimeFigureOut">
               <a:rPr lang="en-US" smtClean="0"/>
-              <a:t>11/15/16</a:t>
+              <a:t>11/16/16</a:t>
             </a:fld>
             <a:endParaRPr lang="en-US" dirty="0"/>
           </a:p>
@@ -2376,7 +2377,7 @@
           <a:p>
             <a:fld id="{1471A834-4F3C-4AF9-9C74-05EC35A0F292}" type="datetimeFigureOut">
               <a:rPr lang="en-US" smtClean="0"/>
-              <a:t>11/15/16</a:t>
+              <a:t>11/16/16</a:t>
             </a:fld>
             <a:endParaRPr lang="en-US" dirty="0"/>
           </a:p>
@@ -2589,7 +2590,7 @@
           <a:p>
             <a:fld id="{51CF1133-3259-4C45-BABA-5B62D9C6F78D}" type="datetimeFigureOut">
               <a:rPr lang="en-US" smtClean="0"/>
-              <a:t>11/15/16</a:t>
+              <a:t>11/16/16</a:t>
             </a:fld>
             <a:endParaRPr lang="en-US" dirty="0"/>
           </a:p>
@@ -3215,8 +3216,8 @@
         </p:nvSpPr>
         <p:spPr>
           <a:xfrm>
-            <a:off x="1977587" y="1714500"/>
-            <a:ext cx="8249088" cy="2219995"/>
+            <a:off x="1977587" y="1714501"/>
+            <a:ext cx="8249088" cy="1176948"/>
           </a:xfrm>
           <a:prstGeom prst="rect">
             <a:avLst/>
@@ -3276,7 +3277,7 @@
         </p:blipFill>
         <p:spPr>
           <a:xfrm>
-            <a:off x="1967684" y="4523703"/>
+            <a:off x="1977129" y="4530283"/>
             <a:ext cx="8258991" cy="286555"/>
           </a:xfrm>
           <a:prstGeom prst="rect">
@@ -3392,6 +3393,98 @@
           </a:p>
         </p:txBody>
       </p:sp>
+      <p:sp>
+        <p:nvSpPr>
+          <p:cNvPr id="10" name="Rectangle 9"/>
+          <p:cNvSpPr/>
+          <p:nvPr/>
+        </p:nvSpPr>
+        <p:spPr>
+          <a:xfrm>
+            <a:off x="1971455" y="3048339"/>
+            <a:ext cx="8249088" cy="145314"/>
+          </a:xfrm>
+          <a:prstGeom prst="rect">
+            <a:avLst/>
+          </a:prstGeom>
+          <a:solidFill>
+            <a:schemeClr val="accent6">
+              <a:alpha val="40000"/>
+            </a:schemeClr>
+          </a:solidFill>
+          <a:ln>
+            <a:noFill/>
+          </a:ln>
+        </p:spPr>
+        <p:style>
+          <a:lnRef idx="3">
+            <a:schemeClr val="lt1"/>
+          </a:lnRef>
+          <a:fillRef idx="1">
+            <a:schemeClr val="accent6"/>
+          </a:fillRef>
+          <a:effectRef idx="1">
+            <a:schemeClr val="accent6"/>
+          </a:effectRef>
+          <a:fontRef idx="minor">
+            <a:schemeClr val="lt1"/>
+          </a:fontRef>
+        </p:style>
+        <p:txBody>
+          <a:bodyPr rtlCol="0" anchor="ctr"/>
+          <a:lstStyle/>
+          <a:p>
+            <a:pPr algn="ctr"/>
+            <a:endParaRPr lang="fr-FR"/>
+          </a:p>
+        </p:txBody>
+      </p:sp>
+      <p:sp>
+        <p:nvSpPr>
+          <p:cNvPr id="12" name="Rectangle 11"/>
+          <p:cNvSpPr/>
+          <p:nvPr/>
+        </p:nvSpPr>
+        <p:spPr>
+          <a:xfrm>
+            <a:off x="1979631" y="3476597"/>
+            <a:ext cx="8249088" cy="449278"/>
+          </a:xfrm>
+          <a:prstGeom prst="rect">
+            <a:avLst/>
+          </a:prstGeom>
+          <a:solidFill>
+            <a:schemeClr val="accent6">
+              <a:alpha val="40000"/>
+            </a:schemeClr>
+          </a:solidFill>
+          <a:ln>
+            <a:noFill/>
+          </a:ln>
+        </p:spPr>
+        <p:style>
+          <a:lnRef idx="3">
+            <a:schemeClr val="lt1"/>
+          </a:lnRef>
+          <a:fillRef idx="1">
+            <a:schemeClr val="accent6"/>
+          </a:fillRef>
+          <a:effectRef idx="1">
+            <a:schemeClr val="accent6"/>
+          </a:effectRef>
+          <a:fontRef idx="minor">
+            <a:schemeClr val="lt1"/>
+          </a:fontRef>
+        </p:style>
+        <p:txBody>
+          <a:bodyPr rtlCol="0" anchor="ctr"/>
+          <a:lstStyle/>
+          <a:p>
+            <a:pPr algn="ctr"/>
+            <a:endParaRPr lang="fr-FR"/>
+          </a:p>
+        </p:txBody>
+      </p:sp>
     </p:spTree>
     <p:extLst>
       <p:ext uri="{BB962C8B-B14F-4D97-AF65-F5344CB8AC3E}">
@@ -3406,6 +3499,193 @@
 </file>
 
 <file path=ppt/slides/slide3.xml><?xml version="1.0" encoding="utf-8"?>
+<p:sld xmlns:a="http://schemas.openxmlformats.org/drawingml/2006/main" xmlns:r="http://schemas.openxmlformats.org/officeDocument/2006/relationships" xmlns:p="http://schemas.openxmlformats.org/presentationml/2006/main">
+  <p:cSld>
+    <p:spTree>
+      <p:nvGrpSpPr>
+        <p:cNvPr id="1" name=""/>
+        <p:cNvGrpSpPr/>
+        <p:nvPr/>
+      </p:nvGrpSpPr>
+      <p:grpSpPr>
+        <a:xfrm>
+          <a:off x="0" y="0"/>
+          <a:ext cx="0" cy="0"/>
+          <a:chOff x="0" y="0"/>
+          <a:chExt cx="0" cy="0"/>
+        </a:xfrm>
+      </p:grpSpPr>
+      <p:sp>
+        <p:nvSpPr>
+          <p:cNvPr id="2" name="Titre 1"/>
+          <p:cNvSpPr>
+            <a:spLocks noGrp="1"/>
+          </p:cNvSpPr>
+          <p:nvPr>
+            <p:ph type="title"/>
+          </p:nvPr>
+        </p:nvSpPr>
+        <p:spPr/>
+        <p:txBody>
+          <a:bodyPr/>
+          <a:lstStyle/>
+          <a:p>
+            <a:r>
+              <a:rPr lang="fr-FR" dirty="0" smtClean="0"/>
+              <a:t>Problèmes rencontrés</a:t>
+            </a:r>
+            <a:endParaRPr lang="fr-FR" dirty="0"/>
+          </a:p>
+        </p:txBody>
+      </p:sp>
+      <p:sp>
+        <p:nvSpPr>
+          <p:cNvPr id="3" name="Espace réservé du contenu 2"/>
+          <p:cNvSpPr>
+            <a:spLocks noGrp="1"/>
+          </p:cNvSpPr>
+          <p:nvPr>
+            <p:ph idx="1"/>
+          </p:nvPr>
+        </p:nvSpPr>
+        <p:spPr/>
+        <p:txBody>
+          <a:bodyPr/>
+          <a:lstStyle/>
+          <a:p>
+            <a:r>
+              <a:rPr lang="fr-FR" dirty="0" smtClean="0"/>
+              <a:t>HTTP Access Control (CORS)</a:t>
+            </a:r>
+          </a:p>
+          <a:p>
+            <a:r>
+              <a:rPr lang="fr-FR" dirty="0" smtClean="0"/>
+              <a:t>Librairie de cryptographie</a:t>
+            </a:r>
+          </a:p>
+          <a:p>
+            <a:r>
+              <a:rPr lang="fr-FR" dirty="0" smtClean="0"/>
+              <a:t>Répartition du travail sur une m</a:t>
+            </a:r>
+            <a:r>
+              <a:rPr lang="en-US" dirty="0" err="1" smtClean="0"/>
+              <a:t>ême</a:t>
+            </a:r>
+            <a:r>
+              <a:rPr lang="en-US" dirty="0" smtClean="0"/>
+              <a:t> </a:t>
+            </a:r>
+            <a:r>
+              <a:rPr lang="en-US" dirty="0" err="1" smtClean="0"/>
+              <a:t>tâche</a:t>
+            </a:r>
+            <a:endParaRPr lang="fr-FR" dirty="0" smtClean="0"/>
+          </a:p>
+          <a:p>
+            <a:endParaRPr lang="fr-FR" dirty="0" smtClean="0"/>
+          </a:p>
+          <a:p>
+            <a:endParaRPr lang="fr-FR" dirty="0"/>
+          </a:p>
+        </p:txBody>
+      </p:sp>
+    </p:spTree>
+    <p:extLst>
+      <p:ext uri="{BB962C8B-B14F-4D97-AF65-F5344CB8AC3E}">
+        <p14:creationId xmlns:p14="http://schemas.microsoft.com/office/powerpoint/2010/main" val="17249843"/>
+      </p:ext>
+    </p:extLst>
+  </p:cSld>
+  <p:clrMapOvr>
+    <a:masterClrMapping/>
+  </p:clrMapOvr>
+</p:sld>
+</file>
+
+<file path=ppt/slides/slide4.xml><?xml version="1.0" encoding="utf-8"?>
+<p:sld xmlns:a="http://schemas.openxmlformats.org/drawingml/2006/main" xmlns:r="http://schemas.openxmlformats.org/officeDocument/2006/relationships" xmlns:p="http://schemas.openxmlformats.org/presentationml/2006/main">
+  <p:cSld>
+    <p:spTree>
+      <p:nvGrpSpPr>
+        <p:cNvPr id="1" name=""/>
+        <p:cNvGrpSpPr/>
+        <p:nvPr/>
+      </p:nvGrpSpPr>
+      <p:grpSpPr>
+        <a:xfrm>
+          <a:off x="0" y="0"/>
+          <a:ext cx="0" cy="0"/>
+          <a:chOff x="0" y="0"/>
+          <a:chExt cx="0" cy="0"/>
+        </a:xfrm>
+      </p:grpSpPr>
+      <p:pic>
+        <p:nvPicPr>
+          <p:cNvPr id="4" name="Image 3"/>
+          <p:cNvPicPr>
+            <a:picLocks noChangeAspect="1"/>
+          </p:cNvPicPr>
+          <p:nvPr/>
+        </p:nvPicPr>
+        <p:blipFill rotWithShape="1">
+          <a:blip r:embed="rId2">
+            <a:extLst>
+              <a:ext uri="{28A0092B-C50C-407E-A947-70E740481C1C}">
+                <a14:useLocalDpi xmlns:a14="http://schemas.microsoft.com/office/drawing/2010/main" val="0"/>
+              </a:ext>
+            </a:extLst>
+          </a:blip>
+          <a:srcRect t="26894"/>
+          <a:stretch/>
+        </p:blipFill>
+        <p:spPr>
+          <a:xfrm>
+            <a:off x="937929" y="1330508"/>
+            <a:ext cx="10316142" cy="5013601"/>
+          </a:xfrm>
+          <a:prstGeom prst="rect">
+            <a:avLst/>
+          </a:prstGeom>
+        </p:spPr>
+      </p:pic>
+      <p:sp>
+        <p:nvSpPr>
+          <p:cNvPr id="2" name="Titre 1"/>
+          <p:cNvSpPr>
+            <a:spLocks noGrp="1"/>
+          </p:cNvSpPr>
+          <p:nvPr>
+            <p:ph type="title"/>
+          </p:nvPr>
+        </p:nvSpPr>
+        <p:spPr/>
+        <p:txBody>
+          <a:bodyPr/>
+          <a:lstStyle/>
+          <a:p>
+            <a:r>
+              <a:rPr lang="fr-FR" dirty="0"/>
+              <a:t>Chiffrement</a:t>
+            </a:r>
+          </a:p>
+        </p:txBody>
+      </p:sp>
+    </p:spTree>
+    <p:extLst>
+      <p:ext uri="{BB962C8B-B14F-4D97-AF65-F5344CB8AC3E}">
+        <p14:creationId xmlns:p14="http://schemas.microsoft.com/office/powerpoint/2010/main" val="2053038434"/>
+      </p:ext>
+    </p:extLst>
+  </p:cSld>
+  <p:clrMapOvr>
+    <a:masterClrMapping/>
+  </p:clrMapOvr>
+</p:sld>
+</file>
+
+<file path=ppt/slides/slide5.xml><?xml version="1.0" encoding="utf-8"?>
 <p:sld xmlns:a="http://schemas.openxmlformats.org/drawingml/2006/main" xmlns:r="http://schemas.openxmlformats.org/officeDocument/2006/relationships" xmlns:p="http://schemas.openxmlformats.org/presentationml/2006/main">
   <p:cSld>
     <p:spTree>
@@ -3730,7 +4010,7 @@
 </p:sld>
 </file>
 
-<file path=ppt/slides/slide4.xml><?xml version="1.0" encoding="utf-8"?>
+<file path=ppt/slides/slide6.xml><?xml version="1.0" encoding="utf-8"?>
 <p:sld xmlns:a="http://schemas.openxmlformats.org/drawingml/2006/main" xmlns:r="http://schemas.openxmlformats.org/officeDocument/2006/relationships" xmlns:p="http://schemas.openxmlformats.org/presentationml/2006/main">
   <p:cSld>
     <p:spTree>
@@ -3813,88 +4093,7 @@
 </p:sld>
 </file>
 
-<file path=ppt/slides/slide5.xml><?xml version="1.0" encoding="utf-8"?>
-<p:sld xmlns:a="http://schemas.openxmlformats.org/drawingml/2006/main" xmlns:r="http://schemas.openxmlformats.org/officeDocument/2006/relationships" xmlns:p="http://schemas.openxmlformats.org/presentationml/2006/main">
-  <p:cSld>
-    <p:spTree>
-      <p:nvGrpSpPr>
-        <p:cNvPr id="1" name=""/>
-        <p:cNvGrpSpPr/>
-        <p:nvPr/>
-      </p:nvGrpSpPr>
-      <p:grpSpPr>
-        <a:xfrm>
-          <a:off x="0" y="0"/>
-          <a:ext cx="0" cy="0"/>
-          <a:chOff x="0" y="0"/>
-          <a:chExt cx="0" cy="0"/>
-        </a:xfrm>
-      </p:grpSpPr>
-      <p:pic>
-        <p:nvPicPr>
-          <p:cNvPr id="4" name="Image 3"/>
-          <p:cNvPicPr>
-            <a:picLocks noChangeAspect="1"/>
-          </p:cNvPicPr>
-          <p:nvPr/>
-        </p:nvPicPr>
-        <p:blipFill rotWithShape="1">
-          <a:blip r:embed="rId2">
-            <a:extLst>
-              <a:ext uri="{28A0092B-C50C-407E-A947-70E740481C1C}">
-                <a14:useLocalDpi xmlns:a14="http://schemas.microsoft.com/office/drawing/2010/main" val="0"/>
-              </a:ext>
-            </a:extLst>
-          </a:blip>
-          <a:srcRect t="26894"/>
-          <a:stretch/>
-        </p:blipFill>
-        <p:spPr>
-          <a:xfrm>
-            <a:off x="937929" y="1435608"/>
-            <a:ext cx="10316142" cy="5013601"/>
-          </a:xfrm>
-          <a:prstGeom prst="rect">
-            <a:avLst/>
-          </a:prstGeom>
-        </p:spPr>
-      </p:pic>
-      <p:sp>
-        <p:nvSpPr>
-          <p:cNvPr id="2" name="Titre 1"/>
-          <p:cNvSpPr>
-            <a:spLocks noGrp="1"/>
-          </p:cNvSpPr>
-          <p:nvPr>
-            <p:ph type="title"/>
-          </p:nvPr>
-        </p:nvSpPr>
-        <p:spPr/>
-        <p:txBody>
-          <a:bodyPr/>
-          <a:lstStyle/>
-          <a:p>
-            <a:r>
-              <a:rPr lang="fr-FR" dirty="0"/>
-              <a:t>Chiffrement</a:t>
-            </a:r>
-          </a:p>
-        </p:txBody>
-      </p:sp>
-    </p:spTree>
-    <p:extLst>
-      <p:ext uri="{BB962C8B-B14F-4D97-AF65-F5344CB8AC3E}">
-        <p14:creationId xmlns:p14="http://schemas.microsoft.com/office/powerpoint/2010/main" val="2053038434"/>
-      </p:ext>
-    </p:extLst>
-  </p:cSld>
-  <p:clrMapOvr>
-    <a:masterClrMapping/>
-  </p:clrMapOvr>
-</p:sld>
-</file>
-
-<file path=ppt/slides/slide6.xml><?xml version="1.0" encoding="utf-8"?>
+<file path=ppt/slides/slide7.xml><?xml version="1.0" encoding="utf-8"?>
 <p:sld xmlns:a="http://schemas.openxmlformats.org/drawingml/2006/main" xmlns:r="http://schemas.openxmlformats.org/officeDocument/2006/relationships" xmlns:p="http://schemas.openxmlformats.org/presentationml/2006/main">
   <p:cSld>
     <p:spTree>

--- a/docs/presentation_intermediaire.pptx
+++ b/docs/presentation_intermediaire.pptx
@@ -2,16 +2,24 @@
 <file path=ppt/presentation.xml><?xml version="1.0" encoding="utf-8"?>
 <p:presentation xmlns:a="http://schemas.openxmlformats.org/drawingml/2006/main" xmlns:r="http://schemas.openxmlformats.org/officeDocument/2006/relationships" xmlns:p="http://schemas.openxmlformats.org/presentationml/2006/main" saveSubsetFonts="1" autoCompressPictures="0">
   <p:sldMasterIdLst>
-    <p:sldMasterId id="2147483879" r:id="rId1"/>
+    <p:sldMasterId id="2147483660" r:id="rId1"/>
   </p:sldMasterIdLst>
+  <p:notesMasterIdLst>
+    <p:notesMasterId r:id="rId14"/>
+  </p:notesMasterIdLst>
   <p:sldIdLst>
     <p:sldId id="256" r:id="rId2"/>
-    <p:sldId id="260" r:id="rId3"/>
-    <p:sldId id="263" r:id="rId4"/>
-    <p:sldId id="261" r:id="rId5"/>
-    <p:sldId id="259" r:id="rId6"/>
-    <p:sldId id="262" r:id="rId7"/>
-    <p:sldId id="257" r:id="rId8"/>
+    <p:sldId id="257" r:id="rId3"/>
+    <p:sldId id="258" r:id="rId4"/>
+    <p:sldId id="259" r:id="rId5"/>
+    <p:sldId id="260" r:id="rId6"/>
+    <p:sldId id="266" r:id="rId7"/>
+    <p:sldId id="261" r:id="rId8"/>
+    <p:sldId id="267" r:id="rId9"/>
+    <p:sldId id="262" r:id="rId10"/>
+    <p:sldId id="263" r:id="rId11"/>
+    <p:sldId id="264" r:id="rId12"/>
+    <p:sldId id="265" r:id="rId13"/>
   </p:sldIdLst>
   <p:sldSz cx="12192000" cy="6858000"/>
   <p:notesSz cx="6858000" cy="9144000"/>
@@ -118,6 +126,860 @@
 </p:presentation>
 </file>
 
+<file path=ppt/notesMasters/notesMaster1.xml><?xml version="1.0" encoding="utf-8"?>
+<p:notesMaster xmlns:a="http://schemas.openxmlformats.org/drawingml/2006/main" xmlns:r="http://schemas.openxmlformats.org/officeDocument/2006/relationships" xmlns:p="http://schemas.openxmlformats.org/presentationml/2006/main">
+  <p:cSld>
+    <p:bg>
+      <p:bgRef idx="1001">
+        <a:schemeClr val="bg1"/>
+      </p:bgRef>
+    </p:bg>
+    <p:spTree>
+      <p:nvGrpSpPr>
+        <p:cNvPr id="1" name=""/>
+        <p:cNvGrpSpPr/>
+        <p:nvPr/>
+      </p:nvGrpSpPr>
+      <p:grpSpPr>
+        <a:xfrm>
+          <a:off x="0" y="0"/>
+          <a:ext cx="0" cy="0"/>
+          <a:chOff x="0" y="0"/>
+          <a:chExt cx="0" cy="0"/>
+        </a:xfrm>
+      </p:grpSpPr>
+      <p:sp>
+        <p:nvSpPr>
+          <p:cNvPr id="2" name="Espace réservé de l'en-tête 1"/>
+          <p:cNvSpPr>
+            <a:spLocks noGrp="1"/>
+          </p:cNvSpPr>
+          <p:nvPr>
+            <p:ph type="hdr" sz="quarter"/>
+          </p:nvPr>
+        </p:nvSpPr>
+        <p:spPr>
+          <a:xfrm>
+            <a:off x="0" y="0"/>
+            <a:ext cx="2971800" cy="458788"/>
+          </a:xfrm>
+          <a:prstGeom prst="rect">
+            <a:avLst/>
+          </a:prstGeom>
+        </p:spPr>
+        <p:txBody>
+          <a:bodyPr vert="horz" lIns="91440" tIns="45720" rIns="91440" bIns="45720" rtlCol="0"/>
+          <a:lstStyle>
+            <a:lvl1pPr algn="l">
+              <a:defRPr sz="1200"/>
+            </a:lvl1pPr>
+          </a:lstStyle>
+          <a:p>
+            <a:endParaRPr lang="fr-CH"/>
+          </a:p>
+        </p:txBody>
+      </p:sp>
+      <p:sp>
+        <p:nvSpPr>
+          <p:cNvPr id="3" name="Espace réservé de la date 2"/>
+          <p:cNvSpPr>
+            <a:spLocks noGrp="1"/>
+          </p:cNvSpPr>
+          <p:nvPr>
+            <p:ph type="dt" idx="1"/>
+          </p:nvPr>
+        </p:nvSpPr>
+        <p:spPr>
+          <a:xfrm>
+            <a:off x="3884613" y="0"/>
+            <a:ext cx="2971800" cy="458788"/>
+          </a:xfrm>
+          <a:prstGeom prst="rect">
+            <a:avLst/>
+          </a:prstGeom>
+        </p:spPr>
+        <p:txBody>
+          <a:bodyPr vert="horz" lIns="91440" tIns="45720" rIns="91440" bIns="45720" rtlCol="0"/>
+          <a:lstStyle>
+            <a:lvl1pPr algn="r">
+              <a:defRPr sz="1200"/>
+            </a:lvl1pPr>
+          </a:lstStyle>
+          <a:p>
+            <a:fld id="{8D9C74C8-EFD6-412F-A578-14D072A1F371}" type="datetimeFigureOut">
+              <a:rPr lang="fr-CH" smtClean="0"/>
+              <a:t>23.11.2016</a:t>
+            </a:fld>
+            <a:endParaRPr lang="fr-CH"/>
+          </a:p>
+        </p:txBody>
+      </p:sp>
+      <p:sp>
+        <p:nvSpPr>
+          <p:cNvPr id="4" name="Espace réservé de l'image des diapositives 3"/>
+          <p:cNvSpPr>
+            <a:spLocks noGrp="1" noRot="1" noChangeAspect="1"/>
+          </p:cNvSpPr>
+          <p:nvPr>
+            <p:ph type="sldImg" idx="2"/>
+          </p:nvPr>
+        </p:nvSpPr>
+        <p:spPr>
+          <a:xfrm>
+            <a:off x="685800" y="1143000"/>
+            <a:ext cx="5486400" cy="3086100"/>
+          </a:xfrm>
+          <a:prstGeom prst="rect">
+            <a:avLst/>
+          </a:prstGeom>
+          <a:noFill/>
+          <a:ln w="12700">
+            <a:solidFill>
+              <a:prstClr val="black"/>
+            </a:solidFill>
+          </a:ln>
+        </p:spPr>
+        <p:txBody>
+          <a:bodyPr vert="horz" lIns="91440" tIns="45720" rIns="91440" bIns="45720" rtlCol="0" anchor="ctr"/>
+          <a:lstStyle/>
+          <a:p>
+            <a:endParaRPr lang="fr-CH"/>
+          </a:p>
+        </p:txBody>
+      </p:sp>
+      <p:sp>
+        <p:nvSpPr>
+          <p:cNvPr id="5" name="Espace réservé des notes 4"/>
+          <p:cNvSpPr>
+            <a:spLocks noGrp="1"/>
+          </p:cNvSpPr>
+          <p:nvPr>
+            <p:ph type="body" sz="quarter" idx="3"/>
+          </p:nvPr>
+        </p:nvSpPr>
+        <p:spPr>
+          <a:xfrm>
+            <a:off x="685800" y="4400550"/>
+            <a:ext cx="5486400" cy="3600450"/>
+          </a:xfrm>
+          <a:prstGeom prst="rect">
+            <a:avLst/>
+          </a:prstGeom>
+        </p:spPr>
+        <p:txBody>
+          <a:bodyPr vert="horz" lIns="91440" tIns="45720" rIns="91440" bIns="45720" rtlCol="0"/>
+          <a:lstStyle/>
+          <a:p>
+            <a:pPr lvl="0"/>
+            <a:r>
+              <a:rPr lang="fr-FR"/>
+              <a:t>Modifier les styles du texte du masque</a:t>
+            </a:r>
+          </a:p>
+          <a:p>
+            <a:pPr lvl="1"/>
+            <a:r>
+              <a:rPr lang="fr-FR"/>
+              <a:t>Deuxième niveau</a:t>
+            </a:r>
+          </a:p>
+          <a:p>
+            <a:pPr lvl="2"/>
+            <a:r>
+              <a:rPr lang="fr-FR"/>
+              <a:t>Troisième niveau</a:t>
+            </a:r>
+          </a:p>
+          <a:p>
+            <a:pPr lvl="3"/>
+            <a:r>
+              <a:rPr lang="fr-FR"/>
+              <a:t>Quatrième niveau</a:t>
+            </a:r>
+          </a:p>
+          <a:p>
+            <a:pPr lvl="4"/>
+            <a:r>
+              <a:rPr lang="fr-FR"/>
+              <a:t>Cinquième niveau</a:t>
+            </a:r>
+            <a:endParaRPr lang="fr-CH"/>
+          </a:p>
+        </p:txBody>
+      </p:sp>
+      <p:sp>
+        <p:nvSpPr>
+          <p:cNvPr id="6" name="Espace réservé du pied de page 5"/>
+          <p:cNvSpPr>
+            <a:spLocks noGrp="1"/>
+          </p:cNvSpPr>
+          <p:nvPr>
+            <p:ph type="ftr" sz="quarter" idx="4"/>
+          </p:nvPr>
+        </p:nvSpPr>
+        <p:spPr>
+          <a:xfrm>
+            <a:off x="0" y="8685213"/>
+            <a:ext cx="2971800" cy="458787"/>
+          </a:xfrm>
+          <a:prstGeom prst="rect">
+            <a:avLst/>
+          </a:prstGeom>
+        </p:spPr>
+        <p:txBody>
+          <a:bodyPr vert="horz" lIns="91440" tIns="45720" rIns="91440" bIns="45720" rtlCol="0" anchor="b"/>
+          <a:lstStyle>
+            <a:lvl1pPr algn="l">
+              <a:defRPr sz="1200"/>
+            </a:lvl1pPr>
+          </a:lstStyle>
+          <a:p>
+            <a:endParaRPr lang="fr-CH"/>
+          </a:p>
+        </p:txBody>
+      </p:sp>
+      <p:sp>
+        <p:nvSpPr>
+          <p:cNvPr id="7" name="Espace réservé du numéro de diapositive 6"/>
+          <p:cNvSpPr>
+            <a:spLocks noGrp="1"/>
+          </p:cNvSpPr>
+          <p:nvPr>
+            <p:ph type="sldNum" sz="quarter" idx="5"/>
+          </p:nvPr>
+        </p:nvSpPr>
+        <p:spPr>
+          <a:xfrm>
+            <a:off x="3884613" y="8685213"/>
+            <a:ext cx="2971800" cy="458787"/>
+          </a:xfrm>
+          <a:prstGeom prst="rect">
+            <a:avLst/>
+          </a:prstGeom>
+        </p:spPr>
+        <p:txBody>
+          <a:bodyPr vert="horz" lIns="91440" tIns="45720" rIns="91440" bIns="45720" rtlCol="0" anchor="b"/>
+          <a:lstStyle>
+            <a:lvl1pPr algn="r">
+              <a:defRPr sz="1200"/>
+            </a:lvl1pPr>
+          </a:lstStyle>
+          <a:p>
+            <a:fld id="{C47C8F5F-AEF7-460B-954B-015F02BEBA03}" type="slidenum">
+              <a:rPr lang="fr-CH" smtClean="0"/>
+              <a:t>‹N°›</a:t>
+            </a:fld>
+            <a:endParaRPr lang="fr-CH"/>
+          </a:p>
+        </p:txBody>
+      </p:sp>
+    </p:spTree>
+    <p:extLst>
+      <p:ext uri="{BB962C8B-B14F-4D97-AF65-F5344CB8AC3E}">
+        <p14:creationId xmlns:p14="http://schemas.microsoft.com/office/powerpoint/2010/main" val="3426084723"/>
+      </p:ext>
+    </p:extLst>
+  </p:cSld>
+  <p:clrMap bg1="lt1" tx1="dk1" bg2="lt2" tx2="dk2" accent1="accent1" accent2="accent2" accent3="accent3" accent4="accent4" accent5="accent5" accent6="accent6" hlink="hlink" folHlink="folHlink"/>
+  <p:notesStyle>
+    <a:lvl1pPr marL="0" algn="l" defTabSz="914400" rtl="0" eaLnBrk="1" latinLnBrk="0" hangingPunct="1">
+      <a:defRPr sz="1200" kern="1200">
+        <a:solidFill>
+          <a:schemeClr val="tx1"/>
+        </a:solidFill>
+        <a:latin typeface="+mn-lt"/>
+        <a:ea typeface="+mn-ea"/>
+        <a:cs typeface="+mn-cs"/>
+      </a:defRPr>
+    </a:lvl1pPr>
+    <a:lvl2pPr marL="457200" algn="l" defTabSz="914400" rtl="0" eaLnBrk="1" latinLnBrk="0" hangingPunct="1">
+      <a:defRPr sz="1200" kern="1200">
+        <a:solidFill>
+          <a:schemeClr val="tx1"/>
+        </a:solidFill>
+        <a:latin typeface="+mn-lt"/>
+        <a:ea typeface="+mn-ea"/>
+        <a:cs typeface="+mn-cs"/>
+      </a:defRPr>
+    </a:lvl2pPr>
+    <a:lvl3pPr marL="914400" algn="l" defTabSz="914400" rtl="0" eaLnBrk="1" latinLnBrk="0" hangingPunct="1">
+      <a:defRPr sz="1200" kern="1200">
+        <a:solidFill>
+          <a:schemeClr val="tx1"/>
+        </a:solidFill>
+        <a:latin typeface="+mn-lt"/>
+        <a:ea typeface="+mn-ea"/>
+        <a:cs typeface="+mn-cs"/>
+      </a:defRPr>
+    </a:lvl3pPr>
+    <a:lvl4pPr marL="1371600" algn="l" defTabSz="914400" rtl="0" eaLnBrk="1" latinLnBrk="0" hangingPunct="1">
+      <a:defRPr sz="1200" kern="1200">
+        <a:solidFill>
+          <a:schemeClr val="tx1"/>
+        </a:solidFill>
+        <a:latin typeface="+mn-lt"/>
+        <a:ea typeface="+mn-ea"/>
+        <a:cs typeface="+mn-cs"/>
+      </a:defRPr>
+    </a:lvl4pPr>
+    <a:lvl5pPr marL="1828800" algn="l" defTabSz="914400" rtl="0" eaLnBrk="1" latinLnBrk="0" hangingPunct="1">
+      <a:defRPr sz="1200" kern="1200">
+        <a:solidFill>
+          <a:schemeClr val="tx1"/>
+        </a:solidFill>
+        <a:latin typeface="+mn-lt"/>
+        <a:ea typeface="+mn-ea"/>
+        <a:cs typeface="+mn-cs"/>
+      </a:defRPr>
+    </a:lvl5pPr>
+    <a:lvl6pPr marL="2286000" algn="l" defTabSz="914400" rtl="0" eaLnBrk="1" latinLnBrk="0" hangingPunct="1">
+      <a:defRPr sz="1200" kern="1200">
+        <a:solidFill>
+          <a:schemeClr val="tx1"/>
+        </a:solidFill>
+        <a:latin typeface="+mn-lt"/>
+        <a:ea typeface="+mn-ea"/>
+        <a:cs typeface="+mn-cs"/>
+      </a:defRPr>
+    </a:lvl6pPr>
+    <a:lvl7pPr marL="2743200" algn="l" defTabSz="914400" rtl="0" eaLnBrk="1" latinLnBrk="0" hangingPunct="1">
+      <a:defRPr sz="1200" kern="1200">
+        <a:solidFill>
+          <a:schemeClr val="tx1"/>
+        </a:solidFill>
+        <a:latin typeface="+mn-lt"/>
+        <a:ea typeface="+mn-ea"/>
+        <a:cs typeface="+mn-cs"/>
+      </a:defRPr>
+    </a:lvl7pPr>
+    <a:lvl8pPr marL="3200400" algn="l" defTabSz="914400" rtl="0" eaLnBrk="1" latinLnBrk="0" hangingPunct="1">
+      <a:defRPr sz="1200" kern="1200">
+        <a:solidFill>
+          <a:schemeClr val="tx1"/>
+        </a:solidFill>
+        <a:latin typeface="+mn-lt"/>
+        <a:ea typeface="+mn-ea"/>
+        <a:cs typeface="+mn-cs"/>
+      </a:defRPr>
+    </a:lvl8pPr>
+    <a:lvl9pPr marL="3657600" algn="l" defTabSz="914400" rtl="0" eaLnBrk="1" latinLnBrk="0" hangingPunct="1">
+      <a:defRPr sz="1200" kern="1200">
+        <a:solidFill>
+          <a:schemeClr val="tx1"/>
+        </a:solidFill>
+        <a:latin typeface="+mn-lt"/>
+        <a:ea typeface="+mn-ea"/>
+        <a:cs typeface="+mn-cs"/>
+      </a:defRPr>
+    </a:lvl9pPr>
+  </p:notesStyle>
+</p:notesMaster>
+</file>
+
+<file path=ppt/notesSlides/notesSlide1.xml><?xml version="1.0" encoding="utf-8"?>
+<p:notes xmlns:a="http://schemas.openxmlformats.org/drawingml/2006/main" xmlns:r="http://schemas.openxmlformats.org/officeDocument/2006/relationships" xmlns:p="http://schemas.openxmlformats.org/presentationml/2006/main">
+  <p:cSld>
+    <p:spTree>
+      <p:nvGrpSpPr>
+        <p:cNvPr id="1" name=""/>
+        <p:cNvGrpSpPr/>
+        <p:nvPr/>
+      </p:nvGrpSpPr>
+      <p:grpSpPr>
+        <a:xfrm>
+          <a:off x="0" y="0"/>
+          <a:ext cx="0" cy="0"/>
+          <a:chOff x="0" y="0"/>
+          <a:chExt cx="0" cy="0"/>
+        </a:xfrm>
+      </p:grpSpPr>
+      <p:sp>
+        <p:nvSpPr>
+          <p:cNvPr id="2" name="Espace réservé de l'image des diapositives 1"/>
+          <p:cNvSpPr>
+            <a:spLocks noGrp="1" noRot="1" noChangeAspect="1"/>
+          </p:cNvSpPr>
+          <p:nvPr>
+            <p:ph type="sldImg"/>
+          </p:nvPr>
+        </p:nvSpPr>
+        <p:spPr/>
+      </p:sp>
+      <p:sp>
+        <p:nvSpPr>
+          <p:cNvPr id="3" name="Espace réservé des notes 2"/>
+          <p:cNvSpPr>
+            <a:spLocks noGrp="1"/>
+          </p:cNvSpPr>
+          <p:nvPr>
+            <p:ph type="body" idx="1"/>
+          </p:nvPr>
+        </p:nvSpPr>
+        <p:spPr/>
+        <p:txBody>
+          <a:bodyPr/>
+          <a:lstStyle/>
+          <a:p>
+            <a:endParaRPr lang="en-US" dirty="0"/>
+          </a:p>
+        </p:txBody>
+      </p:sp>
+      <p:sp>
+        <p:nvSpPr>
+          <p:cNvPr id="4" name="Espace réservé du numéro de diapositive 3"/>
+          <p:cNvSpPr>
+            <a:spLocks noGrp="1"/>
+          </p:cNvSpPr>
+          <p:nvPr>
+            <p:ph type="sldNum" sz="quarter" idx="10"/>
+          </p:nvPr>
+        </p:nvSpPr>
+        <p:spPr/>
+        <p:txBody>
+          <a:bodyPr/>
+          <a:lstStyle/>
+          <a:p>
+            <a:fld id="{C47C8F5F-AEF7-460B-954B-015F02BEBA03}" type="slidenum">
+              <a:rPr lang="fr-CH" smtClean="0"/>
+              <a:t>4</a:t>
+            </a:fld>
+            <a:endParaRPr lang="fr-CH"/>
+          </a:p>
+        </p:txBody>
+      </p:sp>
+    </p:spTree>
+    <p:extLst>
+      <p:ext uri="{BB962C8B-B14F-4D97-AF65-F5344CB8AC3E}">
+        <p14:creationId xmlns:p14="http://schemas.microsoft.com/office/powerpoint/2010/main" val="1568848946"/>
+      </p:ext>
+    </p:extLst>
+  </p:cSld>
+  <p:clrMapOvr>
+    <a:masterClrMapping/>
+  </p:clrMapOvr>
+</p:notes>
+</file>
+
+<file path=ppt/notesSlides/notesSlide2.xml><?xml version="1.0" encoding="utf-8"?>
+<p:notes xmlns:a="http://schemas.openxmlformats.org/drawingml/2006/main" xmlns:r="http://schemas.openxmlformats.org/officeDocument/2006/relationships" xmlns:p="http://schemas.openxmlformats.org/presentationml/2006/main">
+  <p:cSld>
+    <p:spTree>
+      <p:nvGrpSpPr>
+        <p:cNvPr id="1" name=""/>
+        <p:cNvGrpSpPr/>
+        <p:nvPr/>
+      </p:nvGrpSpPr>
+      <p:grpSpPr>
+        <a:xfrm>
+          <a:off x="0" y="0"/>
+          <a:ext cx="0" cy="0"/>
+          <a:chOff x="0" y="0"/>
+          <a:chExt cx="0" cy="0"/>
+        </a:xfrm>
+      </p:grpSpPr>
+      <p:sp>
+        <p:nvSpPr>
+          <p:cNvPr id="2" name="Espace réservé de l'image des diapositives 1"/>
+          <p:cNvSpPr>
+            <a:spLocks noGrp="1" noRot="1" noChangeAspect="1"/>
+          </p:cNvSpPr>
+          <p:nvPr>
+            <p:ph type="sldImg"/>
+          </p:nvPr>
+        </p:nvSpPr>
+        <p:spPr/>
+      </p:sp>
+      <p:sp>
+        <p:nvSpPr>
+          <p:cNvPr id="3" name="Espace réservé des notes 2"/>
+          <p:cNvSpPr>
+            <a:spLocks noGrp="1"/>
+          </p:cNvSpPr>
+          <p:nvPr>
+            <p:ph type="body" idx="1"/>
+          </p:nvPr>
+        </p:nvSpPr>
+        <p:spPr/>
+        <p:txBody>
+          <a:bodyPr/>
+          <a:lstStyle/>
+          <a:p>
+            <a:endParaRPr lang="fr-CH" dirty="0"/>
+          </a:p>
+        </p:txBody>
+      </p:sp>
+      <p:sp>
+        <p:nvSpPr>
+          <p:cNvPr id="4" name="Espace réservé du numéro de diapositive 3"/>
+          <p:cNvSpPr>
+            <a:spLocks noGrp="1"/>
+          </p:cNvSpPr>
+          <p:nvPr>
+            <p:ph type="sldNum" sz="quarter" idx="10"/>
+          </p:nvPr>
+        </p:nvSpPr>
+        <p:spPr/>
+        <p:txBody>
+          <a:bodyPr/>
+          <a:lstStyle/>
+          <a:p>
+            <a:fld id="{C47C8F5F-AEF7-460B-954B-015F02BEBA03}" type="slidenum">
+              <a:rPr lang="fr-CH" smtClean="0"/>
+              <a:t>5</a:t>
+            </a:fld>
+            <a:endParaRPr lang="fr-CH"/>
+          </a:p>
+        </p:txBody>
+      </p:sp>
+    </p:spTree>
+    <p:extLst>
+      <p:ext uri="{BB962C8B-B14F-4D97-AF65-F5344CB8AC3E}">
+        <p14:creationId xmlns:p14="http://schemas.microsoft.com/office/powerpoint/2010/main" val="3751941571"/>
+      </p:ext>
+    </p:extLst>
+  </p:cSld>
+  <p:clrMapOvr>
+    <a:masterClrMapping/>
+  </p:clrMapOvr>
+</p:notes>
+</file>
+
+<file path=ppt/notesSlides/notesSlide3.xml><?xml version="1.0" encoding="utf-8"?>
+<p:notes xmlns:a="http://schemas.openxmlformats.org/drawingml/2006/main" xmlns:r="http://schemas.openxmlformats.org/officeDocument/2006/relationships" xmlns:p="http://schemas.openxmlformats.org/presentationml/2006/main">
+  <p:cSld>
+    <p:spTree>
+      <p:nvGrpSpPr>
+        <p:cNvPr id="1" name=""/>
+        <p:cNvGrpSpPr/>
+        <p:nvPr/>
+      </p:nvGrpSpPr>
+      <p:grpSpPr>
+        <a:xfrm>
+          <a:off x="0" y="0"/>
+          <a:ext cx="0" cy="0"/>
+          <a:chOff x="0" y="0"/>
+          <a:chExt cx="0" cy="0"/>
+        </a:xfrm>
+      </p:grpSpPr>
+      <p:sp>
+        <p:nvSpPr>
+          <p:cNvPr id="2" name="Espace réservé de l'image des diapositives 1"/>
+          <p:cNvSpPr>
+            <a:spLocks noGrp="1" noRot="1" noChangeAspect="1"/>
+          </p:cNvSpPr>
+          <p:nvPr>
+            <p:ph type="sldImg"/>
+          </p:nvPr>
+        </p:nvSpPr>
+        <p:spPr/>
+      </p:sp>
+      <p:sp>
+        <p:nvSpPr>
+          <p:cNvPr id="3" name="Espace réservé des notes 2"/>
+          <p:cNvSpPr>
+            <a:spLocks noGrp="1"/>
+          </p:cNvSpPr>
+          <p:nvPr>
+            <p:ph type="body" idx="1"/>
+          </p:nvPr>
+        </p:nvSpPr>
+        <p:spPr/>
+        <p:txBody>
+          <a:bodyPr/>
+          <a:lstStyle/>
+          <a:p>
+            <a:endParaRPr lang="fr-CH" dirty="0"/>
+          </a:p>
+        </p:txBody>
+      </p:sp>
+      <p:sp>
+        <p:nvSpPr>
+          <p:cNvPr id="4" name="Espace réservé du numéro de diapositive 3"/>
+          <p:cNvSpPr>
+            <a:spLocks noGrp="1"/>
+          </p:cNvSpPr>
+          <p:nvPr>
+            <p:ph type="sldNum" sz="quarter" idx="10"/>
+          </p:nvPr>
+        </p:nvSpPr>
+        <p:spPr/>
+        <p:txBody>
+          <a:bodyPr/>
+          <a:lstStyle/>
+          <a:p>
+            <a:fld id="{C47C8F5F-AEF7-460B-954B-015F02BEBA03}" type="slidenum">
+              <a:rPr lang="fr-CH" smtClean="0"/>
+              <a:t>7</a:t>
+            </a:fld>
+            <a:endParaRPr lang="fr-CH"/>
+          </a:p>
+        </p:txBody>
+      </p:sp>
+    </p:spTree>
+    <p:extLst>
+      <p:ext uri="{BB962C8B-B14F-4D97-AF65-F5344CB8AC3E}">
+        <p14:creationId xmlns:p14="http://schemas.microsoft.com/office/powerpoint/2010/main" val="1977702217"/>
+      </p:ext>
+    </p:extLst>
+  </p:cSld>
+  <p:clrMapOvr>
+    <a:masterClrMapping/>
+  </p:clrMapOvr>
+</p:notes>
+</file>
+
+<file path=ppt/notesSlides/notesSlide4.xml><?xml version="1.0" encoding="utf-8"?>
+<p:notes xmlns:a="http://schemas.openxmlformats.org/drawingml/2006/main" xmlns:r="http://schemas.openxmlformats.org/officeDocument/2006/relationships" xmlns:p="http://schemas.openxmlformats.org/presentationml/2006/main">
+  <p:cSld>
+    <p:spTree>
+      <p:nvGrpSpPr>
+        <p:cNvPr id="1" name=""/>
+        <p:cNvGrpSpPr/>
+        <p:nvPr/>
+      </p:nvGrpSpPr>
+      <p:grpSpPr>
+        <a:xfrm>
+          <a:off x="0" y="0"/>
+          <a:ext cx="0" cy="0"/>
+          <a:chOff x="0" y="0"/>
+          <a:chExt cx="0" cy="0"/>
+        </a:xfrm>
+      </p:grpSpPr>
+      <p:sp>
+        <p:nvSpPr>
+          <p:cNvPr id="2" name="Espace réservé de l'image des diapositives 1"/>
+          <p:cNvSpPr>
+            <a:spLocks noGrp="1" noRot="1" noChangeAspect="1"/>
+          </p:cNvSpPr>
+          <p:nvPr>
+            <p:ph type="sldImg"/>
+          </p:nvPr>
+        </p:nvSpPr>
+        <p:spPr/>
+      </p:sp>
+      <p:sp>
+        <p:nvSpPr>
+          <p:cNvPr id="3" name="Espace réservé des notes 2"/>
+          <p:cNvSpPr>
+            <a:spLocks noGrp="1"/>
+          </p:cNvSpPr>
+          <p:nvPr>
+            <p:ph type="body" idx="1"/>
+          </p:nvPr>
+        </p:nvSpPr>
+        <p:spPr/>
+        <p:txBody>
+          <a:bodyPr/>
+          <a:lstStyle/>
+          <a:p>
+            <a:endParaRPr lang="fr-CH" dirty="0"/>
+          </a:p>
+        </p:txBody>
+      </p:sp>
+      <p:sp>
+        <p:nvSpPr>
+          <p:cNvPr id="4" name="Espace réservé du numéro de diapositive 3"/>
+          <p:cNvSpPr>
+            <a:spLocks noGrp="1"/>
+          </p:cNvSpPr>
+          <p:nvPr>
+            <p:ph type="sldNum" sz="quarter" idx="10"/>
+          </p:nvPr>
+        </p:nvSpPr>
+        <p:spPr/>
+        <p:txBody>
+          <a:bodyPr/>
+          <a:lstStyle/>
+          <a:p>
+            <a:fld id="{C47C8F5F-AEF7-460B-954B-015F02BEBA03}" type="slidenum">
+              <a:rPr lang="fr-CH" smtClean="0"/>
+              <a:t>10</a:t>
+            </a:fld>
+            <a:endParaRPr lang="fr-CH"/>
+          </a:p>
+        </p:txBody>
+      </p:sp>
+    </p:spTree>
+    <p:extLst>
+      <p:ext uri="{BB962C8B-B14F-4D97-AF65-F5344CB8AC3E}">
+        <p14:creationId xmlns:p14="http://schemas.microsoft.com/office/powerpoint/2010/main" val="503900116"/>
+      </p:ext>
+    </p:extLst>
+  </p:cSld>
+  <p:clrMapOvr>
+    <a:masterClrMapping/>
+  </p:clrMapOvr>
+</p:notes>
+</file>
+
+<file path=ppt/notesSlides/notesSlide5.xml><?xml version="1.0" encoding="utf-8"?>
+<p:notes xmlns:a="http://schemas.openxmlformats.org/drawingml/2006/main" xmlns:r="http://schemas.openxmlformats.org/officeDocument/2006/relationships" xmlns:p="http://schemas.openxmlformats.org/presentationml/2006/main">
+  <p:cSld>
+    <p:spTree>
+      <p:nvGrpSpPr>
+        <p:cNvPr id="1" name=""/>
+        <p:cNvGrpSpPr/>
+        <p:nvPr/>
+      </p:nvGrpSpPr>
+      <p:grpSpPr>
+        <a:xfrm>
+          <a:off x="0" y="0"/>
+          <a:ext cx="0" cy="0"/>
+          <a:chOff x="0" y="0"/>
+          <a:chExt cx="0" cy="0"/>
+        </a:xfrm>
+      </p:grpSpPr>
+      <p:sp>
+        <p:nvSpPr>
+          <p:cNvPr id="2" name="Espace réservé de l'image des diapositives 1"/>
+          <p:cNvSpPr>
+            <a:spLocks noGrp="1" noRot="1" noChangeAspect="1"/>
+          </p:cNvSpPr>
+          <p:nvPr>
+            <p:ph type="sldImg"/>
+          </p:nvPr>
+        </p:nvSpPr>
+        <p:spPr/>
+      </p:sp>
+      <p:sp>
+        <p:nvSpPr>
+          <p:cNvPr id="3" name="Espace réservé des notes 2"/>
+          <p:cNvSpPr>
+            <a:spLocks noGrp="1"/>
+          </p:cNvSpPr>
+          <p:nvPr>
+            <p:ph type="body" idx="1"/>
+          </p:nvPr>
+        </p:nvSpPr>
+        <p:spPr/>
+        <p:txBody>
+          <a:bodyPr/>
+          <a:lstStyle/>
+          <a:p>
+            <a:endParaRPr lang="fr-CH" dirty="0"/>
+          </a:p>
+        </p:txBody>
+      </p:sp>
+      <p:sp>
+        <p:nvSpPr>
+          <p:cNvPr id="4" name="Espace réservé du numéro de diapositive 3"/>
+          <p:cNvSpPr>
+            <a:spLocks noGrp="1"/>
+          </p:cNvSpPr>
+          <p:nvPr>
+            <p:ph type="sldNum" sz="quarter" idx="10"/>
+          </p:nvPr>
+        </p:nvSpPr>
+        <p:spPr/>
+        <p:txBody>
+          <a:bodyPr/>
+          <a:lstStyle/>
+          <a:p>
+            <a:fld id="{C47C8F5F-AEF7-460B-954B-015F02BEBA03}" type="slidenum">
+              <a:rPr lang="fr-CH" smtClean="0"/>
+              <a:t>11</a:t>
+            </a:fld>
+            <a:endParaRPr lang="fr-CH"/>
+          </a:p>
+        </p:txBody>
+      </p:sp>
+    </p:spTree>
+    <p:extLst>
+      <p:ext uri="{BB962C8B-B14F-4D97-AF65-F5344CB8AC3E}">
+        <p14:creationId xmlns:p14="http://schemas.microsoft.com/office/powerpoint/2010/main" val="164595159"/>
+      </p:ext>
+    </p:extLst>
+  </p:cSld>
+  <p:clrMapOvr>
+    <a:masterClrMapping/>
+  </p:clrMapOvr>
+</p:notes>
+</file>
+
+<file path=ppt/notesSlides/notesSlide6.xml><?xml version="1.0" encoding="utf-8"?>
+<p:notes xmlns:a="http://schemas.openxmlformats.org/drawingml/2006/main" xmlns:r="http://schemas.openxmlformats.org/officeDocument/2006/relationships" xmlns:p="http://schemas.openxmlformats.org/presentationml/2006/main">
+  <p:cSld>
+    <p:spTree>
+      <p:nvGrpSpPr>
+        <p:cNvPr id="1" name=""/>
+        <p:cNvGrpSpPr/>
+        <p:nvPr/>
+      </p:nvGrpSpPr>
+      <p:grpSpPr>
+        <a:xfrm>
+          <a:off x="0" y="0"/>
+          <a:ext cx="0" cy="0"/>
+          <a:chOff x="0" y="0"/>
+          <a:chExt cx="0" cy="0"/>
+        </a:xfrm>
+      </p:grpSpPr>
+      <p:sp>
+        <p:nvSpPr>
+          <p:cNvPr id="2" name="Espace réservé de l'image des diapositives 1"/>
+          <p:cNvSpPr>
+            <a:spLocks noGrp="1" noRot="1" noChangeAspect="1"/>
+          </p:cNvSpPr>
+          <p:nvPr>
+            <p:ph type="sldImg"/>
+          </p:nvPr>
+        </p:nvSpPr>
+        <p:spPr/>
+      </p:sp>
+      <p:sp>
+        <p:nvSpPr>
+          <p:cNvPr id="3" name="Espace réservé des notes 2"/>
+          <p:cNvSpPr>
+            <a:spLocks noGrp="1"/>
+          </p:cNvSpPr>
+          <p:nvPr>
+            <p:ph type="body" idx="1"/>
+          </p:nvPr>
+        </p:nvSpPr>
+        <p:spPr/>
+        <p:txBody>
+          <a:bodyPr/>
+          <a:lstStyle/>
+          <a:p>
+            <a:endParaRPr lang="fr-CH" dirty="0"/>
+          </a:p>
+        </p:txBody>
+      </p:sp>
+      <p:sp>
+        <p:nvSpPr>
+          <p:cNvPr id="4" name="Espace réservé du numéro de diapositive 3"/>
+          <p:cNvSpPr>
+            <a:spLocks noGrp="1"/>
+          </p:cNvSpPr>
+          <p:nvPr>
+            <p:ph type="sldNum" sz="quarter" idx="10"/>
+          </p:nvPr>
+        </p:nvSpPr>
+        <p:spPr/>
+        <p:txBody>
+          <a:bodyPr/>
+          <a:lstStyle/>
+          <a:p>
+            <a:fld id="{C47C8F5F-AEF7-460B-954B-015F02BEBA03}" type="slidenum">
+              <a:rPr lang="fr-CH" smtClean="0"/>
+              <a:t>12</a:t>
+            </a:fld>
+            <a:endParaRPr lang="fr-CH"/>
+          </a:p>
+        </p:txBody>
+      </p:sp>
+    </p:spTree>
+    <p:extLst>
+      <p:ext uri="{BB962C8B-B14F-4D97-AF65-F5344CB8AC3E}">
+        <p14:creationId xmlns:p14="http://schemas.microsoft.com/office/powerpoint/2010/main" val="430519737"/>
+      </p:ext>
+    </p:extLst>
+  </p:cSld>
+  <p:clrMapOvr>
+    <a:masterClrMapping/>
+  </p:clrMapOvr>
+</p:notes>
+</file>
+
 <file path=ppt/slideLayouts/slideLayout1.xml><?xml version="1.0" encoding="utf-8"?>
 <p:sldLayout xmlns:a="http://schemas.openxmlformats.org/drawingml/2006/main" xmlns:r="http://schemas.openxmlformats.org/officeDocument/2006/relationships" xmlns:p="http://schemas.openxmlformats.org/presentationml/2006/main" type="title" preserve="1">
   <p:cSld name="Diapositive de titre">
@@ -137,7 +999,7 @@
       </p:grpSpPr>
       <p:sp>
         <p:nvSpPr>
-          <p:cNvPr id="2" name="Title 1"/>
+          <p:cNvPr id="2" name="Titre 1"/>
           <p:cNvSpPr>
             <a:spLocks noGrp="1"/>
           </p:cNvSpPr>
@@ -160,16 +1022,16 @@
           </a:lstStyle>
           <a:p>
             <a:r>
-              <a:rPr lang="en-US"/>
+              <a:rPr lang="en-US" smtClean="0"/>
               <a:t>Cliquez et modifiez le titre</a:t>
             </a:r>
-            <a:endParaRPr lang="en-US" dirty="0"/>
-          </a:p>
-        </p:txBody>
-      </p:sp>
-      <p:sp>
-        <p:nvSpPr>
-          <p:cNvPr id="3" name="Subtitle 2"/>
+            <a:endParaRPr lang="fr-FR"/>
+          </a:p>
+        </p:txBody>
+      </p:sp>
+      <p:sp>
+        <p:nvSpPr>
+          <p:cNvPr id="3" name="Sous-titre 2"/>
           <p:cNvSpPr>
             <a:spLocks noGrp="1"/>
           </p:cNvSpPr>
@@ -225,16 +1087,16 @@
           </a:lstStyle>
           <a:p>
             <a:r>
-              <a:rPr lang="en-US"/>
+              <a:rPr lang="en-US" smtClean="0"/>
               <a:t>Cliquez pour modifier le style des sous-titres du masque</a:t>
             </a:r>
-            <a:endParaRPr lang="en-US" dirty="0"/>
-          </a:p>
-        </p:txBody>
-      </p:sp>
-      <p:sp>
-        <p:nvSpPr>
-          <p:cNvPr id="4" name="Date Placeholder 3"/>
+            <a:endParaRPr lang="fr-FR"/>
+          </a:p>
+        </p:txBody>
+      </p:sp>
+      <p:sp>
+        <p:nvSpPr>
+          <p:cNvPr id="4" name="Espace réservé de la date 3"/>
           <p:cNvSpPr>
             <a:spLocks noGrp="1"/>
           </p:cNvSpPr>
@@ -247,9 +1109,9 @@
           <a:bodyPr/>
           <a:lstStyle/>
           <a:p>
-            <a:fld id="{ECD19FB2-3AAB-4D03-B13A-2960828C78E3}" type="datetimeFigureOut">
-              <a:rPr lang="en-US" smtClean="0"/>
-              <a:t>11/16/16</a:t>
+            <a:fld id="{48A87A34-81AB-432B-8DAE-1953F412C126}" type="datetimeFigureOut">
+              <a:rPr lang="en-US" smtClean="0"/>
+              <a:t>11/23/2016</a:t>
             </a:fld>
             <a:endParaRPr lang="en-US" dirty="0"/>
           </a:p>
@@ -257,7 +1119,7 @@
       </p:sp>
       <p:sp>
         <p:nvSpPr>
-          <p:cNvPr id="5" name="Footer Placeholder 4"/>
+          <p:cNvPr id="5" name="Espace réservé du pied de page 4"/>
           <p:cNvSpPr>
             <a:spLocks noGrp="1"/>
           </p:cNvSpPr>
@@ -276,7 +1138,7 @@
       </p:sp>
       <p:sp>
         <p:nvSpPr>
-          <p:cNvPr id="6" name="Slide Number Placeholder 5"/>
+          <p:cNvPr id="6" name="Espace réservé du numéro de diapositive 5"/>
           <p:cNvSpPr>
             <a:spLocks noGrp="1"/>
           </p:cNvSpPr>
@@ -291,8 +1153,7 @@
           <a:p>
             <a:fld id="{6D22F896-40B5-4ADD-8801-0D06FADFA095}" type="slidenum">
               <a:rPr lang="en-US" smtClean="0"/>
-              <a:pPr/>
-              <a:t>‹#›</a:t>
+              <a:t>‹N°›</a:t>
             </a:fld>
             <a:endParaRPr lang="en-US" dirty="0"/>
           </a:p>
@@ -301,7 +1162,7 @@
     </p:spTree>
     <p:extLst>
       <p:ext uri="{BB962C8B-B14F-4D97-AF65-F5344CB8AC3E}">
-        <p14:creationId xmlns:p14="http://schemas.microsoft.com/office/powerpoint/2010/main" val="977260520"/>
+        <p14:creationId xmlns:p14="http://schemas.microsoft.com/office/powerpoint/2010/main" val="16859938"/>
       </p:ext>
     </p:extLst>
   </p:cSld>
@@ -330,7 +1191,7 @@
       </p:grpSpPr>
       <p:sp>
         <p:nvSpPr>
-          <p:cNvPr id="2" name="Title 1"/>
+          <p:cNvPr id="2" name="Titre 1"/>
           <p:cNvSpPr>
             <a:spLocks noGrp="1"/>
           </p:cNvSpPr>
@@ -344,16 +1205,16 @@
           <a:lstStyle/>
           <a:p>
             <a:r>
-              <a:rPr lang="en-US"/>
+              <a:rPr lang="en-US" smtClean="0"/>
               <a:t>Cliquez et modifiez le titre</a:t>
             </a:r>
-            <a:endParaRPr lang="en-US" dirty="0"/>
-          </a:p>
-        </p:txBody>
-      </p:sp>
-      <p:sp>
-        <p:nvSpPr>
-          <p:cNvPr id="3" name="Vertical Text Placeholder 2"/>
+            <a:endParaRPr lang="fr-FR"/>
+          </a:p>
+        </p:txBody>
+      </p:sp>
+      <p:sp>
+        <p:nvSpPr>
+          <p:cNvPr id="3" name="Espace réservé du texte vertical 2"/>
           <p:cNvSpPr>
             <a:spLocks noGrp="1"/>
           </p:cNvSpPr>
@@ -368,44 +1229,44 @@
           <a:p>
             <a:pPr lvl="0"/>
             <a:r>
-              <a:rPr lang="en-US"/>
+              <a:rPr lang="en-US" smtClean="0"/>
               <a:t>Cliquez pour modifier les styles du texte du masque</a:t>
             </a:r>
           </a:p>
           <a:p>
             <a:pPr lvl="1"/>
             <a:r>
-              <a:rPr lang="en-US"/>
+              <a:rPr lang="en-US" smtClean="0"/>
               <a:t>Deuxième niveau</a:t>
             </a:r>
           </a:p>
           <a:p>
             <a:pPr lvl="2"/>
             <a:r>
-              <a:rPr lang="en-US"/>
+              <a:rPr lang="en-US" smtClean="0"/>
               <a:t>Troisième niveau</a:t>
             </a:r>
           </a:p>
           <a:p>
             <a:pPr lvl="3"/>
             <a:r>
-              <a:rPr lang="en-US"/>
+              <a:rPr lang="en-US" smtClean="0"/>
               <a:t>Quatrième niveau</a:t>
             </a:r>
           </a:p>
           <a:p>
             <a:pPr lvl="4"/>
             <a:r>
-              <a:rPr lang="en-US"/>
+              <a:rPr lang="en-US" smtClean="0"/>
               <a:t>Cinquième niveau</a:t>
             </a:r>
-            <a:endParaRPr lang="en-US" dirty="0"/>
-          </a:p>
-        </p:txBody>
-      </p:sp>
-      <p:sp>
-        <p:nvSpPr>
-          <p:cNvPr id="4" name="Date Placeholder 3"/>
+            <a:endParaRPr lang="fr-FR"/>
+          </a:p>
+        </p:txBody>
+      </p:sp>
+      <p:sp>
+        <p:nvSpPr>
+          <p:cNvPr id="4" name="Espace réservé de la date 3"/>
           <p:cNvSpPr>
             <a:spLocks noGrp="1"/>
           </p:cNvSpPr>
@@ -418,9 +1279,9 @@
           <a:bodyPr/>
           <a:lstStyle/>
           <a:p>
-            <a:fld id="{0DED02AE-B9A4-47BD-AF8E-97E16144138B}" type="datetimeFigureOut">
-              <a:rPr lang="en-US" smtClean="0"/>
-              <a:t>11/16/16</a:t>
+            <a:fld id="{48A87A34-81AB-432B-8DAE-1953F412C126}" type="datetimeFigureOut">
+              <a:rPr lang="en-US" smtClean="0"/>
+              <a:t>11/23/2016</a:t>
             </a:fld>
             <a:endParaRPr lang="en-US" dirty="0"/>
           </a:p>
@@ -428,7 +1289,7 @@
       </p:sp>
       <p:sp>
         <p:nvSpPr>
-          <p:cNvPr id="5" name="Footer Placeholder 4"/>
+          <p:cNvPr id="5" name="Espace réservé du pied de page 4"/>
           <p:cNvSpPr>
             <a:spLocks noGrp="1"/>
           </p:cNvSpPr>
@@ -447,7 +1308,7 @@
       </p:sp>
       <p:sp>
         <p:nvSpPr>
-          <p:cNvPr id="6" name="Slide Number Placeholder 5"/>
+          <p:cNvPr id="6" name="Espace réservé du numéro de diapositive 5"/>
           <p:cNvSpPr>
             <a:spLocks noGrp="1"/>
           </p:cNvSpPr>
@@ -462,7 +1323,7 @@
           <a:p>
             <a:fld id="{6D22F896-40B5-4ADD-8801-0D06FADFA095}" type="slidenum">
               <a:rPr lang="en-US" smtClean="0"/>
-              <a:t>‹#›</a:t>
+              <a:t>‹N°›</a:t>
             </a:fld>
             <a:endParaRPr lang="en-US" dirty="0"/>
           </a:p>
@@ -471,7 +1332,7 @@
     </p:spTree>
     <p:extLst>
       <p:ext uri="{BB962C8B-B14F-4D97-AF65-F5344CB8AC3E}">
-        <p14:creationId xmlns:p14="http://schemas.microsoft.com/office/powerpoint/2010/main" val="1722321934"/>
+        <p14:creationId xmlns:p14="http://schemas.microsoft.com/office/powerpoint/2010/main" val="614240709"/>
       </p:ext>
     </p:extLst>
   </p:cSld>
@@ -500,7 +1361,7 @@
       </p:grpSpPr>
       <p:sp>
         <p:nvSpPr>
-          <p:cNvPr id="2" name="Vertical Title 1"/>
+          <p:cNvPr id="2" name="Titre vertical 1"/>
           <p:cNvSpPr>
             <a:spLocks noGrp="1"/>
           </p:cNvSpPr>
@@ -519,16 +1380,16 @@
           <a:lstStyle/>
           <a:p>
             <a:r>
-              <a:rPr lang="en-US"/>
+              <a:rPr lang="en-US" smtClean="0"/>
               <a:t>Cliquez et modifiez le titre</a:t>
             </a:r>
-            <a:endParaRPr lang="en-US" dirty="0"/>
-          </a:p>
-        </p:txBody>
-      </p:sp>
-      <p:sp>
-        <p:nvSpPr>
-          <p:cNvPr id="3" name="Vertical Text Placeholder 2"/>
+            <a:endParaRPr lang="fr-FR"/>
+          </a:p>
+        </p:txBody>
+      </p:sp>
+      <p:sp>
+        <p:nvSpPr>
+          <p:cNvPr id="3" name="Espace réservé du texte vertical 2"/>
           <p:cNvSpPr>
             <a:spLocks noGrp="1"/>
           </p:cNvSpPr>
@@ -548,44 +1409,44 @@
           <a:p>
             <a:pPr lvl="0"/>
             <a:r>
-              <a:rPr lang="en-US"/>
+              <a:rPr lang="en-US" smtClean="0"/>
               <a:t>Cliquez pour modifier les styles du texte du masque</a:t>
             </a:r>
           </a:p>
           <a:p>
             <a:pPr lvl="1"/>
             <a:r>
-              <a:rPr lang="en-US"/>
+              <a:rPr lang="en-US" smtClean="0"/>
               <a:t>Deuxième niveau</a:t>
             </a:r>
           </a:p>
           <a:p>
             <a:pPr lvl="2"/>
             <a:r>
-              <a:rPr lang="en-US"/>
+              <a:rPr lang="en-US" smtClean="0"/>
               <a:t>Troisième niveau</a:t>
             </a:r>
           </a:p>
           <a:p>
             <a:pPr lvl="3"/>
             <a:r>
-              <a:rPr lang="en-US"/>
+              <a:rPr lang="en-US" smtClean="0"/>
               <a:t>Quatrième niveau</a:t>
             </a:r>
           </a:p>
           <a:p>
             <a:pPr lvl="4"/>
             <a:r>
-              <a:rPr lang="en-US"/>
+              <a:rPr lang="en-US" smtClean="0"/>
               <a:t>Cinquième niveau</a:t>
             </a:r>
-            <a:endParaRPr lang="en-US" dirty="0"/>
-          </a:p>
-        </p:txBody>
-      </p:sp>
-      <p:sp>
-        <p:nvSpPr>
-          <p:cNvPr id="4" name="Date Placeholder 3"/>
+            <a:endParaRPr lang="fr-FR"/>
+          </a:p>
+        </p:txBody>
+      </p:sp>
+      <p:sp>
+        <p:nvSpPr>
+          <p:cNvPr id="4" name="Espace réservé de la date 3"/>
           <p:cNvSpPr>
             <a:spLocks noGrp="1"/>
           </p:cNvSpPr>
@@ -598,9 +1459,9 @@
           <a:bodyPr/>
           <a:lstStyle/>
           <a:p>
-            <a:fld id="{CF0FD78B-DB02-4362-BCDC-98A55456977C}" type="datetimeFigureOut">
-              <a:rPr lang="en-US" smtClean="0"/>
-              <a:t>11/16/16</a:t>
+            <a:fld id="{48A87A34-81AB-432B-8DAE-1953F412C126}" type="datetimeFigureOut">
+              <a:rPr lang="en-US" smtClean="0"/>
+              <a:t>11/23/2016</a:t>
             </a:fld>
             <a:endParaRPr lang="en-US" dirty="0"/>
           </a:p>
@@ -608,7 +1469,7 @@
       </p:sp>
       <p:sp>
         <p:nvSpPr>
-          <p:cNvPr id="5" name="Footer Placeholder 4"/>
+          <p:cNvPr id="5" name="Espace réservé du pied de page 4"/>
           <p:cNvSpPr>
             <a:spLocks noGrp="1"/>
           </p:cNvSpPr>
@@ -627,7 +1488,7 @@
       </p:sp>
       <p:sp>
         <p:nvSpPr>
-          <p:cNvPr id="6" name="Slide Number Placeholder 5"/>
+          <p:cNvPr id="6" name="Espace réservé du numéro de diapositive 5"/>
           <p:cNvSpPr>
             <a:spLocks noGrp="1"/>
           </p:cNvSpPr>
@@ -642,7 +1503,7 @@
           <a:p>
             <a:fld id="{6D22F896-40B5-4ADD-8801-0D06FADFA095}" type="slidenum">
               <a:rPr lang="en-US" smtClean="0"/>
-              <a:t>‹#›</a:t>
+              <a:t>‹N°›</a:t>
             </a:fld>
             <a:endParaRPr lang="en-US" dirty="0"/>
           </a:p>
@@ -651,7 +1512,7 @@
     </p:spTree>
     <p:extLst>
       <p:ext uri="{BB962C8B-B14F-4D97-AF65-F5344CB8AC3E}">
-        <p14:creationId xmlns:p14="http://schemas.microsoft.com/office/powerpoint/2010/main" val="1132666825"/>
+        <p14:creationId xmlns:p14="http://schemas.microsoft.com/office/powerpoint/2010/main" val="589705034"/>
       </p:ext>
     </p:extLst>
   </p:cSld>
@@ -680,7 +1541,7 @@
       </p:grpSpPr>
       <p:sp>
         <p:nvSpPr>
-          <p:cNvPr id="2" name="Title 1"/>
+          <p:cNvPr id="2" name="Titre 1"/>
           <p:cNvSpPr>
             <a:spLocks noGrp="1"/>
           </p:cNvSpPr>
@@ -694,16 +1555,16 @@
           <a:lstStyle/>
           <a:p>
             <a:r>
-              <a:rPr lang="en-US"/>
+              <a:rPr lang="en-US" smtClean="0"/>
               <a:t>Cliquez et modifiez le titre</a:t>
             </a:r>
-            <a:endParaRPr lang="en-US" dirty="0"/>
-          </a:p>
-        </p:txBody>
-      </p:sp>
-      <p:sp>
-        <p:nvSpPr>
-          <p:cNvPr id="3" name="Content Placeholder 2"/>
+            <a:endParaRPr lang="fr-FR"/>
+          </a:p>
+        </p:txBody>
+      </p:sp>
+      <p:sp>
+        <p:nvSpPr>
+          <p:cNvPr id="3" name="Espace réservé du contenu 2"/>
           <p:cNvSpPr>
             <a:spLocks noGrp="1"/>
           </p:cNvSpPr>
@@ -718,44 +1579,44 @@
           <a:p>
             <a:pPr lvl="0"/>
             <a:r>
-              <a:rPr lang="en-US"/>
+              <a:rPr lang="en-US" smtClean="0"/>
               <a:t>Cliquez pour modifier les styles du texte du masque</a:t>
             </a:r>
           </a:p>
           <a:p>
             <a:pPr lvl="1"/>
             <a:r>
-              <a:rPr lang="en-US"/>
+              <a:rPr lang="en-US" smtClean="0"/>
               <a:t>Deuxième niveau</a:t>
             </a:r>
           </a:p>
           <a:p>
             <a:pPr lvl="2"/>
             <a:r>
-              <a:rPr lang="en-US"/>
+              <a:rPr lang="en-US" smtClean="0"/>
               <a:t>Troisième niveau</a:t>
             </a:r>
           </a:p>
           <a:p>
             <a:pPr lvl="3"/>
             <a:r>
-              <a:rPr lang="en-US"/>
+              <a:rPr lang="en-US" smtClean="0"/>
               <a:t>Quatrième niveau</a:t>
             </a:r>
           </a:p>
           <a:p>
             <a:pPr lvl="4"/>
             <a:r>
-              <a:rPr lang="en-US"/>
+              <a:rPr lang="en-US" smtClean="0"/>
               <a:t>Cinquième niveau</a:t>
             </a:r>
-            <a:endParaRPr lang="en-US" dirty="0"/>
-          </a:p>
-        </p:txBody>
-      </p:sp>
-      <p:sp>
-        <p:nvSpPr>
-          <p:cNvPr id="4" name="Date Placeholder 3"/>
+            <a:endParaRPr lang="fr-FR"/>
+          </a:p>
+        </p:txBody>
+      </p:sp>
+      <p:sp>
+        <p:nvSpPr>
+          <p:cNvPr id="4" name="Espace réservé de la date 3"/>
           <p:cNvSpPr>
             <a:spLocks noGrp="1"/>
           </p:cNvSpPr>
@@ -768,9 +1629,9 @@
           <a:bodyPr/>
           <a:lstStyle/>
           <a:p>
-            <a:fld id="{99916976-5D93-46E4-A98A-FAD63E4D0EA8}" type="datetimeFigureOut">
-              <a:rPr lang="en-US" smtClean="0"/>
-              <a:t>11/16/16</a:t>
+            <a:fld id="{48A87A34-81AB-432B-8DAE-1953F412C126}" type="datetimeFigureOut">
+              <a:rPr lang="en-US" smtClean="0"/>
+              <a:t>11/23/2016</a:t>
             </a:fld>
             <a:endParaRPr lang="en-US" dirty="0"/>
           </a:p>
@@ -778,7 +1639,7 @@
       </p:sp>
       <p:sp>
         <p:nvSpPr>
-          <p:cNvPr id="5" name="Footer Placeholder 4"/>
+          <p:cNvPr id="5" name="Espace réservé du pied de page 4"/>
           <p:cNvSpPr>
             <a:spLocks noGrp="1"/>
           </p:cNvSpPr>
@@ -797,7 +1658,7 @@
       </p:sp>
       <p:sp>
         <p:nvSpPr>
-          <p:cNvPr id="6" name="Slide Number Placeholder 5"/>
+          <p:cNvPr id="6" name="Espace réservé du numéro de diapositive 5"/>
           <p:cNvSpPr>
             <a:spLocks noGrp="1"/>
           </p:cNvSpPr>
@@ -812,7 +1673,7 @@
           <a:p>
             <a:fld id="{6D22F896-40B5-4ADD-8801-0D06FADFA095}" type="slidenum">
               <a:rPr lang="en-US" smtClean="0"/>
-              <a:t>‹#›</a:t>
+              <a:t>‹N°›</a:t>
             </a:fld>
             <a:endParaRPr lang="en-US" dirty="0"/>
           </a:p>
@@ -821,7 +1682,7 @@
     </p:spTree>
     <p:extLst>
       <p:ext uri="{BB962C8B-B14F-4D97-AF65-F5344CB8AC3E}">
-        <p14:creationId xmlns:p14="http://schemas.microsoft.com/office/powerpoint/2010/main" val="862627384"/>
+        <p14:creationId xmlns:p14="http://schemas.microsoft.com/office/powerpoint/2010/main" val="2044620209"/>
       </p:ext>
     </p:extLst>
   </p:cSld>
@@ -850,7 +1711,7 @@
       </p:grpSpPr>
       <p:sp>
         <p:nvSpPr>
-          <p:cNvPr id="2" name="Title 1"/>
+          <p:cNvPr id="2" name="Titre 1"/>
           <p:cNvSpPr>
             <a:spLocks noGrp="1"/>
           </p:cNvSpPr>
@@ -873,16 +1734,16 @@
           </a:lstStyle>
           <a:p>
             <a:r>
-              <a:rPr lang="en-US"/>
+              <a:rPr lang="en-US" smtClean="0"/>
               <a:t>Cliquez et modifiez le titre</a:t>
             </a:r>
-            <a:endParaRPr lang="en-US" dirty="0"/>
-          </a:p>
-        </p:txBody>
-      </p:sp>
-      <p:sp>
-        <p:nvSpPr>
-          <p:cNvPr id="3" name="Text Placeholder 2"/>
+            <a:endParaRPr lang="fr-FR"/>
+          </a:p>
+        </p:txBody>
+      </p:sp>
+      <p:sp>
+        <p:nvSpPr>
+          <p:cNvPr id="3" name="Espace réservé du texte 2"/>
           <p:cNvSpPr>
             <a:spLocks noGrp="1"/>
           </p:cNvSpPr>
@@ -993,7 +1854,7 @@
           <a:p>
             <a:pPr lvl="0"/>
             <a:r>
-              <a:rPr lang="en-US"/>
+              <a:rPr lang="en-US" smtClean="0"/>
               <a:t>Cliquez pour modifier les styles du texte du masque</a:t>
             </a:r>
           </a:p>
@@ -1001,7 +1862,7 @@
       </p:sp>
       <p:sp>
         <p:nvSpPr>
-          <p:cNvPr id="4" name="Date Placeholder 3"/>
+          <p:cNvPr id="4" name="Espace réservé de la date 3"/>
           <p:cNvSpPr>
             <a:spLocks noGrp="1"/>
           </p:cNvSpPr>
@@ -1014,9 +1875,10 @@
           <a:bodyPr/>
           <a:lstStyle/>
           <a:p>
-            <a:fld id="{0F39F4F5-F4D2-4D2A-AB60-88D37ADCB869}" type="datetimeFigureOut">
-              <a:rPr lang="en-US" smtClean="0"/>
-              <a:t>11/16/16</a:t>
+            <a:fld id="{48A87A34-81AB-432B-8DAE-1953F412C126}" type="datetimeFigureOut">
+              <a:rPr lang="en-US" smtClean="0"/>
+              <a:pPr/>
+              <a:t>11/23/2016</a:t>
             </a:fld>
             <a:endParaRPr lang="en-US" dirty="0"/>
           </a:p>
@@ -1024,7 +1886,7 @@
       </p:sp>
       <p:sp>
         <p:nvSpPr>
-          <p:cNvPr id="5" name="Footer Placeholder 4"/>
+          <p:cNvPr id="5" name="Espace réservé du pied de page 4"/>
           <p:cNvSpPr>
             <a:spLocks noGrp="1"/>
           </p:cNvSpPr>
@@ -1043,7 +1905,7 @@
       </p:sp>
       <p:sp>
         <p:nvSpPr>
-          <p:cNvPr id="6" name="Slide Number Placeholder 5"/>
+          <p:cNvPr id="6" name="Espace réservé du numéro de diapositive 5"/>
           <p:cNvSpPr>
             <a:spLocks noGrp="1"/>
           </p:cNvSpPr>
@@ -1058,7 +1920,8 @@
           <a:p>
             <a:fld id="{6D22F896-40B5-4ADD-8801-0D06FADFA095}" type="slidenum">
               <a:rPr lang="en-US" smtClean="0"/>
-              <a:t>‹#›</a:t>
+              <a:pPr/>
+              <a:t>‹N°›</a:t>
             </a:fld>
             <a:endParaRPr lang="en-US" dirty="0"/>
           </a:p>
@@ -1067,7 +1930,7 @@
     </p:spTree>
     <p:extLst>
       <p:ext uri="{BB962C8B-B14F-4D97-AF65-F5344CB8AC3E}">
-        <p14:creationId xmlns:p14="http://schemas.microsoft.com/office/powerpoint/2010/main" val="516341991"/>
+        <p14:creationId xmlns:p14="http://schemas.microsoft.com/office/powerpoint/2010/main" val="2046017016"/>
       </p:ext>
     </p:extLst>
   </p:cSld>
@@ -1096,7 +1959,7 @@
       </p:grpSpPr>
       <p:sp>
         <p:nvSpPr>
-          <p:cNvPr id="2" name="Title 1"/>
+          <p:cNvPr id="2" name="Titre 1"/>
           <p:cNvSpPr>
             <a:spLocks noGrp="1"/>
           </p:cNvSpPr>
@@ -1110,16 +1973,16 @@
           <a:lstStyle/>
           <a:p>
             <a:r>
-              <a:rPr lang="en-US"/>
+              <a:rPr lang="en-US" smtClean="0"/>
               <a:t>Cliquez et modifiez le titre</a:t>
             </a:r>
-            <a:endParaRPr lang="en-US" dirty="0"/>
-          </a:p>
-        </p:txBody>
-      </p:sp>
-      <p:sp>
-        <p:nvSpPr>
-          <p:cNvPr id="3" name="Content Placeholder 2"/>
+            <a:endParaRPr lang="fr-FR"/>
+          </a:p>
+        </p:txBody>
+      </p:sp>
+      <p:sp>
+        <p:nvSpPr>
+          <p:cNvPr id="3" name="Espace réservé du contenu 2"/>
           <p:cNvSpPr>
             <a:spLocks noGrp="1"/>
           </p:cNvSpPr>
@@ -1139,44 +2002,44 @@
           <a:p>
             <a:pPr lvl="0"/>
             <a:r>
-              <a:rPr lang="en-US"/>
+              <a:rPr lang="en-US" smtClean="0"/>
               <a:t>Cliquez pour modifier les styles du texte du masque</a:t>
             </a:r>
           </a:p>
           <a:p>
             <a:pPr lvl="1"/>
             <a:r>
-              <a:rPr lang="en-US"/>
+              <a:rPr lang="en-US" smtClean="0"/>
               <a:t>Deuxième niveau</a:t>
             </a:r>
           </a:p>
           <a:p>
             <a:pPr lvl="2"/>
             <a:r>
-              <a:rPr lang="en-US"/>
+              <a:rPr lang="en-US" smtClean="0"/>
               <a:t>Troisième niveau</a:t>
             </a:r>
           </a:p>
           <a:p>
             <a:pPr lvl="3"/>
             <a:r>
-              <a:rPr lang="en-US"/>
+              <a:rPr lang="en-US" smtClean="0"/>
               <a:t>Quatrième niveau</a:t>
             </a:r>
           </a:p>
           <a:p>
             <a:pPr lvl="4"/>
             <a:r>
-              <a:rPr lang="en-US"/>
+              <a:rPr lang="en-US" smtClean="0"/>
               <a:t>Cinquième niveau</a:t>
             </a:r>
-            <a:endParaRPr lang="en-US" dirty="0"/>
-          </a:p>
-        </p:txBody>
-      </p:sp>
-      <p:sp>
-        <p:nvSpPr>
-          <p:cNvPr id="4" name="Content Placeholder 3"/>
+            <a:endParaRPr lang="fr-FR"/>
+          </a:p>
+        </p:txBody>
+      </p:sp>
+      <p:sp>
+        <p:nvSpPr>
+          <p:cNvPr id="4" name="Espace réservé du contenu 3"/>
           <p:cNvSpPr>
             <a:spLocks noGrp="1"/>
           </p:cNvSpPr>
@@ -1196,44 +2059,44 @@
           <a:p>
             <a:pPr lvl="0"/>
             <a:r>
-              <a:rPr lang="en-US"/>
+              <a:rPr lang="en-US" smtClean="0"/>
               <a:t>Cliquez pour modifier les styles du texte du masque</a:t>
             </a:r>
           </a:p>
           <a:p>
             <a:pPr lvl="1"/>
             <a:r>
-              <a:rPr lang="en-US"/>
+              <a:rPr lang="en-US" smtClean="0"/>
               <a:t>Deuxième niveau</a:t>
             </a:r>
           </a:p>
           <a:p>
             <a:pPr lvl="2"/>
             <a:r>
-              <a:rPr lang="en-US"/>
+              <a:rPr lang="en-US" smtClean="0"/>
               <a:t>Troisième niveau</a:t>
             </a:r>
           </a:p>
           <a:p>
             <a:pPr lvl="3"/>
             <a:r>
-              <a:rPr lang="en-US"/>
+              <a:rPr lang="en-US" smtClean="0"/>
               <a:t>Quatrième niveau</a:t>
             </a:r>
           </a:p>
           <a:p>
             <a:pPr lvl="4"/>
             <a:r>
-              <a:rPr lang="en-US"/>
+              <a:rPr lang="en-US" smtClean="0"/>
               <a:t>Cinquième niveau</a:t>
             </a:r>
-            <a:endParaRPr lang="en-US" dirty="0"/>
-          </a:p>
-        </p:txBody>
-      </p:sp>
-      <p:sp>
-        <p:nvSpPr>
-          <p:cNvPr id="5" name="Date Placeholder 4"/>
+            <a:endParaRPr lang="fr-FR"/>
+          </a:p>
+        </p:txBody>
+      </p:sp>
+      <p:sp>
+        <p:nvSpPr>
+          <p:cNvPr id="5" name="Espace réservé de la date 4"/>
           <p:cNvSpPr>
             <a:spLocks noGrp="1"/>
           </p:cNvSpPr>
@@ -1246,9 +2109,9 @@
           <a:bodyPr/>
           <a:lstStyle/>
           <a:p>
-            <a:fld id="{D23BC6CE-6D1E-47E5-8859-F31AC5380EB2}" type="datetimeFigureOut">
-              <a:rPr lang="en-US" smtClean="0"/>
-              <a:t>11/16/16</a:t>
+            <a:fld id="{48A87A34-81AB-432B-8DAE-1953F412C126}" type="datetimeFigureOut">
+              <a:rPr lang="en-US" smtClean="0"/>
+              <a:t>11/23/2016</a:t>
             </a:fld>
             <a:endParaRPr lang="en-US" dirty="0"/>
           </a:p>
@@ -1256,7 +2119,7 @@
       </p:sp>
       <p:sp>
         <p:nvSpPr>
-          <p:cNvPr id="6" name="Footer Placeholder 5"/>
+          <p:cNvPr id="6" name="Espace réservé du pied de page 5"/>
           <p:cNvSpPr>
             <a:spLocks noGrp="1"/>
           </p:cNvSpPr>
@@ -1275,7 +2138,7 @@
       </p:sp>
       <p:sp>
         <p:nvSpPr>
-          <p:cNvPr id="7" name="Slide Number Placeholder 6"/>
+          <p:cNvPr id="7" name="Espace réservé du numéro de diapositive 6"/>
           <p:cNvSpPr>
             <a:spLocks noGrp="1"/>
           </p:cNvSpPr>
@@ -1290,7 +2153,7 @@
           <a:p>
             <a:fld id="{6D22F896-40B5-4ADD-8801-0D06FADFA095}" type="slidenum">
               <a:rPr lang="en-US" smtClean="0"/>
-              <a:t>‹#›</a:t>
+              <a:t>‹N°›</a:t>
             </a:fld>
             <a:endParaRPr lang="en-US" dirty="0"/>
           </a:p>
@@ -1299,18 +2162,13 @@
     </p:spTree>
     <p:extLst>
       <p:ext uri="{BB962C8B-B14F-4D97-AF65-F5344CB8AC3E}">
-        <p14:creationId xmlns:p14="http://schemas.microsoft.com/office/powerpoint/2010/main" val="178425210"/>
+        <p14:creationId xmlns:p14="http://schemas.microsoft.com/office/powerpoint/2010/main" val="1899832148"/>
       </p:ext>
     </p:extLst>
   </p:cSld>
   <p:clrMapOvr>
     <a:masterClrMapping/>
   </p:clrMapOvr>
-  <p:extLst>
-    <p:ext uri="{DCECCB84-F9BA-43D5-87BE-67443E8EF086}">
-      <p15:sldGuideLst xmlns:p15="http://schemas.microsoft.com/office/powerpoint/2012/main"/>
-    </p:ext>
-  </p:extLst>
 </p:sldLayout>
 </file>
 
@@ -1333,7 +2191,7 @@
       </p:grpSpPr>
       <p:sp>
         <p:nvSpPr>
-          <p:cNvPr id="2" name="Title 1"/>
+          <p:cNvPr id="2" name="Titre 1"/>
           <p:cNvSpPr>
             <a:spLocks noGrp="1"/>
           </p:cNvSpPr>
@@ -1352,16 +2210,16 @@
           <a:lstStyle/>
           <a:p>
             <a:r>
-              <a:rPr lang="en-US"/>
+              <a:rPr lang="en-US" smtClean="0"/>
               <a:t>Cliquez et modifiez le titre</a:t>
             </a:r>
-            <a:endParaRPr lang="en-US" dirty="0"/>
-          </a:p>
-        </p:txBody>
-      </p:sp>
-      <p:sp>
-        <p:nvSpPr>
-          <p:cNvPr id="3" name="Text Placeholder 2"/>
+            <a:endParaRPr lang="fr-FR"/>
+          </a:p>
+        </p:txBody>
+      </p:sp>
+      <p:sp>
+        <p:nvSpPr>
+          <p:cNvPr id="3" name="Espace réservé du texte 2"/>
           <p:cNvSpPr>
             <a:spLocks noGrp="1"/>
           </p:cNvSpPr>
@@ -1418,7 +2276,7 @@
           <a:p>
             <a:pPr lvl="0"/>
             <a:r>
-              <a:rPr lang="en-US"/>
+              <a:rPr lang="en-US" smtClean="0"/>
               <a:t>Cliquez pour modifier les styles du texte du masque</a:t>
             </a:r>
           </a:p>
@@ -1426,7 +2284,7 @@
       </p:sp>
       <p:sp>
         <p:nvSpPr>
-          <p:cNvPr id="4" name="Content Placeholder 3"/>
+          <p:cNvPr id="4" name="Espace réservé du contenu 3"/>
           <p:cNvSpPr>
             <a:spLocks noGrp="1"/>
           </p:cNvSpPr>
@@ -1446,44 +2304,44 @@
           <a:p>
             <a:pPr lvl="0"/>
             <a:r>
-              <a:rPr lang="en-US"/>
+              <a:rPr lang="en-US" smtClean="0"/>
               <a:t>Cliquez pour modifier les styles du texte du masque</a:t>
             </a:r>
           </a:p>
           <a:p>
             <a:pPr lvl="1"/>
             <a:r>
-              <a:rPr lang="en-US"/>
+              <a:rPr lang="en-US" smtClean="0"/>
               <a:t>Deuxième niveau</a:t>
             </a:r>
           </a:p>
           <a:p>
             <a:pPr lvl="2"/>
             <a:r>
-              <a:rPr lang="en-US"/>
+              <a:rPr lang="en-US" smtClean="0"/>
               <a:t>Troisième niveau</a:t>
             </a:r>
           </a:p>
           <a:p>
             <a:pPr lvl="3"/>
             <a:r>
-              <a:rPr lang="en-US"/>
+              <a:rPr lang="en-US" smtClean="0"/>
               <a:t>Quatrième niveau</a:t>
             </a:r>
           </a:p>
           <a:p>
             <a:pPr lvl="4"/>
             <a:r>
-              <a:rPr lang="en-US"/>
+              <a:rPr lang="en-US" smtClean="0"/>
               <a:t>Cinquième niveau</a:t>
             </a:r>
-            <a:endParaRPr lang="en-US" dirty="0"/>
-          </a:p>
-        </p:txBody>
-      </p:sp>
-      <p:sp>
-        <p:nvSpPr>
-          <p:cNvPr id="5" name="Text Placeholder 4"/>
+            <a:endParaRPr lang="fr-FR"/>
+          </a:p>
+        </p:txBody>
+      </p:sp>
+      <p:sp>
+        <p:nvSpPr>
+          <p:cNvPr id="5" name="Espace réservé du texte 4"/>
           <p:cNvSpPr>
             <a:spLocks noGrp="1"/>
           </p:cNvSpPr>
@@ -1540,7 +2398,7 @@
           <a:p>
             <a:pPr lvl="0"/>
             <a:r>
-              <a:rPr lang="en-US"/>
+              <a:rPr lang="en-US" smtClean="0"/>
               <a:t>Cliquez pour modifier les styles du texte du masque</a:t>
             </a:r>
           </a:p>
@@ -1548,7 +2406,7 @@
       </p:sp>
       <p:sp>
         <p:nvSpPr>
-          <p:cNvPr id="6" name="Content Placeholder 5"/>
+          <p:cNvPr id="6" name="Espace réservé du contenu 5"/>
           <p:cNvSpPr>
             <a:spLocks noGrp="1"/>
           </p:cNvSpPr>
@@ -1568,44 +2426,44 @@
           <a:p>
             <a:pPr lvl="0"/>
             <a:r>
-              <a:rPr lang="en-US"/>
+              <a:rPr lang="en-US" smtClean="0"/>
               <a:t>Cliquez pour modifier les styles du texte du masque</a:t>
             </a:r>
           </a:p>
           <a:p>
             <a:pPr lvl="1"/>
             <a:r>
-              <a:rPr lang="en-US"/>
+              <a:rPr lang="en-US" smtClean="0"/>
               <a:t>Deuxième niveau</a:t>
             </a:r>
           </a:p>
           <a:p>
             <a:pPr lvl="2"/>
             <a:r>
-              <a:rPr lang="en-US"/>
+              <a:rPr lang="en-US" smtClean="0"/>
               <a:t>Troisième niveau</a:t>
             </a:r>
           </a:p>
           <a:p>
             <a:pPr lvl="3"/>
             <a:r>
-              <a:rPr lang="en-US"/>
+              <a:rPr lang="en-US" smtClean="0"/>
               <a:t>Quatrième niveau</a:t>
             </a:r>
           </a:p>
           <a:p>
             <a:pPr lvl="4"/>
             <a:r>
-              <a:rPr lang="en-US"/>
+              <a:rPr lang="en-US" smtClean="0"/>
               <a:t>Cinquième niveau</a:t>
             </a:r>
-            <a:endParaRPr lang="en-US" dirty="0"/>
-          </a:p>
-        </p:txBody>
-      </p:sp>
-      <p:sp>
-        <p:nvSpPr>
-          <p:cNvPr id="7" name="Date Placeholder 6"/>
+            <a:endParaRPr lang="fr-FR"/>
+          </a:p>
+        </p:txBody>
+      </p:sp>
+      <p:sp>
+        <p:nvSpPr>
+          <p:cNvPr id="7" name="Espace réservé de la date 6"/>
           <p:cNvSpPr>
             <a:spLocks noGrp="1"/>
           </p:cNvSpPr>
@@ -1618,9 +2476,9 @@
           <a:bodyPr/>
           <a:lstStyle/>
           <a:p>
-            <a:fld id="{B1B4E7C4-4DA4-404D-9965-B13F2DD7D8BF}" type="datetimeFigureOut">
-              <a:rPr lang="en-US" smtClean="0"/>
-              <a:t>11/16/16</a:t>
+            <a:fld id="{48A87A34-81AB-432B-8DAE-1953F412C126}" type="datetimeFigureOut">
+              <a:rPr lang="en-US" smtClean="0"/>
+              <a:t>11/23/2016</a:t>
             </a:fld>
             <a:endParaRPr lang="en-US" dirty="0"/>
           </a:p>
@@ -1628,7 +2486,7 @@
       </p:sp>
       <p:sp>
         <p:nvSpPr>
-          <p:cNvPr id="8" name="Footer Placeholder 7"/>
+          <p:cNvPr id="8" name="Espace réservé du pied de page 7"/>
           <p:cNvSpPr>
             <a:spLocks noGrp="1"/>
           </p:cNvSpPr>
@@ -1647,7 +2505,7 @@
       </p:sp>
       <p:sp>
         <p:nvSpPr>
-          <p:cNvPr id="9" name="Slide Number Placeholder 8"/>
+          <p:cNvPr id="9" name="Espace réservé du numéro de diapositive 8"/>
           <p:cNvSpPr>
             <a:spLocks noGrp="1"/>
           </p:cNvSpPr>
@@ -1662,7 +2520,7 @@
           <a:p>
             <a:fld id="{6D22F896-40B5-4ADD-8801-0D06FADFA095}" type="slidenum">
               <a:rPr lang="en-US" smtClean="0"/>
-              <a:t>‹#›</a:t>
+              <a:t>‹N°›</a:t>
             </a:fld>
             <a:endParaRPr lang="en-US" dirty="0"/>
           </a:p>
@@ -1671,18 +2529,13 @@
     </p:spTree>
     <p:extLst>
       <p:ext uri="{BB962C8B-B14F-4D97-AF65-F5344CB8AC3E}">
-        <p14:creationId xmlns:p14="http://schemas.microsoft.com/office/powerpoint/2010/main" val="905333258"/>
+        <p14:creationId xmlns:p14="http://schemas.microsoft.com/office/powerpoint/2010/main" val="1692047840"/>
       </p:ext>
     </p:extLst>
   </p:cSld>
   <p:clrMapOvr>
     <a:masterClrMapping/>
   </p:clrMapOvr>
-  <p:extLst>
-    <p:ext uri="{DCECCB84-F9BA-43D5-87BE-67443E8EF086}">
-      <p15:sldGuideLst xmlns:p15="http://schemas.microsoft.com/office/powerpoint/2012/main"/>
-    </p:ext>
-  </p:extLst>
 </p:sldLayout>
 </file>
 
@@ -1705,7 +2558,7 @@
       </p:grpSpPr>
       <p:sp>
         <p:nvSpPr>
-          <p:cNvPr id="2" name="Title 1"/>
+          <p:cNvPr id="2" name="Titre 1"/>
           <p:cNvSpPr>
             <a:spLocks noGrp="1"/>
           </p:cNvSpPr>
@@ -1719,16 +2572,16 @@
           <a:lstStyle/>
           <a:p>
             <a:r>
-              <a:rPr lang="en-US"/>
+              <a:rPr lang="en-US" smtClean="0"/>
               <a:t>Cliquez et modifiez le titre</a:t>
             </a:r>
-            <a:endParaRPr lang="en-US" dirty="0"/>
-          </a:p>
-        </p:txBody>
-      </p:sp>
-      <p:sp>
-        <p:nvSpPr>
-          <p:cNvPr id="3" name="Date Placeholder 2"/>
+            <a:endParaRPr lang="fr-FR"/>
+          </a:p>
+        </p:txBody>
+      </p:sp>
+      <p:sp>
+        <p:nvSpPr>
+          <p:cNvPr id="3" name="Espace réservé de la date 2"/>
           <p:cNvSpPr>
             <a:spLocks noGrp="1"/>
           </p:cNvSpPr>
@@ -1741,9 +2594,9 @@
           <a:bodyPr/>
           <a:lstStyle/>
           <a:p>
-            <a:fld id="{476FB7AA-4A53-424F-AD41-70827B6504BA}" type="datetimeFigureOut">
-              <a:rPr lang="en-US" smtClean="0"/>
-              <a:t>11/16/16</a:t>
+            <a:fld id="{48A87A34-81AB-432B-8DAE-1953F412C126}" type="datetimeFigureOut">
+              <a:rPr lang="en-US" smtClean="0"/>
+              <a:t>11/23/2016</a:t>
             </a:fld>
             <a:endParaRPr lang="en-US" dirty="0"/>
           </a:p>
@@ -1751,7 +2604,7 @@
       </p:sp>
       <p:sp>
         <p:nvSpPr>
-          <p:cNvPr id="4" name="Footer Placeholder 3"/>
+          <p:cNvPr id="4" name="Espace réservé du pied de page 3"/>
           <p:cNvSpPr>
             <a:spLocks noGrp="1"/>
           </p:cNvSpPr>
@@ -1770,7 +2623,7 @@
       </p:sp>
       <p:sp>
         <p:nvSpPr>
-          <p:cNvPr id="5" name="Slide Number Placeholder 4"/>
+          <p:cNvPr id="5" name="Espace réservé du numéro de diapositive 4"/>
           <p:cNvSpPr>
             <a:spLocks noGrp="1"/>
           </p:cNvSpPr>
@@ -1785,7 +2638,7 @@
           <a:p>
             <a:fld id="{6D22F896-40B5-4ADD-8801-0D06FADFA095}" type="slidenum">
               <a:rPr lang="en-US" smtClean="0"/>
-              <a:t>‹#›</a:t>
+              <a:t>‹N°›</a:t>
             </a:fld>
             <a:endParaRPr lang="en-US" dirty="0"/>
           </a:p>
@@ -1794,7 +2647,7 @@
     </p:spTree>
     <p:extLst>
       <p:ext uri="{BB962C8B-B14F-4D97-AF65-F5344CB8AC3E}">
-        <p14:creationId xmlns:p14="http://schemas.microsoft.com/office/powerpoint/2010/main" val="1014428211"/>
+        <p14:creationId xmlns:p14="http://schemas.microsoft.com/office/powerpoint/2010/main" val="1269593306"/>
       </p:ext>
     </p:extLst>
   </p:cSld>
@@ -1823,7 +2676,7 @@
       </p:grpSpPr>
       <p:sp>
         <p:nvSpPr>
-          <p:cNvPr id="2" name="Date Placeholder 1"/>
+          <p:cNvPr id="2" name="Espace réservé de la date 1"/>
           <p:cNvSpPr>
             <a:spLocks noGrp="1"/>
           </p:cNvSpPr>
@@ -1836,9 +2689,9 @@
           <a:bodyPr/>
           <a:lstStyle/>
           <a:p>
-            <a:fld id="{E7884882-FB12-4BC8-9960-9AD8104D7FAE}" type="datetimeFigureOut">
-              <a:rPr lang="en-US" smtClean="0"/>
-              <a:t>11/16/16</a:t>
+            <a:fld id="{48A87A34-81AB-432B-8DAE-1953F412C126}" type="datetimeFigureOut">
+              <a:rPr lang="en-US" smtClean="0"/>
+              <a:t>11/23/2016</a:t>
             </a:fld>
             <a:endParaRPr lang="en-US" dirty="0"/>
           </a:p>
@@ -1846,7 +2699,7 @@
       </p:sp>
       <p:sp>
         <p:nvSpPr>
-          <p:cNvPr id="3" name="Footer Placeholder 2"/>
+          <p:cNvPr id="3" name="Espace réservé du pied de page 2"/>
           <p:cNvSpPr>
             <a:spLocks noGrp="1"/>
           </p:cNvSpPr>
@@ -1865,7 +2718,7 @@
       </p:sp>
       <p:sp>
         <p:nvSpPr>
-          <p:cNvPr id="4" name="Slide Number Placeholder 3"/>
+          <p:cNvPr id="4" name="Espace réservé du numéro de diapositive 3"/>
           <p:cNvSpPr>
             <a:spLocks noGrp="1"/>
           </p:cNvSpPr>
@@ -1880,7 +2733,7 @@
           <a:p>
             <a:fld id="{6D22F896-40B5-4ADD-8801-0D06FADFA095}" type="slidenum">
               <a:rPr lang="en-US" smtClean="0"/>
-              <a:t>‹#›</a:t>
+              <a:t>‹N°›</a:t>
             </a:fld>
             <a:endParaRPr lang="en-US" dirty="0"/>
           </a:p>
@@ -1889,7 +2742,7 @@
     </p:spTree>
     <p:extLst>
       <p:ext uri="{BB962C8B-B14F-4D97-AF65-F5344CB8AC3E}">
-        <p14:creationId xmlns:p14="http://schemas.microsoft.com/office/powerpoint/2010/main" val="622268744"/>
+        <p14:creationId xmlns:p14="http://schemas.microsoft.com/office/powerpoint/2010/main" val="657177350"/>
       </p:ext>
     </p:extLst>
   </p:cSld>
@@ -1918,7 +2771,7 @@
       </p:grpSpPr>
       <p:sp>
         <p:nvSpPr>
-          <p:cNvPr id="2" name="Title 1"/>
+          <p:cNvPr id="2" name="Titre 1"/>
           <p:cNvSpPr>
             <a:spLocks noGrp="1"/>
           </p:cNvSpPr>
@@ -1941,16 +2794,16 @@
           </a:lstStyle>
           <a:p>
             <a:r>
-              <a:rPr lang="en-US"/>
+              <a:rPr lang="en-US" smtClean="0"/>
               <a:t>Cliquez et modifiez le titre</a:t>
             </a:r>
-            <a:endParaRPr lang="en-US" dirty="0"/>
-          </a:p>
-        </p:txBody>
-      </p:sp>
-      <p:sp>
-        <p:nvSpPr>
-          <p:cNvPr id="3" name="Content Placeholder 2"/>
+            <a:endParaRPr lang="fr-FR"/>
+          </a:p>
+        </p:txBody>
+      </p:sp>
+      <p:sp>
+        <p:nvSpPr>
+          <p:cNvPr id="3" name="Espace réservé du contenu 2"/>
           <p:cNvSpPr>
             <a:spLocks noGrp="1"/>
           </p:cNvSpPr>
@@ -1998,44 +2851,44 @@
           <a:p>
             <a:pPr lvl="0"/>
             <a:r>
-              <a:rPr lang="en-US"/>
+              <a:rPr lang="en-US" smtClean="0"/>
               <a:t>Cliquez pour modifier les styles du texte du masque</a:t>
             </a:r>
           </a:p>
           <a:p>
             <a:pPr lvl="1"/>
             <a:r>
-              <a:rPr lang="en-US"/>
+              <a:rPr lang="en-US" smtClean="0"/>
               <a:t>Deuxième niveau</a:t>
             </a:r>
           </a:p>
           <a:p>
             <a:pPr lvl="2"/>
             <a:r>
-              <a:rPr lang="en-US"/>
+              <a:rPr lang="en-US" smtClean="0"/>
               <a:t>Troisième niveau</a:t>
             </a:r>
           </a:p>
           <a:p>
             <a:pPr lvl="3"/>
             <a:r>
-              <a:rPr lang="en-US"/>
+              <a:rPr lang="en-US" smtClean="0"/>
               <a:t>Quatrième niveau</a:t>
             </a:r>
           </a:p>
           <a:p>
             <a:pPr lvl="4"/>
             <a:r>
-              <a:rPr lang="en-US"/>
+              <a:rPr lang="en-US" smtClean="0"/>
               <a:t>Cinquième niveau</a:t>
             </a:r>
-            <a:endParaRPr lang="en-US" dirty="0"/>
-          </a:p>
-        </p:txBody>
-      </p:sp>
-      <p:sp>
-        <p:nvSpPr>
-          <p:cNvPr id="4" name="Text Placeholder 3"/>
+            <a:endParaRPr lang="fr-FR"/>
+          </a:p>
+        </p:txBody>
+      </p:sp>
+      <p:sp>
+        <p:nvSpPr>
+          <p:cNvPr id="4" name="Espace réservé du texte 3"/>
           <p:cNvSpPr>
             <a:spLocks noGrp="1"/>
           </p:cNvSpPr>
@@ -2092,7 +2945,7 @@
           <a:p>
             <a:pPr lvl="0"/>
             <a:r>
-              <a:rPr lang="en-US"/>
+              <a:rPr lang="en-US" smtClean="0"/>
               <a:t>Cliquez pour modifier les styles du texte du masque</a:t>
             </a:r>
           </a:p>
@@ -2100,7 +2953,7 @@
       </p:sp>
       <p:sp>
         <p:nvSpPr>
-          <p:cNvPr id="5" name="Date Placeholder 4"/>
+          <p:cNvPr id="5" name="Espace réservé de la date 4"/>
           <p:cNvSpPr>
             <a:spLocks noGrp="1"/>
           </p:cNvSpPr>
@@ -2113,9 +2966,9 @@
           <a:bodyPr/>
           <a:lstStyle/>
           <a:p>
-            <a:fld id="{F7D1BD23-6E54-4D9D-AD88-A2813C73CC25}" type="datetimeFigureOut">
-              <a:rPr lang="en-US" smtClean="0"/>
-              <a:t>11/16/16</a:t>
+            <a:fld id="{48A87A34-81AB-432B-8DAE-1953F412C126}" type="datetimeFigureOut">
+              <a:rPr lang="en-US" smtClean="0"/>
+              <a:t>11/23/2016</a:t>
             </a:fld>
             <a:endParaRPr lang="en-US" dirty="0"/>
           </a:p>
@@ -2123,7 +2976,7 @@
       </p:sp>
       <p:sp>
         <p:nvSpPr>
-          <p:cNvPr id="6" name="Footer Placeholder 5"/>
+          <p:cNvPr id="6" name="Espace réservé du pied de page 5"/>
           <p:cNvSpPr>
             <a:spLocks noGrp="1"/>
           </p:cNvSpPr>
@@ -2142,7 +2995,7 @@
       </p:sp>
       <p:sp>
         <p:nvSpPr>
-          <p:cNvPr id="7" name="Slide Number Placeholder 6"/>
+          <p:cNvPr id="7" name="Espace réservé du numéro de diapositive 6"/>
           <p:cNvSpPr>
             <a:spLocks noGrp="1"/>
           </p:cNvSpPr>
@@ -2157,7 +3010,7 @@
           <a:p>
             <a:fld id="{6D22F896-40B5-4ADD-8801-0D06FADFA095}" type="slidenum">
               <a:rPr lang="en-US" smtClean="0"/>
-              <a:t>‹#›</a:t>
+              <a:t>‹N°›</a:t>
             </a:fld>
             <a:endParaRPr lang="en-US" dirty="0"/>
           </a:p>
@@ -2166,18 +3019,13 @@
     </p:spTree>
     <p:extLst>
       <p:ext uri="{BB962C8B-B14F-4D97-AF65-F5344CB8AC3E}">
-        <p14:creationId xmlns:p14="http://schemas.microsoft.com/office/powerpoint/2010/main" val="225419518"/>
+        <p14:creationId xmlns:p14="http://schemas.microsoft.com/office/powerpoint/2010/main" val="671324929"/>
       </p:ext>
     </p:extLst>
   </p:cSld>
   <p:clrMapOvr>
     <a:masterClrMapping/>
   </p:clrMapOvr>
-  <p:extLst>
-    <p:ext uri="{DCECCB84-F9BA-43D5-87BE-67443E8EF086}">
-      <p15:sldGuideLst xmlns:p15="http://schemas.microsoft.com/office/powerpoint/2012/main"/>
-    </p:ext>
-  </p:extLst>
 </p:sldLayout>
 </file>
 
@@ -2200,7 +3048,7 @@
       </p:grpSpPr>
       <p:sp>
         <p:nvSpPr>
-          <p:cNvPr id="2" name="Title 1"/>
+          <p:cNvPr id="2" name="Titre 1"/>
           <p:cNvSpPr>
             <a:spLocks noGrp="1"/>
           </p:cNvSpPr>
@@ -2223,18 +3071,18 @@
           </a:lstStyle>
           <a:p>
             <a:r>
-              <a:rPr lang="en-US"/>
+              <a:rPr lang="en-US" smtClean="0"/>
               <a:t>Cliquez et modifiez le titre</a:t>
             </a:r>
-            <a:endParaRPr lang="en-US" dirty="0"/>
-          </a:p>
-        </p:txBody>
-      </p:sp>
-      <p:sp>
-        <p:nvSpPr>
-          <p:cNvPr id="3" name="Picture Placeholder 2"/>
-          <p:cNvSpPr>
-            <a:spLocks noGrp="1" noChangeAspect="1"/>
+            <a:endParaRPr lang="fr-FR"/>
+          </a:p>
+        </p:txBody>
+      </p:sp>
+      <p:sp>
+        <p:nvSpPr>
+          <p:cNvPr id="3" name="Espace réservé pour une image  2"/>
+          <p:cNvSpPr>
+            <a:spLocks noGrp="1"/>
           </p:cNvSpPr>
           <p:nvPr>
             <p:ph type="pic" idx="1"/>
@@ -2247,7 +3095,7 @@
           </a:xfrm>
         </p:spPr>
         <p:txBody>
-          <a:bodyPr anchor="t"/>
+          <a:bodyPr/>
           <a:lstStyle>
             <a:lvl1pPr marL="0" indent="0">
               <a:buNone/>
@@ -2287,17 +3135,13 @@
             </a:lvl9pPr>
           </a:lstStyle>
           <a:p>
-            <a:r>
-              <a:rPr lang="en-US"/>
-              <a:t>Faire glisser l'image vers l'espace réservé ou cliquer sur l'icône pour l'ajouter</a:t>
-            </a:r>
-            <a:endParaRPr lang="en-US" dirty="0"/>
-          </a:p>
-        </p:txBody>
-      </p:sp>
-      <p:sp>
-        <p:nvSpPr>
-          <p:cNvPr id="4" name="Text Placeholder 3"/>
+            <a:endParaRPr lang="fr-FR"/>
+          </a:p>
+        </p:txBody>
+      </p:sp>
+      <p:sp>
+        <p:nvSpPr>
+          <p:cNvPr id="4" name="Espace réservé du texte 3"/>
           <p:cNvSpPr>
             <a:spLocks noGrp="1"/>
           </p:cNvSpPr>
@@ -2354,7 +3198,7 @@
           <a:p>
             <a:pPr lvl="0"/>
             <a:r>
-              <a:rPr lang="en-US"/>
+              <a:rPr lang="en-US" smtClean="0"/>
               <a:t>Cliquez pour modifier les styles du texte du masque</a:t>
             </a:r>
           </a:p>
@@ -2362,7 +3206,7 @@
       </p:sp>
       <p:sp>
         <p:nvSpPr>
-          <p:cNvPr id="5" name="Date Placeholder 4"/>
+          <p:cNvPr id="5" name="Espace réservé de la date 4"/>
           <p:cNvSpPr>
             <a:spLocks noGrp="1"/>
           </p:cNvSpPr>
@@ -2375,9 +3219,10 @@
           <a:bodyPr/>
           <a:lstStyle/>
           <a:p>
-            <a:fld id="{1471A834-4F3C-4AF9-9C74-05EC35A0F292}" type="datetimeFigureOut">
-              <a:rPr lang="en-US" smtClean="0"/>
-              <a:t>11/16/16</a:t>
+            <a:fld id="{48A87A34-81AB-432B-8DAE-1953F412C126}" type="datetimeFigureOut">
+              <a:rPr lang="en-US" smtClean="0"/>
+              <a:pPr/>
+              <a:t>11/23/2016</a:t>
             </a:fld>
             <a:endParaRPr lang="en-US" dirty="0"/>
           </a:p>
@@ -2385,7 +3230,7 @@
       </p:sp>
       <p:sp>
         <p:nvSpPr>
-          <p:cNvPr id="6" name="Footer Placeholder 5"/>
+          <p:cNvPr id="6" name="Espace réservé du pied de page 5"/>
           <p:cNvSpPr>
             <a:spLocks noGrp="1"/>
           </p:cNvSpPr>
@@ -2404,7 +3249,7 @@
       </p:sp>
       <p:sp>
         <p:nvSpPr>
-          <p:cNvPr id="7" name="Slide Number Placeholder 6"/>
+          <p:cNvPr id="7" name="Espace réservé du numéro de diapositive 6"/>
           <p:cNvSpPr>
             <a:spLocks noGrp="1"/>
           </p:cNvSpPr>
@@ -2419,7 +3264,7 @@
           <a:p>
             <a:fld id="{6D22F896-40B5-4ADD-8801-0D06FADFA095}" type="slidenum">
               <a:rPr lang="en-US" smtClean="0"/>
-              <a:t>‹#›</a:t>
+              <a:t>‹N°›</a:t>
             </a:fld>
             <a:endParaRPr lang="en-US" dirty="0"/>
           </a:p>
@@ -2428,7 +3273,7 @@
     </p:spTree>
     <p:extLst>
       <p:ext uri="{BB962C8B-B14F-4D97-AF65-F5344CB8AC3E}">
-        <p14:creationId xmlns:p14="http://schemas.microsoft.com/office/powerpoint/2010/main" val="464685718"/>
+        <p14:creationId xmlns:p14="http://schemas.microsoft.com/office/powerpoint/2010/main" val="79000365"/>
       </p:ext>
     </p:extLst>
   </p:cSld>
@@ -2462,7 +3307,7 @@
       </p:grpSpPr>
       <p:sp>
         <p:nvSpPr>
-          <p:cNvPr id="2" name="Title Placeholder 1"/>
+          <p:cNvPr id="2" name="Espace réservé du titre 1"/>
           <p:cNvSpPr>
             <a:spLocks noGrp="1"/>
           </p:cNvSpPr>
@@ -2486,16 +3331,16 @@
           <a:lstStyle/>
           <a:p>
             <a:r>
-              <a:rPr lang="en-US"/>
+              <a:rPr lang="en-US" smtClean="0"/>
               <a:t>Cliquez et modifiez le titre</a:t>
             </a:r>
-            <a:endParaRPr lang="en-US" dirty="0"/>
-          </a:p>
-        </p:txBody>
-      </p:sp>
-      <p:sp>
-        <p:nvSpPr>
-          <p:cNvPr id="3" name="Text Placeholder 2"/>
+            <a:endParaRPr lang="fr-FR"/>
+          </a:p>
+        </p:txBody>
+      </p:sp>
+      <p:sp>
+        <p:nvSpPr>
+          <p:cNvPr id="3" name="Espace réservé du texte 2"/>
           <p:cNvSpPr>
             <a:spLocks noGrp="1"/>
           </p:cNvSpPr>
@@ -2520,44 +3365,44 @@
           <a:p>
             <a:pPr lvl="0"/>
             <a:r>
-              <a:rPr lang="en-US"/>
+              <a:rPr lang="en-US" smtClean="0"/>
               <a:t>Cliquez pour modifier les styles du texte du masque</a:t>
             </a:r>
           </a:p>
           <a:p>
             <a:pPr lvl="1"/>
             <a:r>
-              <a:rPr lang="en-US"/>
+              <a:rPr lang="en-US" smtClean="0"/>
               <a:t>Deuxième niveau</a:t>
             </a:r>
           </a:p>
           <a:p>
             <a:pPr lvl="2"/>
             <a:r>
-              <a:rPr lang="en-US"/>
+              <a:rPr lang="en-US" smtClean="0"/>
               <a:t>Troisième niveau</a:t>
             </a:r>
           </a:p>
           <a:p>
             <a:pPr lvl="3"/>
             <a:r>
-              <a:rPr lang="en-US"/>
+              <a:rPr lang="en-US" smtClean="0"/>
               <a:t>Quatrième niveau</a:t>
             </a:r>
           </a:p>
           <a:p>
             <a:pPr lvl="4"/>
             <a:r>
-              <a:rPr lang="en-US"/>
+              <a:rPr lang="en-US" smtClean="0"/>
               <a:t>Cinquième niveau</a:t>
             </a:r>
-            <a:endParaRPr lang="en-US" dirty="0"/>
-          </a:p>
-        </p:txBody>
-      </p:sp>
-      <p:sp>
-        <p:nvSpPr>
-          <p:cNvPr id="4" name="Date Placeholder 3"/>
+            <a:endParaRPr lang="fr-FR"/>
+          </a:p>
+        </p:txBody>
+      </p:sp>
+      <p:sp>
+        <p:nvSpPr>
+          <p:cNvPr id="4" name="Espace réservé de la date 3"/>
           <p:cNvSpPr>
             <a:spLocks noGrp="1"/>
           </p:cNvSpPr>
@@ -2588,9 +3433,10 @@
             </a:lvl1pPr>
           </a:lstStyle>
           <a:p>
-            <a:fld id="{51CF1133-3259-4C45-BABA-5B62D9C6F78D}" type="datetimeFigureOut">
-              <a:rPr lang="en-US" smtClean="0"/>
-              <a:t>11/16/16</a:t>
+            <a:fld id="{48A87A34-81AB-432B-8DAE-1953F412C126}" type="datetimeFigureOut">
+              <a:rPr lang="en-US" smtClean="0"/>
+              <a:pPr/>
+              <a:t>11/23/2016</a:t>
             </a:fld>
             <a:endParaRPr lang="en-US" dirty="0"/>
           </a:p>
@@ -2598,7 +3444,7 @@
       </p:sp>
       <p:sp>
         <p:nvSpPr>
-          <p:cNvPr id="5" name="Footer Placeholder 4"/>
+          <p:cNvPr id="5" name="Espace réservé du pied de page 4"/>
           <p:cNvSpPr>
             <a:spLocks noGrp="1"/>
           </p:cNvSpPr>
@@ -2635,7 +3481,7 @@
       </p:sp>
       <p:sp>
         <p:nvSpPr>
-          <p:cNvPr id="6" name="Slide Number Placeholder 5"/>
+          <p:cNvPr id="6" name="Espace réservé du numéro de diapositive 5"/>
           <p:cNvSpPr>
             <a:spLocks noGrp="1"/>
           </p:cNvSpPr>
@@ -2669,7 +3515,7 @@
             <a:fld id="{6D22F896-40B5-4ADD-8801-0D06FADFA095}" type="slidenum">
               <a:rPr lang="en-US" smtClean="0"/>
               <a:pPr/>
-              <a:t>‹#›</a:t>
+              <a:t>‹N°›</a:t>
             </a:fld>
             <a:endParaRPr lang="en-US" dirty="0"/>
           </a:p>
@@ -2678,25 +3524,24 @@
     </p:spTree>
     <p:extLst>
       <p:ext uri="{BB962C8B-B14F-4D97-AF65-F5344CB8AC3E}">
-        <p14:creationId xmlns:p14="http://schemas.microsoft.com/office/powerpoint/2010/main" val="1158577467"/>
+        <p14:creationId xmlns:p14="http://schemas.microsoft.com/office/powerpoint/2010/main" val="1922476100"/>
       </p:ext>
     </p:extLst>
   </p:cSld>
   <p:clrMap bg1="lt1" tx1="dk1" bg2="lt2" tx2="dk2" accent1="accent1" accent2="accent2" accent3="accent3" accent4="accent4" accent5="accent5" accent6="accent6" hlink="hlink" folHlink="folHlink"/>
   <p:sldLayoutIdLst>
-    <p:sldLayoutId id="2147483880" r:id="rId1"/>
-    <p:sldLayoutId id="2147483881" r:id="rId2"/>
-    <p:sldLayoutId id="2147483882" r:id="rId3"/>
-    <p:sldLayoutId id="2147483883" r:id="rId4"/>
-    <p:sldLayoutId id="2147483884" r:id="rId5"/>
-    <p:sldLayoutId id="2147483885" r:id="rId6"/>
-    <p:sldLayoutId id="2147483886" r:id="rId7"/>
-    <p:sldLayoutId id="2147483887" r:id="rId8"/>
-    <p:sldLayoutId id="2147483888" r:id="rId9"/>
-    <p:sldLayoutId id="2147483889" r:id="rId10"/>
-    <p:sldLayoutId id="2147483890" r:id="rId11"/>
+    <p:sldLayoutId id="2147483661" r:id="rId1"/>
+    <p:sldLayoutId id="2147483662" r:id="rId2"/>
+    <p:sldLayoutId id="2147483663" r:id="rId3"/>
+    <p:sldLayoutId id="2147483664" r:id="rId4"/>
+    <p:sldLayoutId id="2147483665" r:id="rId5"/>
+    <p:sldLayoutId id="2147483666" r:id="rId6"/>
+    <p:sldLayoutId id="2147483667" r:id="rId7"/>
+    <p:sldLayoutId id="2147483668" r:id="rId8"/>
+    <p:sldLayoutId id="2147483669" r:id="rId9"/>
+    <p:sldLayoutId id="2147483670" r:id="rId10"/>
+    <p:sldLayoutId id="2147483671" r:id="rId11"/>
   </p:sldLayoutIdLst>
-  <p:hf sldNum="0" hdr="0" ftr="0" dt="0"/>
   <p:txStyles>
     <p:titleStyle>
       <a:lvl1pPr algn="l" defTabSz="914400" rtl="0" eaLnBrk="1" latinLnBrk="0" hangingPunct="1">
@@ -2725,7 +3570,7 @@
         <a:spcBef>
           <a:spcPts val="1000"/>
         </a:spcBef>
-        <a:buFont typeface="Arial" panose="020B0604020202020204" pitchFamily="34" charset="0"/>
+        <a:buFont typeface="Arial"/>
         <a:buChar char="•"/>
         <a:defRPr sz="2800" kern="1200">
           <a:solidFill>
@@ -2743,7 +3588,7 @@
         <a:spcBef>
           <a:spcPts val="500"/>
         </a:spcBef>
-        <a:buFont typeface="Arial" panose="020B0604020202020204" pitchFamily="34" charset="0"/>
+        <a:buFont typeface="Arial"/>
         <a:buChar char="•"/>
         <a:defRPr sz="2400" kern="1200">
           <a:solidFill>
@@ -2761,7 +3606,7 @@
         <a:spcBef>
           <a:spcPts val="500"/>
         </a:spcBef>
-        <a:buFont typeface="Arial" panose="020B0604020202020204" pitchFamily="34" charset="0"/>
+        <a:buFont typeface="Arial"/>
         <a:buChar char="•"/>
         <a:defRPr sz="2000" kern="1200">
           <a:solidFill>
@@ -2779,7 +3624,7 @@
         <a:spcBef>
           <a:spcPts val="500"/>
         </a:spcBef>
-        <a:buFont typeface="Arial" panose="020B0604020202020204" pitchFamily="34" charset="0"/>
+        <a:buFont typeface="Arial"/>
         <a:buChar char="•"/>
         <a:defRPr sz="1800" kern="1200">
           <a:solidFill>
@@ -2797,7 +3642,7 @@
         <a:spcBef>
           <a:spcPts val="500"/>
         </a:spcBef>
-        <a:buFont typeface="Arial" panose="020B0604020202020204" pitchFamily="34" charset="0"/>
+        <a:buFont typeface="Arial"/>
         <a:buChar char="•"/>
         <a:defRPr sz="1800" kern="1200">
           <a:solidFill>
@@ -2815,7 +3660,7 @@
         <a:spcBef>
           <a:spcPts val="500"/>
         </a:spcBef>
-        <a:buFont typeface="Arial" panose="020B0604020202020204" pitchFamily="34" charset="0"/>
+        <a:buFont typeface="Arial"/>
         <a:buChar char="•"/>
         <a:defRPr sz="1800" kern="1200">
           <a:solidFill>
@@ -2833,7 +3678,7 @@
         <a:spcBef>
           <a:spcPts val="500"/>
         </a:spcBef>
-        <a:buFont typeface="Arial" panose="020B0604020202020204" pitchFamily="34" charset="0"/>
+        <a:buFont typeface="Arial"/>
         <a:buChar char="•"/>
         <a:defRPr sz="1800" kern="1200">
           <a:solidFill>
@@ -2851,7 +3696,7 @@
         <a:spcBef>
           <a:spcPts val="500"/>
         </a:spcBef>
-        <a:buFont typeface="Arial" panose="020B0604020202020204" pitchFamily="34" charset="0"/>
+        <a:buFont typeface="Arial"/>
         <a:buChar char="•"/>
         <a:defRPr sz="1800" kern="1200">
           <a:solidFill>
@@ -2869,7 +3714,7 @@
         <a:spcBef>
           <a:spcPts val="500"/>
         </a:spcBef>
-        <a:buFont typeface="Arial" panose="020B0604020202020204" pitchFamily="34" charset="0"/>
+        <a:buFont typeface="Arial"/>
         <a:buChar char="•"/>
         <a:defRPr sz="1800" kern="1200">
           <a:solidFill>
@@ -2883,7 +3728,7 @@
     </p:bodyStyle>
     <p:otherStyle>
       <a:defPPr>
-        <a:defRPr lang="en-US"/>
+        <a:defRPr lang="fr-FR"/>
       </a:defPPr>
       <a:lvl1pPr marL="0" algn="l" defTabSz="914400" rtl="0" eaLnBrk="1" latinLnBrk="0" hangingPunct="1">
         <a:defRPr sz="1800" kern="1200">
@@ -2977,11 +3822,6 @@
       </a:lvl9pPr>
     </p:otherStyle>
   </p:txStyles>
-  <p:extLst>
-    <p:ext uri="{27BBF7A9-308A-43DC-89C8-2F10F3537804}">
-      <p15:sldGuideLst xmlns:p15="http://schemas.microsoft.com/office/powerpoint/2012/main"/>
-    </p:ext>
-  </p:extLst>
 </p:sldMaster>
 </file>
 
@@ -3002,104 +3842,9 @@
           <a:chExt cx="0" cy="0"/>
         </a:xfrm>
       </p:grpSpPr>
-      <p:sp>
-        <p:nvSpPr>
-          <p:cNvPr id="6" name="ZoneTexte 5"/>
-          <p:cNvSpPr txBox="1"/>
-          <p:nvPr/>
-        </p:nvSpPr>
-        <p:spPr>
-          <a:xfrm>
-            <a:off x="2779792" y="2900904"/>
-            <a:ext cx="5881738" cy="707886"/>
-          </a:xfrm>
-          <a:prstGeom prst="rect">
-            <a:avLst/>
-          </a:prstGeom>
-          <a:noFill/>
-        </p:spPr>
-        <p:txBody>
-          <a:bodyPr wrap="none" rtlCol="0">
-            <a:spAutoFit/>
-          </a:bodyPr>
-          <a:lstStyle/>
-          <a:p>
-            <a:pPr algn="ctr"/>
-            <a:r>
-              <a:rPr lang="fr-FR" sz="4000" dirty="0">
-                <a:latin typeface="+mj-lt"/>
-              </a:rPr>
-              <a:t>Présentation Intermédiaire</a:t>
-            </a:r>
-          </a:p>
-        </p:txBody>
-      </p:sp>
-      <p:sp>
-        <p:nvSpPr>
-          <p:cNvPr id="7" name="ZoneTexte 6"/>
-          <p:cNvSpPr txBox="1"/>
-          <p:nvPr/>
-        </p:nvSpPr>
-        <p:spPr>
-          <a:xfrm>
-            <a:off x="2902389" y="6188710"/>
-            <a:ext cx="5759141" cy="369332"/>
-          </a:xfrm>
-          <a:prstGeom prst="rect">
-            <a:avLst/>
-          </a:prstGeom>
-          <a:noFill/>
-        </p:spPr>
-        <p:txBody>
-          <a:bodyPr wrap="none" rtlCol="0">
-            <a:spAutoFit/>
-          </a:bodyPr>
-          <a:lstStyle/>
-          <a:p>
-            <a:pPr algn="ctr"/>
-            <a:r>
-              <a:rPr lang="fr-FR" dirty="0"/>
-              <a:t>Henrik </a:t>
-            </a:r>
-            <a:r>
-              <a:rPr lang="fr-FR" dirty="0" err="1"/>
-              <a:t>Akesson</a:t>
-            </a:r>
-            <a:r>
-              <a:rPr lang="fr-FR" dirty="0"/>
-              <a:t>, Patrick </a:t>
-            </a:r>
-            <a:r>
-              <a:rPr lang="fr-FR" dirty="0" err="1"/>
-              <a:t>Djomo</a:t>
-            </a:r>
-            <a:r>
-              <a:rPr lang="fr-FR" dirty="0"/>
-              <a:t>, Amel </a:t>
-            </a:r>
-            <a:r>
-              <a:rPr lang="fr-FR" dirty="0" err="1"/>
-              <a:t>Dussier</a:t>
-            </a:r>
-            <a:r>
-              <a:rPr lang="fr-FR" dirty="0"/>
-              <a:t>, Lo</a:t>
-            </a:r>
-            <a:r>
-              <a:rPr lang="en-US" dirty="0" err="1"/>
-              <a:t>ïc</a:t>
-            </a:r>
-            <a:r>
-              <a:rPr lang="en-US" dirty="0"/>
-              <a:t> Serafin</a:t>
-            </a:r>
-            <a:endParaRPr lang="fr-FR" dirty="0"/>
-          </a:p>
-        </p:txBody>
-      </p:sp>
       <p:pic>
         <p:nvPicPr>
-          <p:cNvPr id="8" name="Image 7"/>
+          <p:cNvPr id="5" name="Image 4"/>
           <p:cNvPicPr>
             <a:picLocks noChangeAspect="1"/>
           </p:cNvPicPr>
@@ -3127,10 +3872,472 @@
           </a:prstGeom>
         </p:spPr>
       </p:pic>
+      <p:sp>
+        <p:nvSpPr>
+          <p:cNvPr id="6" name="ZoneTexte 5"/>
+          <p:cNvSpPr txBox="1"/>
+          <p:nvPr/>
+        </p:nvSpPr>
+        <p:spPr>
+          <a:xfrm>
+            <a:off x="2283224" y="3646008"/>
+            <a:ext cx="7417993" cy="461665"/>
+          </a:xfrm>
+          <a:prstGeom prst="rect">
+            <a:avLst/>
+          </a:prstGeom>
+          <a:noFill/>
+        </p:spPr>
+        <p:txBody>
+          <a:bodyPr wrap="none" rtlCol="0">
+            <a:spAutoFit/>
+          </a:bodyPr>
+          <a:lstStyle/>
+          <a:p>
+            <a:pPr algn="ctr"/>
+            <a:r>
+              <a:rPr lang="fr-FR" sz="2400" dirty="0"/>
+              <a:t>Henrik </a:t>
+            </a:r>
+            <a:r>
+              <a:rPr lang="fr-FR" sz="2400" dirty="0" err="1"/>
+              <a:t>Akesson</a:t>
+            </a:r>
+            <a:r>
+              <a:rPr lang="fr-FR" sz="2400" dirty="0"/>
+              <a:t>, Patrick </a:t>
+            </a:r>
+            <a:r>
+              <a:rPr lang="fr-FR" sz="2400" dirty="0" err="1"/>
+              <a:t>Djomo</a:t>
+            </a:r>
+            <a:r>
+              <a:rPr lang="fr-FR" sz="2400" dirty="0"/>
+              <a:t>, Amel </a:t>
+            </a:r>
+            <a:r>
+              <a:rPr lang="fr-FR" sz="2400" dirty="0" err="1"/>
+              <a:t>Dussier</a:t>
+            </a:r>
+            <a:r>
+              <a:rPr lang="fr-FR" sz="2400" dirty="0"/>
+              <a:t>, Lo</a:t>
+            </a:r>
+            <a:r>
+              <a:rPr lang="en-US" sz="2400" dirty="0" err="1"/>
+              <a:t>ïc</a:t>
+            </a:r>
+            <a:r>
+              <a:rPr lang="en-US" sz="2400" dirty="0"/>
+              <a:t> Serafin</a:t>
+            </a:r>
+            <a:endParaRPr lang="fr-FR" sz="2400" dirty="0"/>
+          </a:p>
+        </p:txBody>
+      </p:sp>
     </p:spTree>
     <p:extLst>
       <p:ext uri="{BB962C8B-B14F-4D97-AF65-F5344CB8AC3E}">
-        <p14:creationId xmlns:p14="http://schemas.microsoft.com/office/powerpoint/2010/main" val="190506480"/>
+        <p14:creationId xmlns:p14="http://schemas.microsoft.com/office/powerpoint/2010/main" val="1922254665"/>
+      </p:ext>
+    </p:extLst>
+  </p:cSld>
+  <p:clrMapOvr>
+    <a:masterClrMapping/>
+  </p:clrMapOvr>
+</p:sld>
+</file>
+
+<file path=ppt/slides/slide10.xml><?xml version="1.0" encoding="utf-8"?>
+<p:sld xmlns:a="http://schemas.openxmlformats.org/drawingml/2006/main" xmlns:r="http://schemas.openxmlformats.org/officeDocument/2006/relationships" xmlns:p="http://schemas.openxmlformats.org/presentationml/2006/main">
+  <p:cSld>
+    <p:spTree>
+      <p:nvGrpSpPr>
+        <p:cNvPr id="1" name=""/>
+        <p:cNvGrpSpPr/>
+        <p:nvPr/>
+      </p:nvGrpSpPr>
+      <p:grpSpPr>
+        <a:xfrm>
+          <a:off x="0" y="0"/>
+          <a:ext cx="0" cy="0"/>
+          <a:chOff x="0" y="0"/>
+          <a:chExt cx="0" cy="0"/>
+        </a:xfrm>
+      </p:grpSpPr>
+      <p:sp>
+        <p:nvSpPr>
+          <p:cNvPr id="2" name="Titre 1"/>
+          <p:cNvSpPr>
+            <a:spLocks noGrp="1"/>
+          </p:cNvSpPr>
+          <p:nvPr>
+            <p:ph type="title"/>
+          </p:nvPr>
+        </p:nvSpPr>
+        <p:spPr/>
+        <p:txBody>
+          <a:bodyPr/>
+          <a:lstStyle/>
+          <a:p>
+            <a:r>
+              <a:rPr lang="en-US" dirty="0" err="1" smtClean="0"/>
+              <a:t>Difficultés</a:t>
+            </a:r>
+            <a:r>
+              <a:rPr lang="en-US" dirty="0" smtClean="0"/>
+              <a:t> </a:t>
+            </a:r>
+            <a:r>
+              <a:rPr lang="en-US" dirty="0" err="1"/>
+              <a:t>rencontrées</a:t>
+            </a:r>
+            <a:endParaRPr lang="fr-CH" dirty="0"/>
+          </a:p>
+        </p:txBody>
+      </p:sp>
+      <p:sp>
+        <p:nvSpPr>
+          <p:cNvPr id="3" name="Espace réservé du contenu 2"/>
+          <p:cNvSpPr>
+            <a:spLocks noGrp="1"/>
+          </p:cNvSpPr>
+          <p:nvPr>
+            <p:ph idx="1"/>
+          </p:nvPr>
+        </p:nvSpPr>
+        <p:spPr/>
+        <p:txBody>
+          <a:bodyPr/>
+          <a:lstStyle/>
+          <a:p>
+            <a:r>
+              <a:rPr lang="en-US" dirty="0" err="1" smtClean="0"/>
+              <a:t>Contrôle</a:t>
+            </a:r>
+            <a:r>
+              <a:rPr lang="en-US" dirty="0" smtClean="0"/>
+              <a:t> </a:t>
+            </a:r>
+            <a:r>
+              <a:rPr lang="en-US" dirty="0" err="1" smtClean="0"/>
+              <a:t>d’accès</a:t>
+            </a:r>
+            <a:r>
+              <a:rPr lang="en-US" dirty="0" smtClean="0"/>
+              <a:t> HTTP (CORS)</a:t>
+            </a:r>
+          </a:p>
+          <a:p>
+            <a:r>
+              <a:rPr lang="en-US" dirty="0" err="1" smtClean="0"/>
+              <a:t>Répartition</a:t>
+            </a:r>
+            <a:r>
+              <a:rPr lang="en-US" dirty="0" smtClean="0"/>
+              <a:t> du travail </a:t>
+            </a:r>
+            <a:r>
+              <a:rPr lang="en-US" dirty="0" err="1" smtClean="0"/>
+              <a:t>sur</a:t>
+            </a:r>
+            <a:r>
+              <a:rPr lang="en-US" dirty="0" smtClean="0"/>
+              <a:t> </a:t>
+            </a:r>
+            <a:r>
+              <a:rPr lang="en-US" dirty="0" err="1" smtClean="0"/>
+              <a:t>une</a:t>
+            </a:r>
+            <a:r>
+              <a:rPr lang="en-US" dirty="0" smtClean="0"/>
+              <a:t> </a:t>
+            </a:r>
+            <a:r>
+              <a:rPr lang="en-US" dirty="0" err="1" smtClean="0"/>
+              <a:t>même</a:t>
+            </a:r>
+            <a:r>
+              <a:rPr lang="en-US" dirty="0" smtClean="0"/>
+              <a:t> </a:t>
+            </a:r>
+            <a:r>
+              <a:rPr lang="en-US" dirty="0" err="1" smtClean="0"/>
+              <a:t>tâche</a:t>
+            </a:r>
+            <a:endParaRPr lang="en-US" dirty="0"/>
+          </a:p>
+          <a:p>
+            <a:endParaRPr lang="en-US" dirty="0"/>
+          </a:p>
+          <a:p>
+            <a:endParaRPr lang="en-US" dirty="0"/>
+          </a:p>
+        </p:txBody>
+      </p:sp>
+    </p:spTree>
+    <p:extLst>
+      <p:ext uri="{BB962C8B-B14F-4D97-AF65-F5344CB8AC3E}">
+        <p14:creationId xmlns:p14="http://schemas.microsoft.com/office/powerpoint/2010/main" val="210523528"/>
+      </p:ext>
+    </p:extLst>
+  </p:cSld>
+  <p:clrMapOvr>
+    <a:masterClrMapping/>
+  </p:clrMapOvr>
+</p:sld>
+</file>
+
+<file path=ppt/slides/slide11.xml><?xml version="1.0" encoding="utf-8"?>
+<p:sld xmlns:a="http://schemas.openxmlformats.org/drawingml/2006/main" xmlns:r="http://schemas.openxmlformats.org/officeDocument/2006/relationships" xmlns:p="http://schemas.openxmlformats.org/presentationml/2006/main">
+  <p:cSld>
+    <p:spTree>
+      <p:nvGrpSpPr>
+        <p:cNvPr id="1" name=""/>
+        <p:cNvGrpSpPr/>
+        <p:nvPr/>
+      </p:nvGrpSpPr>
+      <p:grpSpPr>
+        <a:xfrm>
+          <a:off x="0" y="0"/>
+          <a:ext cx="0" cy="0"/>
+          <a:chOff x="0" y="0"/>
+          <a:chExt cx="0" cy="0"/>
+        </a:xfrm>
+      </p:grpSpPr>
+      <p:sp>
+        <p:nvSpPr>
+          <p:cNvPr id="2" name="Titre 1"/>
+          <p:cNvSpPr>
+            <a:spLocks noGrp="1"/>
+          </p:cNvSpPr>
+          <p:nvPr>
+            <p:ph type="title"/>
+          </p:nvPr>
+        </p:nvSpPr>
+        <p:spPr/>
+        <p:txBody>
+          <a:bodyPr/>
+          <a:lstStyle/>
+          <a:p>
+            <a:r>
+              <a:rPr lang="en-US" dirty="0"/>
+              <a:t>Retard</a:t>
+            </a:r>
+            <a:endParaRPr lang="fr-CH" dirty="0"/>
+          </a:p>
+        </p:txBody>
+      </p:sp>
+      <p:sp>
+        <p:nvSpPr>
+          <p:cNvPr id="3" name="Espace réservé du contenu 2"/>
+          <p:cNvSpPr>
+            <a:spLocks noGrp="1"/>
+          </p:cNvSpPr>
+          <p:nvPr>
+            <p:ph idx="1"/>
+          </p:nvPr>
+        </p:nvSpPr>
+        <p:spPr/>
+        <p:txBody>
+          <a:bodyPr/>
+          <a:lstStyle/>
+          <a:p>
+            <a:pPr lvl="1"/>
+            <a:r>
+              <a:rPr lang="fr-CH" dirty="0"/>
+              <a:t>1</a:t>
+            </a:r>
+            <a:r>
+              <a:rPr lang="fr-CH" dirty="0" smtClean="0"/>
+              <a:t> semaine </a:t>
+            </a:r>
+            <a:r>
+              <a:rPr lang="fr-CH" dirty="0"/>
+              <a:t>de retard</a:t>
+            </a:r>
+          </a:p>
+          <a:p>
+            <a:pPr lvl="1"/>
+            <a:r>
+              <a:rPr lang="fr-CH" dirty="0" smtClean="0"/>
+              <a:t>Causes:</a:t>
+            </a:r>
+            <a:endParaRPr lang="fr-CH" dirty="0"/>
+          </a:p>
+          <a:p>
+            <a:pPr lvl="2"/>
+            <a:r>
+              <a:rPr lang="fr-CH" dirty="0"/>
+              <a:t>Sous-estimation du temps nécessaire pour </a:t>
+            </a:r>
+            <a:r>
+              <a:rPr lang="fr-CH" dirty="0" smtClean="0"/>
+              <a:t>interface client </a:t>
+            </a:r>
+            <a:endParaRPr lang="fr-CH" dirty="0"/>
+          </a:p>
+          <a:p>
+            <a:pPr lvl="2"/>
+            <a:r>
+              <a:rPr lang="fr-CH" dirty="0" smtClean="0"/>
+              <a:t>Ordre des </a:t>
+            </a:r>
+            <a:r>
+              <a:rPr lang="fr-CH" dirty="0" err="1" smtClean="0"/>
+              <a:t>t</a:t>
+            </a:r>
+            <a:r>
+              <a:rPr lang="en-US" dirty="0" err="1" smtClean="0"/>
+              <a:t>âches</a:t>
+            </a:r>
+            <a:r>
+              <a:rPr lang="en-US" dirty="0" smtClean="0"/>
+              <a:t> mal </a:t>
+            </a:r>
+            <a:r>
+              <a:rPr lang="en-US" dirty="0" err="1" smtClean="0"/>
+              <a:t>défini</a:t>
+            </a:r>
+            <a:endParaRPr lang="en-US" dirty="0" smtClean="0"/>
+          </a:p>
+          <a:p>
+            <a:pPr lvl="2"/>
+            <a:r>
+              <a:rPr lang="en-US" dirty="0" err="1" smtClean="0"/>
+              <a:t>Répartition</a:t>
+            </a:r>
+            <a:r>
+              <a:rPr lang="en-US" dirty="0" smtClean="0"/>
+              <a:t> du travail </a:t>
+            </a:r>
+            <a:r>
+              <a:rPr lang="en-US" dirty="0" err="1" smtClean="0"/>
+              <a:t>sur</a:t>
+            </a:r>
+            <a:r>
+              <a:rPr lang="en-US" dirty="0" smtClean="0"/>
+              <a:t> </a:t>
+            </a:r>
+            <a:r>
+              <a:rPr lang="en-US" dirty="0" err="1" smtClean="0"/>
+              <a:t>une</a:t>
+            </a:r>
+            <a:r>
+              <a:rPr lang="en-US" dirty="0" smtClean="0"/>
+              <a:t> </a:t>
+            </a:r>
+            <a:r>
+              <a:rPr lang="en-US" dirty="0" err="1" smtClean="0"/>
+              <a:t>même</a:t>
+            </a:r>
+            <a:r>
+              <a:rPr lang="en-US" dirty="0" smtClean="0"/>
+              <a:t> </a:t>
+            </a:r>
+            <a:r>
+              <a:rPr lang="en-US" dirty="0" err="1" smtClean="0"/>
+              <a:t>tâche</a:t>
+            </a:r>
+            <a:endParaRPr lang="fr-CH" dirty="0"/>
+          </a:p>
+          <a:p>
+            <a:pPr lvl="1"/>
+            <a:r>
+              <a:rPr lang="fr-CH" dirty="0"/>
+              <a:t>Solutions envisagées</a:t>
+            </a:r>
+          </a:p>
+          <a:p>
+            <a:pPr lvl="2"/>
+            <a:r>
+              <a:rPr lang="fr-CH" dirty="0"/>
+              <a:t>Réorganisation </a:t>
+            </a:r>
+            <a:r>
+              <a:rPr lang="fr-CH" dirty="0" smtClean="0"/>
+              <a:t>de la répartition du travail</a:t>
+            </a:r>
+            <a:endParaRPr lang="fr-CH" dirty="0"/>
+          </a:p>
+          <a:p>
+            <a:pPr lvl="2"/>
+            <a:r>
+              <a:rPr lang="fr-CH" dirty="0" smtClean="0"/>
+              <a:t>Utiliser une semaine prévue </a:t>
+            </a:r>
+            <a:r>
+              <a:rPr lang="fr-CH" dirty="0"/>
+              <a:t>pour les vacances de Noël pour travailler sur le </a:t>
+            </a:r>
+            <a:r>
+              <a:rPr lang="fr-CH" dirty="0" smtClean="0"/>
+              <a:t>projet si le retard n’a pas été rattrapé d’ici là.</a:t>
+            </a:r>
+          </a:p>
+          <a:p>
+            <a:pPr lvl="2"/>
+            <a:endParaRPr lang="fr-CH" dirty="0"/>
+          </a:p>
+        </p:txBody>
+      </p:sp>
+    </p:spTree>
+    <p:extLst>
+      <p:ext uri="{BB962C8B-B14F-4D97-AF65-F5344CB8AC3E}">
+        <p14:creationId xmlns:p14="http://schemas.microsoft.com/office/powerpoint/2010/main" val="1236608672"/>
+      </p:ext>
+    </p:extLst>
+  </p:cSld>
+  <p:clrMapOvr>
+    <a:masterClrMapping/>
+  </p:clrMapOvr>
+</p:sld>
+</file>
+
+<file path=ppt/slides/slide12.xml><?xml version="1.0" encoding="utf-8"?>
+<p:sld xmlns:a="http://schemas.openxmlformats.org/drawingml/2006/main" xmlns:r="http://schemas.openxmlformats.org/officeDocument/2006/relationships" xmlns:p="http://schemas.openxmlformats.org/presentationml/2006/main">
+  <p:cSld>
+    <p:spTree>
+      <p:nvGrpSpPr>
+        <p:cNvPr id="1" name=""/>
+        <p:cNvGrpSpPr/>
+        <p:nvPr/>
+      </p:nvGrpSpPr>
+      <p:grpSpPr>
+        <a:xfrm>
+          <a:off x="0" y="0"/>
+          <a:ext cx="0" cy="0"/>
+          <a:chOff x="0" y="0"/>
+          <a:chExt cx="0" cy="0"/>
+        </a:xfrm>
+      </p:grpSpPr>
+      <p:sp>
+        <p:nvSpPr>
+          <p:cNvPr id="2" name="Titre 1"/>
+          <p:cNvSpPr>
+            <a:spLocks noGrp="1"/>
+          </p:cNvSpPr>
+          <p:nvPr>
+            <p:ph type="title"/>
+          </p:nvPr>
+        </p:nvSpPr>
+        <p:spPr/>
+        <p:txBody>
+          <a:bodyPr/>
+          <a:lstStyle/>
+          <a:p>
+            <a:r>
+              <a:rPr lang="en-US" dirty="0" err="1" smtClean="0"/>
+              <a:t>Démonstration</a:t>
+            </a:r>
+            <a:endParaRPr lang="fr-CH" dirty="0"/>
+          </a:p>
+        </p:txBody>
+      </p:sp>
+    </p:spTree>
+    <p:extLst>
+      <p:ext uri="{BB962C8B-B14F-4D97-AF65-F5344CB8AC3E}">
+        <p14:creationId xmlns:p14="http://schemas.microsoft.com/office/powerpoint/2010/main" val="3096201010"/>
       </p:ext>
     </p:extLst>
   </p:cSld>
@@ -3167,21 +4374,262 @@
             <p:ph type="title"/>
           </p:nvPr>
         </p:nvSpPr>
-        <p:spPr/>
-        <p:txBody>
-          <a:bodyPr/>
-          <a:lstStyle/>
-          <a:p>
-            <a:r>
-              <a:rPr lang="fr-FR" dirty="0"/>
+        <p:spPr>
+          <a:xfrm>
+            <a:off x="1422550" y="760976"/>
+            <a:ext cx="9603275" cy="893653"/>
+          </a:xfrm>
+        </p:spPr>
+        <p:txBody>
+          <a:bodyPr/>
+          <a:lstStyle/>
+          <a:p>
+            <a:r>
+              <a:rPr lang="en-US" dirty="0" err="1" smtClean="0"/>
+              <a:t>Sommaire</a:t>
+            </a:r>
+            <a:endParaRPr lang="fr-CH" dirty="0"/>
+          </a:p>
+        </p:txBody>
+      </p:sp>
+      <p:sp>
+        <p:nvSpPr>
+          <p:cNvPr id="7" name="Espace réservé du contenu 2"/>
+          <p:cNvSpPr>
+            <a:spLocks noGrp="1"/>
+          </p:cNvSpPr>
+          <p:nvPr>
+            <p:ph idx="1"/>
+          </p:nvPr>
+        </p:nvSpPr>
+        <p:spPr>
+          <a:xfrm>
+            <a:off x="1422550" y="1911761"/>
+            <a:ext cx="10515600" cy="4351338"/>
+          </a:xfrm>
+        </p:spPr>
+        <p:txBody>
+          <a:bodyPr>
+            <a:normAutofit/>
+          </a:bodyPr>
+          <a:lstStyle/>
+          <a:p>
+            <a:r>
+              <a:rPr lang="fr-CH" dirty="0"/>
+              <a:t>Rappel des objectifs</a:t>
+            </a:r>
+          </a:p>
+          <a:p>
+            <a:r>
+              <a:rPr lang="fr-CH" dirty="0"/>
               <a:t>Avancement du projet</a:t>
             </a:r>
+          </a:p>
+          <a:p>
+            <a:r>
+              <a:rPr lang="fr-CH" dirty="0"/>
+              <a:t>Présentation des technologies</a:t>
+            </a:r>
+          </a:p>
+          <a:p>
+            <a:r>
+              <a:rPr lang="fr-CH" dirty="0"/>
+              <a:t>Communication client-serveur</a:t>
+            </a:r>
+          </a:p>
+          <a:p>
+            <a:r>
+              <a:rPr lang="fr-CH" dirty="0"/>
+              <a:t>Chiffrement</a:t>
+            </a:r>
+          </a:p>
+          <a:p>
+            <a:r>
+              <a:rPr lang="fr-CH" dirty="0"/>
+              <a:t>Difficultés rencontrées</a:t>
+            </a:r>
+          </a:p>
+          <a:p>
+            <a:r>
+              <a:rPr lang="fr-CH" dirty="0"/>
+              <a:t>Retard</a:t>
+            </a:r>
+          </a:p>
+          <a:p>
+            <a:r>
+              <a:rPr lang="fr-CH" dirty="0"/>
+              <a:t>Démonstration</a:t>
+            </a:r>
+          </a:p>
+          <a:p>
+            <a:endParaRPr lang="fr-CH" dirty="0"/>
+          </a:p>
+          <a:p>
+            <a:endParaRPr lang="fr-CH" dirty="0"/>
+          </a:p>
+        </p:txBody>
+      </p:sp>
+    </p:spTree>
+    <p:extLst>
+      <p:ext uri="{BB962C8B-B14F-4D97-AF65-F5344CB8AC3E}">
+        <p14:creationId xmlns:p14="http://schemas.microsoft.com/office/powerpoint/2010/main" val="1581629127"/>
+      </p:ext>
+    </p:extLst>
+  </p:cSld>
+  <p:clrMapOvr>
+    <a:masterClrMapping/>
+  </p:clrMapOvr>
+</p:sld>
+</file>
+
+<file path=ppt/slides/slide3.xml><?xml version="1.0" encoding="utf-8"?>
+<p:sld xmlns:a="http://schemas.openxmlformats.org/drawingml/2006/main" xmlns:r="http://schemas.openxmlformats.org/officeDocument/2006/relationships" xmlns:p="http://schemas.openxmlformats.org/presentationml/2006/main">
+  <p:cSld>
+    <p:spTree>
+      <p:nvGrpSpPr>
+        <p:cNvPr id="1" name=""/>
+        <p:cNvGrpSpPr/>
+        <p:nvPr/>
+      </p:nvGrpSpPr>
+      <p:grpSpPr>
+        <a:xfrm>
+          <a:off x="0" y="0"/>
+          <a:ext cx="0" cy="0"/>
+          <a:chOff x="0" y="0"/>
+          <a:chExt cx="0" cy="0"/>
+        </a:xfrm>
+      </p:grpSpPr>
+      <p:sp>
+        <p:nvSpPr>
+          <p:cNvPr id="4" name="Titre 3"/>
+          <p:cNvSpPr>
+            <a:spLocks noGrp="1"/>
+          </p:cNvSpPr>
+          <p:nvPr>
+            <p:ph type="title"/>
+          </p:nvPr>
+        </p:nvSpPr>
+        <p:spPr/>
+        <p:txBody>
+          <a:bodyPr/>
+          <a:lstStyle/>
+          <a:p>
+            <a:r>
+              <a:rPr lang="fr-CH" dirty="0"/>
+              <a:t>Rappel des objectifs</a:t>
+            </a:r>
+          </a:p>
+        </p:txBody>
+      </p:sp>
+      <p:sp>
+        <p:nvSpPr>
+          <p:cNvPr id="5" name="Espace réservé du contenu 4"/>
+          <p:cNvSpPr>
+            <a:spLocks noGrp="1"/>
+          </p:cNvSpPr>
+          <p:nvPr>
+            <p:ph idx="1"/>
+          </p:nvPr>
+        </p:nvSpPr>
+        <p:spPr/>
+        <p:txBody>
+          <a:bodyPr/>
+          <a:lstStyle/>
+          <a:p>
+            <a:r>
+              <a:rPr lang="fr-CH" dirty="0"/>
+              <a:t>Développer un service de messagerie chiffrée multiplateforme</a:t>
+            </a:r>
+          </a:p>
+          <a:p>
+            <a:endParaRPr lang="fr-CH" dirty="0"/>
+          </a:p>
+          <a:p>
+            <a:r>
+              <a:rPr lang="fr-CH" dirty="0"/>
+              <a:t>Permettre une conversation sécrète entre les utilisateurs</a:t>
+            </a:r>
+          </a:p>
+          <a:p>
+            <a:endParaRPr lang="fr-CH" dirty="0"/>
+          </a:p>
+          <a:p>
+            <a:r>
+              <a:rPr lang="fr-CH" dirty="0"/>
+              <a:t>Permettre l’échange sécurisé de fichiers</a:t>
+            </a:r>
+          </a:p>
+        </p:txBody>
+      </p:sp>
+    </p:spTree>
+    <p:extLst>
+      <p:ext uri="{BB962C8B-B14F-4D97-AF65-F5344CB8AC3E}">
+        <p14:creationId xmlns:p14="http://schemas.microsoft.com/office/powerpoint/2010/main" val="1906500059"/>
+      </p:ext>
+    </p:extLst>
+  </p:cSld>
+  <p:clrMapOvr>
+    <a:masterClrMapping/>
+  </p:clrMapOvr>
+</p:sld>
+</file>
+
+<file path=ppt/slides/slide4.xml><?xml version="1.0" encoding="utf-8"?>
+<p:sld xmlns:a="http://schemas.openxmlformats.org/drawingml/2006/main" xmlns:r="http://schemas.openxmlformats.org/officeDocument/2006/relationships" xmlns:p="http://schemas.openxmlformats.org/presentationml/2006/main">
+  <p:cSld>
+    <p:spTree>
+      <p:nvGrpSpPr>
+        <p:cNvPr id="1" name=""/>
+        <p:cNvGrpSpPr/>
+        <p:nvPr/>
+      </p:nvGrpSpPr>
+      <p:grpSpPr>
+        <a:xfrm>
+          <a:off x="0" y="0"/>
+          <a:ext cx="0" cy="0"/>
+          <a:chOff x="0" y="0"/>
+          <a:chExt cx="0" cy="0"/>
+        </a:xfrm>
+      </p:grpSpPr>
+      <p:sp>
+        <p:nvSpPr>
+          <p:cNvPr id="2" name="Titre 1"/>
+          <p:cNvSpPr>
+            <a:spLocks noGrp="1"/>
+          </p:cNvSpPr>
+          <p:nvPr>
+            <p:ph type="title"/>
+          </p:nvPr>
+        </p:nvSpPr>
+        <p:spPr>
+          <a:xfrm>
+            <a:off x="1364493" y="464659"/>
+            <a:ext cx="9603275" cy="892345"/>
+          </a:xfrm>
+        </p:spPr>
+        <p:txBody>
+          <a:bodyPr/>
+          <a:lstStyle/>
+          <a:p>
+            <a:r>
+              <a:rPr lang="en-US" dirty="0" err="1"/>
+              <a:t>Avancement</a:t>
+            </a:r>
+            <a:r>
+              <a:rPr lang="en-US" dirty="0"/>
+              <a:t> du </a:t>
+            </a:r>
+            <a:r>
+              <a:rPr lang="en-US" dirty="0" err="1"/>
+              <a:t>projet</a:t>
+            </a:r>
+            <a:endParaRPr lang="fr-CH" dirty="0"/>
           </a:p>
         </p:txBody>
       </p:sp>
       <p:pic>
         <p:nvPicPr>
-          <p:cNvPr id="4" name="Espace réservé du contenu 3"/>
+          <p:cNvPr id="6" name="Espace réservé du contenu 3"/>
           <p:cNvPicPr>
             <a:picLocks noGrp="1" noChangeAspect="1"/>
           </p:cNvPicPr>
@@ -3190,7 +4638,7 @@
           </p:nvPr>
         </p:nvPicPr>
         <p:blipFill>
-          <a:blip r:embed="rId2">
+          <a:blip r:embed="rId3">
             <a:extLst>
               <a:ext uri="{28A0092B-C50C-407E-A947-70E740481C1C}">
                 <a14:useLocalDpi xmlns:a14="http://schemas.microsoft.com/office/drawing/2010/main" val="0"/>
@@ -3203,21 +4651,21 @@
         </p:blipFill>
         <p:spPr>
           <a:xfrm>
-            <a:off x="1937591" y="1470351"/>
-            <a:ext cx="8316817" cy="4683118"/>
+            <a:off x="1359412" y="1145723"/>
+            <a:ext cx="9309383" cy="4988747"/>
           </a:xfrm>
         </p:spPr>
       </p:pic>
       <p:sp>
         <p:nvSpPr>
-          <p:cNvPr id="5" name="Rectangle 4"/>
+          <p:cNvPr id="7" name="Rectangle 6"/>
           <p:cNvSpPr/>
           <p:nvPr/>
         </p:nvSpPr>
         <p:spPr>
           <a:xfrm>
-            <a:off x="1977587" y="1714501"/>
-            <a:ext cx="8249088" cy="1176948"/>
+            <a:off x="1398337" y="1409462"/>
+            <a:ext cx="9249438" cy="2363752"/>
           </a:xfrm>
           <a:prstGeom prst="rect">
             <a:avLst/>
@@ -3254,47 +4702,16 @@
           </a:p>
         </p:txBody>
       </p:sp>
-      <p:pic>
-        <p:nvPicPr>
-          <p:cNvPr id="7" name="Image 6"/>
-          <p:cNvPicPr>
-            <a:picLocks noChangeAspect="1"/>
-          </p:cNvPicPr>
-          <p:nvPr/>
-        </p:nvPicPr>
-        <p:blipFill>
-          <a:blip r:embed="rId3">
-            <a:alphaModFix amt="35000"/>
-            <a:extLst>
-              <a:ext uri="{28A0092B-C50C-407E-A947-70E740481C1C}">
-                <a14:useLocalDpi xmlns:a14="http://schemas.microsoft.com/office/drawing/2010/main" val="0"/>
-              </a:ext>
-            </a:extLst>
-          </a:blip>
-          <a:stretch>
-            <a:fillRect/>
-          </a:stretch>
-        </p:blipFill>
-        <p:spPr>
-          <a:xfrm>
-            <a:off x="1977129" y="4530283"/>
-            <a:ext cx="8258991" cy="286555"/>
-          </a:xfrm>
-          <a:prstGeom prst="rect">
-            <a:avLst/>
-          </a:prstGeom>
-        </p:spPr>
-      </p:pic>
       <p:cxnSp>
         <p:nvCxnSpPr>
-          <p:cNvPr id="9" name="Connecteur droit avec flèche 8"/>
+          <p:cNvPr id="8" name="Connecteur droit avec flèche 7"/>
           <p:cNvCxnSpPr/>
           <p:nvPr/>
         </p:nvCxnSpPr>
         <p:spPr>
-          <a:xfrm>
-            <a:off x="1420009" y="3934495"/>
-            <a:ext cx="517582" cy="0"/>
+          <a:xfrm flipV="1">
+            <a:off x="972927" y="4078050"/>
+            <a:ext cx="419759" cy="60005"/>
           </a:xfrm>
           <a:prstGeom prst="straightConnector1">
             <a:avLst/>
@@ -3320,14 +4737,14 @@
       </p:cxnSp>
       <p:sp>
         <p:nvSpPr>
-          <p:cNvPr id="11" name="ZoneTexte 10"/>
+          <p:cNvPr id="9" name="ZoneTexte 8"/>
           <p:cNvSpPr txBox="1"/>
           <p:nvPr/>
         </p:nvSpPr>
         <p:spPr>
           <a:xfrm>
-            <a:off x="539908" y="3780775"/>
-            <a:ext cx="918457" cy="276999"/>
+            <a:off x="106537" y="3969552"/>
+            <a:ext cx="1017521" cy="276999"/>
           </a:xfrm>
           <a:prstGeom prst="rect">
             <a:avLst/>
@@ -3335,7 +4752,7 @@
           <a:noFill/>
         </p:spPr>
         <p:txBody>
-          <a:bodyPr wrap="none" rtlCol="0">
+          <a:bodyPr wrap="square" rtlCol="0">
             <a:spAutoFit/>
           </a:bodyPr>
           <a:lstStyle/>
@@ -3349,14 +4766,14 @@
       </p:sp>
       <p:sp>
         <p:nvSpPr>
-          <p:cNvPr id="8" name="Rectangle 7"/>
+          <p:cNvPr id="11" name="Rectangle 10"/>
           <p:cNvSpPr/>
           <p:nvPr/>
         </p:nvSpPr>
         <p:spPr>
           <a:xfrm>
-            <a:off x="1977587" y="4228079"/>
-            <a:ext cx="8249088" cy="142754"/>
+            <a:off x="1392686" y="4068600"/>
+            <a:ext cx="9264714" cy="167954"/>
           </a:xfrm>
           <a:prstGeom prst="rect">
             <a:avLst/>
@@ -3393,234 +4810,6 @@
           </a:p>
         </p:txBody>
       </p:sp>
-      <p:sp>
-        <p:nvSpPr>
-          <p:cNvPr id="10" name="Rectangle 9"/>
-          <p:cNvSpPr/>
-          <p:nvPr/>
-        </p:nvSpPr>
-        <p:spPr>
-          <a:xfrm>
-            <a:off x="1971455" y="3048339"/>
-            <a:ext cx="8249088" cy="145314"/>
-          </a:xfrm>
-          <a:prstGeom prst="rect">
-            <a:avLst/>
-          </a:prstGeom>
-          <a:solidFill>
-            <a:schemeClr val="accent6">
-              <a:alpha val="40000"/>
-            </a:schemeClr>
-          </a:solidFill>
-          <a:ln>
-            <a:noFill/>
-          </a:ln>
-        </p:spPr>
-        <p:style>
-          <a:lnRef idx="3">
-            <a:schemeClr val="lt1"/>
-          </a:lnRef>
-          <a:fillRef idx="1">
-            <a:schemeClr val="accent6"/>
-          </a:fillRef>
-          <a:effectRef idx="1">
-            <a:schemeClr val="accent6"/>
-          </a:effectRef>
-          <a:fontRef idx="minor">
-            <a:schemeClr val="lt1"/>
-          </a:fontRef>
-        </p:style>
-        <p:txBody>
-          <a:bodyPr rtlCol="0" anchor="ctr"/>
-          <a:lstStyle/>
-          <a:p>
-            <a:pPr algn="ctr"/>
-            <a:endParaRPr lang="fr-FR"/>
-          </a:p>
-        </p:txBody>
-      </p:sp>
-      <p:sp>
-        <p:nvSpPr>
-          <p:cNvPr id="12" name="Rectangle 11"/>
-          <p:cNvSpPr/>
-          <p:nvPr/>
-        </p:nvSpPr>
-        <p:spPr>
-          <a:xfrm>
-            <a:off x="1979631" y="3476597"/>
-            <a:ext cx="8249088" cy="449278"/>
-          </a:xfrm>
-          <a:prstGeom prst="rect">
-            <a:avLst/>
-          </a:prstGeom>
-          <a:solidFill>
-            <a:schemeClr val="accent6">
-              <a:alpha val="40000"/>
-            </a:schemeClr>
-          </a:solidFill>
-          <a:ln>
-            <a:noFill/>
-          </a:ln>
-        </p:spPr>
-        <p:style>
-          <a:lnRef idx="3">
-            <a:schemeClr val="lt1"/>
-          </a:lnRef>
-          <a:fillRef idx="1">
-            <a:schemeClr val="accent6"/>
-          </a:fillRef>
-          <a:effectRef idx="1">
-            <a:schemeClr val="accent6"/>
-          </a:effectRef>
-          <a:fontRef idx="minor">
-            <a:schemeClr val="lt1"/>
-          </a:fontRef>
-        </p:style>
-        <p:txBody>
-          <a:bodyPr rtlCol="0" anchor="ctr"/>
-          <a:lstStyle/>
-          <a:p>
-            <a:pPr algn="ctr"/>
-            <a:endParaRPr lang="fr-FR"/>
-          </a:p>
-        </p:txBody>
-      </p:sp>
-    </p:spTree>
-    <p:extLst>
-      <p:ext uri="{BB962C8B-B14F-4D97-AF65-F5344CB8AC3E}">
-        <p14:creationId xmlns:p14="http://schemas.microsoft.com/office/powerpoint/2010/main" val="75289719"/>
-      </p:ext>
-    </p:extLst>
-  </p:cSld>
-  <p:clrMapOvr>
-    <a:masterClrMapping/>
-  </p:clrMapOvr>
-</p:sld>
-</file>
-
-<file path=ppt/slides/slide3.xml><?xml version="1.0" encoding="utf-8"?>
-<p:sld xmlns:a="http://schemas.openxmlformats.org/drawingml/2006/main" xmlns:r="http://schemas.openxmlformats.org/officeDocument/2006/relationships" xmlns:p="http://schemas.openxmlformats.org/presentationml/2006/main">
-  <p:cSld>
-    <p:spTree>
-      <p:nvGrpSpPr>
-        <p:cNvPr id="1" name=""/>
-        <p:cNvGrpSpPr/>
-        <p:nvPr/>
-      </p:nvGrpSpPr>
-      <p:grpSpPr>
-        <a:xfrm>
-          <a:off x="0" y="0"/>
-          <a:ext cx="0" cy="0"/>
-          <a:chOff x="0" y="0"/>
-          <a:chExt cx="0" cy="0"/>
-        </a:xfrm>
-      </p:grpSpPr>
-      <p:sp>
-        <p:nvSpPr>
-          <p:cNvPr id="2" name="Titre 1"/>
-          <p:cNvSpPr>
-            <a:spLocks noGrp="1"/>
-          </p:cNvSpPr>
-          <p:nvPr>
-            <p:ph type="title"/>
-          </p:nvPr>
-        </p:nvSpPr>
-        <p:spPr/>
-        <p:txBody>
-          <a:bodyPr/>
-          <a:lstStyle/>
-          <a:p>
-            <a:r>
-              <a:rPr lang="fr-FR" dirty="0" smtClean="0"/>
-              <a:t>Problèmes rencontrés</a:t>
-            </a:r>
-            <a:endParaRPr lang="fr-FR" dirty="0"/>
-          </a:p>
-        </p:txBody>
-      </p:sp>
-      <p:sp>
-        <p:nvSpPr>
-          <p:cNvPr id="3" name="Espace réservé du contenu 2"/>
-          <p:cNvSpPr>
-            <a:spLocks noGrp="1"/>
-          </p:cNvSpPr>
-          <p:nvPr>
-            <p:ph idx="1"/>
-          </p:nvPr>
-        </p:nvSpPr>
-        <p:spPr/>
-        <p:txBody>
-          <a:bodyPr/>
-          <a:lstStyle/>
-          <a:p>
-            <a:r>
-              <a:rPr lang="fr-FR" dirty="0" smtClean="0"/>
-              <a:t>HTTP Access Control (CORS)</a:t>
-            </a:r>
-          </a:p>
-          <a:p>
-            <a:r>
-              <a:rPr lang="fr-FR" dirty="0" smtClean="0"/>
-              <a:t>Librairie de cryptographie</a:t>
-            </a:r>
-          </a:p>
-          <a:p>
-            <a:r>
-              <a:rPr lang="fr-FR" dirty="0" smtClean="0"/>
-              <a:t>Répartition du travail sur une m</a:t>
-            </a:r>
-            <a:r>
-              <a:rPr lang="en-US" dirty="0" err="1" smtClean="0"/>
-              <a:t>ême</a:t>
-            </a:r>
-            <a:r>
-              <a:rPr lang="en-US" dirty="0" smtClean="0"/>
-              <a:t> </a:t>
-            </a:r>
-            <a:r>
-              <a:rPr lang="en-US" dirty="0" err="1" smtClean="0"/>
-              <a:t>tâche</a:t>
-            </a:r>
-            <a:endParaRPr lang="fr-FR" dirty="0" smtClean="0"/>
-          </a:p>
-          <a:p>
-            <a:endParaRPr lang="fr-FR" dirty="0" smtClean="0"/>
-          </a:p>
-          <a:p>
-            <a:endParaRPr lang="fr-FR" dirty="0"/>
-          </a:p>
-        </p:txBody>
-      </p:sp>
-    </p:spTree>
-    <p:extLst>
-      <p:ext uri="{BB962C8B-B14F-4D97-AF65-F5344CB8AC3E}">
-        <p14:creationId xmlns:p14="http://schemas.microsoft.com/office/powerpoint/2010/main" val="17249843"/>
-      </p:ext>
-    </p:extLst>
-  </p:cSld>
-  <p:clrMapOvr>
-    <a:masterClrMapping/>
-  </p:clrMapOvr>
-</p:sld>
-</file>
-
-<file path=ppt/slides/slide4.xml><?xml version="1.0" encoding="utf-8"?>
-<p:sld xmlns:a="http://schemas.openxmlformats.org/drawingml/2006/main" xmlns:r="http://schemas.openxmlformats.org/officeDocument/2006/relationships" xmlns:p="http://schemas.openxmlformats.org/presentationml/2006/main">
-  <p:cSld>
-    <p:spTree>
-      <p:nvGrpSpPr>
-        <p:cNvPr id="1" name=""/>
-        <p:cNvGrpSpPr/>
-        <p:nvPr/>
-      </p:nvGrpSpPr>
-      <p:grpSpPr>
-        <a:xfrm>
-          <a:off x="0" y="0"/>
-          <a:ext cx="0" cy="0"/>
-          <a:chOff x="0" y="0"/>
-          <a:chExt cx="0" cy="0"/>
-        </a:xfrm>
-      </p:grpSpPr>
       <p:pic>
         <p:nvPicPr>
           <p:cNvPr id="4" name="Image 3"/>
@@ -3629,53 +4818,33 @@
           </p:cNvPicPr>
           <p:nvPr/>
         </p:nvPicPr>
-        <p:blipFill rotWithShape="1">
-          <a:blip r:embed="rId2">
+        <p:blipFill>
+          <a:blip r:embed="rId4">
+            <a:alphaModFix amt="35000"/>
             <a:extLst>
               <a:ext uri="{28A0092B-C50C-407E-A947-70E740481C1C}">
                 <a14:useLocalDpi xmlns:a14="http://schemas.microsoft.com/office/drawing/2010/main" val="0"/>
               </a:ext>
             </a:extLst>
           </a:blip>
-          <a:srcRect t="26894"/>
-          <a:stretch/>
+          <a:stretch>
+            <a:fillRect/>
+          </a:stretch>
         </p:blipFill>
         <p:spPr>
           <a:xfrm>
-            <a:off x="937929" y="1330508"/>
-            <a:ext cx="10316142" cy="5013601"/>
+            <a:off x="1403945" y="4399166"/>
+            <a:ext cx="9245600" cy="292100"/>
           </a:xfrm>
           <a:prstGeom prst="rect">
             <a:avLst/>
           </a:prstGeom>
         </p:spPr>
       </p:pic>
-      <p:sp>
-        <p:nvSpPr>
-          <p:cNvPr id="2" name="Titre 1"/>
-          <p:cNvSpPr>
-            <a:spLocks noGrp="1"/>
-          </p:cNvSpPr>
-          <p:nvPr>
-            <p:ph type="title"/>
-          </p:nvPr>
-        </p:nvSpPr>
-        <p:spPr/>
-        <p:txBody>
-          <a:bodyPr/>
-          <a:lstStyle/>
-          <a:p>
-            <a:r>
-              <a:rPr lang="fr-FR" dirty="0"/>
-              <a:t>Chiffrement</a:t>
-            </a:r>
-          </a:p>
-        </p:txBody>
-      </p:sp>
     </p:spTree>
     <p:extLst>
       <p:ext uri="{BB962C8B-B14F-4D97-AF65-F5344CB8AC3E}">
-        <p14:creationId xmlns:p14="http://schemas.microsoft.com/office/powerpoint/2010/main" val="2053038434"/>
+        <p14:creationId xmlns:p14="http://schemas.microsoft.com/office/powerpoint/2010/main" val="3172987096"/>
       </p:ext>
     </p:extLst>
   </p:cSld>
@@ -3702,61 +4871,39 @@
           <a:chExt cx="0" cy="0"/>
         </a:xfrm>
       </p:grpSpPr>
+      <p:sp>
+        <p:nvSpPr>
+          <p:cNvPr id="2" name="Titre 1"/>
+          <p:cNvSpPr>
+            <a:spLocks noGrp="1"/>
+          </p:cNvSpPr>
+          <p:nvPr>
+            <p:ph type="title"/>
+          </p:nvPr>
+        </p:nvSpPr>
+        <p:spPr/>
+        <p:txBody>
+          <a:bodyPr/>
+          <a:lstStyle/>
+          <a:p>
+            <a:r>
+              <a:rPr lang="en-US" dirty="0"/>
+              <a:t>Technologies </a:t>
+            </a:r>
+            <a:r>
+              <a:rPr lang="fr-FR" dirty="0" smtClean="0"/>
+              <a:t>utilisées - </a:t>
+            </a:r>
+            <a:r>
+              <a:rPr lang="fr-FR" dirty="0"/>
+              <a:t>serveur</a:t>
+            </a:r>
+          </a:p>
+        </p:txBody>
+      </p:sp>
       <p:pic>
         <p:nvPicPr>
-          <p:cNvPr id="8" name="Image 7"/>
-          <p:cNvPicPr>
-            <a:picLocks noChangeAspect="1"/>
-          </p:cNvPicPr>
-          <p:nvPr/>
-        </p:nvPicPr>
-        <p:blipFill>
-          <a:blip r:embed="rId2">
-            <a:extLst>
-              <a:ext uri="{28A0092B-C50C-407E-A947-70E740481C1C}">
-                <a14:useLocalDpi xmlns:a14="http://schemas.microsoft.com/office/drawing/2010/main" val="0"/>
-              </a:ext>
-            </a:extLst>
-          </a:blip>
-          <a:stretch>
-            <a:fillRect/>
-          </a:stretch>
-        </p:blipFill>
-        <p:spPr>
-          <a:xfrm>
-            <a:off x="4067365" y="3484261"/>
-            <a:ext cx="4127959" cy="1936887"/>
-          </a:xfrm>
-          <a:prstGeom prst="rect">
-            <a:avLst/>
-          </a:prstGeom>
-        </p:spPr>
-      </p:pic>
-      <p:sp>
-        <p:nvSpPr>
-          <p:cNvPr id="2" name="Titre 1"/>
-          <p:cNvSpPr>
-            <a:spLocks noGrp="1"/>
-          </p:cNvSpPr>
-          <p:nvPr>
-            <p:ph type="title"/>
-          </p:nvPr>
-        </p:nvSpPr>
-        <p:spPr/>
-        <p:txBody>
-          <a:bodyPr/>
-          <a:lstStyle/>
-          <a:p>
-            <a:r>
-              <a:rPr lang="fr-FR" dirty="0"/>
-              <a:t>Technologies utilisées</a:t>
-            </a:r>
-          </a:p>
-        </p:txBody>
-      </p:sp>
-      <p:pic>
-        <p:nvPicPr>
-          <p:cNvPr id="4" name="Image 3"/>
+          <p:cNvPr id="6" name="Image 5"/>
           <p:cNvPicPr>
             <a:picLocks noChangeAspect="1"/>
           </p:cNvPicPr>
@@ -3776,7 +4923,7 @@
         </p:blipFill>
         <p:spPr>
           <a:xfrm>
-            <a:off x="518708" y="2587407"/>
+            <a:off x="581997" y="3942643"/>
             <a:ext cx="4163305" cy="1130921"/>
           </a:xfrm>
           <a:prstGeom prst="rect">
@@ -3786,7 +4933,7 @@
       </p:pic>
       <p:pic>
         <p:nvPicPr>
-          <p:cNvPr id="5" name="Image 4"/>
+          <p:cNvPr id="7" name="Image 6"/>
           <p:cNvPicPr>
             <a:picLocks noChangeAspect="1"/>
           </p:cNvPicPr>
@@ -3806,7 +4953,7 @@
         </p:blipFill>
         <p:spPr>
           <a:xfrm>
-            <a:off x="4988804" y="1337439"/>
+            <a:off x="1055757" y="1908950"/>
             <a:ext cx="2963538" cy="1815429"/>
           </a:xfrm>
           <a:prstGeom prst="rect">
@@ -3816,74 +4963,14 @@
       </p:pic>
       <p:pic>
         <p:nvPicPr>
-          <p:cNvPr id="7" name="Image 6"/>
-          <p:cNvPicPr>
-            <a:picLocks noChangeAspect="1"/>
-          </p:cNvPicPr>
-          <p:nvPr/>
-        </p:nvPicPr>
-        <p:blipFill>
-          <a:blip r:embed="rId5">
-            <a:extLst>
-              <a:ext uri="{28A0092B-C50C-407E-A947-70E740481C1C}">
-                <a14:useLocalDpi xmlns:a14="http://schemas.microsoft.com/office/drawing/2010/main" val="0"/>
-              </a:ext>
-            </a:extLst>
-          </a:blip>
-          <a:stretch>
-            <a:fillRect/>
-          </a:stretch>
-        </p:blipFill>
-        <p:spPr>
-          <a:xfrm>
-            <a:off x="9167896" y="2587407"/>
-            <a:ext cx="1806794" cy="1806794"/>
-          </a:xfrm>
-          <a:prstGeom prst="rect">
-            <a:avLst/>
-          </a:prstGeom>
-        </p:spPr>
-      </p:pic>
-      <p:pic>
-        <p:nvPicPr>
-          <p:cNvPr id="9" name="Image 8"/>
-          <p:cNvPicPr>
-            <a:picLocks noChangeAspect="1"/>
-          </p:cNvPicPr>
-          <p:nvPr/>
-        </p:nvPicPr>
-        <p:blipFill>
-          <a:blip r:embed="rId6">
-            <a:extLst>
-              <a:ext uri="{28A0092B-C50C-407E-A947-70E740481C1C}">
-                <a14:useLocalDpi xmlns:a14="http://schemas.microsoft.com/office/drawing/2010/main" val="0"/>
-              </a:ext>
-            </a:extLst>
-          </a:blip>
-          <a:stretch>
-            <a:fillRect/>
-          </a:stretch>
-        </p:blipFill>
-        <p:spPr>
-          <a:xfrm>
-            <a:off x="838200" y="5323537"/>
-            <a:ext cx="2965221" cy="682096"/>
-          </a:xfrm>
-          <a:prstGeom prst="rect">
-            <a:avLst/>
-          </a:prstGeom>
-        </p:spPr>
-      </p:pic>
-      <p:pic>
-        <p:nvPicPr>
-          <p:cNvPr id="1026" name="Picture 2" descr="Image result for express js"/>
+          <p:cNvPr id="10" name="Picture 4" descr="Image result for mongoose mongodb"/>
           <p:cNvPicPr>
             <a:picLocks noChangeAspect="1" noChangeArrowheads="1"/>
           </p:cNvPicPr>
           <p:nvPr/>
         </p:nvPicPr>
         <p:blipFill>
-          <a:blip r:embed="rId7">
+          <a:blip r:embed="rId5">
             <a:extLst>
               <a:ext uri="{28A0092B-C50C-407E-A947-70E740481C1C}">
                 <a14:useLocalDpi xmlns:a14="http://schemas.microsoft.com/office/drawing/2010/main" val="0"/>
@@ -3897,48 +4984,7 @@
         </p:blipFill>
         <p:spPr bwMode="auto">
           <a:xfrm>
-            <a:off x="8772294" y="1356268"/>
-            <a:ext cx="2581506" cy="782779"/>
-          </a:xfrm>
-          <a:prstGeom prst="rect">
-            <a:avLst/>
-          </a:prstGeom>
-          <a:noFill/>
-          <a:extLst>
-            <a:ext uri="{909E8E84-426E-40DD-AFC4-6F175D3DCCD1}">
-              <a14:hiddenFill xmlns:a14="http://schemas.microsoft.com/office/drawing/2010/main">
-                <a:solidFill>
-                  <a:srgbClr val="FFFFFF"/>
-                </a:solidFill>
-              </a14:hiddenFill>
-            </a:ext>
-          </a:extLst>
-        </p:spPr>
-      </p:pic>
-      <p:pic>
-        <p:nvPicPr>
-          <p:cNvPr id="1028" name="Picture 4" descr="Image result for mongoose mongodb"/>
-          <p:cNvPicPr>
-            <a:picLocks noChangeAspect="1" noChangeArrowheads="1"/>
-          </p:cNvPicPr>
-          <p:nvPr/>
-        </p:nvPicPr>
-        <p:blipFill>
-          <a:blip r:embed="rId8">
-            <a:extLst>
-              <a:ext uri="{28A0092B-C50C-407E-A947-70E740481C1C}">
-                <a14:useLocalDpi xmlns:a14="http://schemas.microsoft.com/office/drawing/2010/main" val="0"/>
-              </a:ext>
-            </a:extLst>
-          </a:blip>
-          <a:srcRect/>
-          <a:stretch>
-            <a:fillRect/>
-          </a:stretch>
-        </p:blipFill>
-        <p:spPr bwMode="auto">
-          <a:xfrm>
-            <a:off x="7760655" y="4712085"/>
+            <a:off x="7829550" y="3724379"/>
             <a:ext cx="3524250" cy="1905000"/>
           </a:xfrm>
           <a:prstGeom prst="rect">
@@ -3958,14 +5004,14 @@
       </p:pic>
       <p:pic>
         <p:nvPicPr>
-          <p:cNvPr id="1030" name="Picture 6" descr="Image result for html5 css3"/>
+          <p:cNvPr id="1026" name="Picture 2" descr="Image result for socket.io png"/>
           <p:cNvPicPr>
             <a:picLocks noChangeAspect="1" noChangeArrowheads="1"/>
           </p:cNvPicPr>
           <p:nvPr/>
         </p:nvPicPr>
         <p:blipFill>
-          <a:blip r:embed="rId9">
+          <a:blip r:embed="rId6">
             <a:extLst>
               <a:ext uri="{28A0092B-C50C-407E-A947-70E740481C1C}">
                 <a14:useLocalDpi xmlns:a14="http://schemas.microsoft.com/office/drawing/2010/main" val="0"/>
@@ -3979,8 +5025,8 @@
         </p:blipFill>
         <p:spPr bwMode="auto">
           <a:xfrm>
-            <a:off x="4845102" y="5104880"/>
-            <a:ext cx="1942981" cy="1295321"/>
+            <a:off x="5467260" y="2816665"/>
+            <a:ext cx="1571911" cy="1579635"/>
           </a:xfrm>
           <a:prstGeom prst="rect">
             <a:avLst/>
@@ -3997,10 +5043,40 @@
           </a:extLst>
         </p:spPr>
       </p:pic>
+      <p:pic>
+        <p:nvPicPr>
+          <p:cNvPr id="4" name="Image 3"/>
+          <p:cNvPicPr>
+            <a:picLocks noChangeAspect="1"/>
+          </p:cNvPicPr>
+          <p:nvPr/>
+        </p:nvPicPr>
+        <p:blipFill>
+          <a:blip r:embed="rId7">
+            <a:extLst>
+              <a:ext uri="{28A0092B-C50C-407E-A947-70E740481C1C}">
+                <a14:useLocalDpi xmlns:a14="http://schemas.microsoft.com/office/drawing/2010/main" val="0"/>
+              </a:ext>
+            </a:extLst>
+          </a:blip>
+          <a:stretch>
+            <a:fillRect/>
+          </a:stretch>
+        </p:blipFill>
+        <p:spPr>
+          <a:xfrm>
+            <a:off x="7829550" y="1908950"/>
+            <a:ext cx="3524250" cy="784394"/>
+          </a:xfrm>
+          <a:prstGeom prst="rect">
+            <a:avLst/>
+          </a:prstGeom>
+        </p:spPr>
+      </p:pic>
     </p:spTree>
     <p:extLst>
       <p:ext uri="{BB962C8B-B14F-4D97-AF65-F5344CB8AC3E}">
-        <p14:creationId xmlns:p14="http://schemas.microsoft.com/office/powerpoint/2010/main" val="1301377876"/>
+        <p14:creationId xmlns:p14="http://schemas.microsoft.com/office/powerpoint/2010/main" val="1571605866"/>
       </p:ext>
     </p:extLst>
   </p:cSld>
@@ -4027,9 +5103,40 @@
           <a:chExt cx="0" cy="0"/>
         </a:xfrm>
       </p:grpSpPr>
+      <p:sp>
+        <p:nvSpPr>
+          <p:cNvPr id="2" name="Title 1"/>
+          <p:cNvSpPr>
+            <a:spLocks noGrp="1"/>
+          </p:cNvSpPr>
+          <p:nvPr>
+            <p:ph type="title"/>
+          </p:nvPr>
+        </p:nvSpPr>
+        <p:spPr/>
+        <p:txBody>
+          <a:bodyPr/>
+          <a:lstStyle/>
+          <a:p>
+            <a:r>
+              <a:rPr lang="en-US" dirty="0"/>
+              <a:t>Technologies </a:t>
+            </a:r>
+            <a:r>
+              <a:rPr lang="fr-FR" dirty="0"/>
+              <a:t>utilisées</a:t>
+            </a:r>
+            <a:r>
+              <a:rPr lang="en-US" dirty="0"/>
+              <a:t> – client</a:t>
+            </a:r>
+            <a:endParaRPr lang="fr-CH" dirty="0"/>
+          </a:p>
+        </p:txBody>
+      </p:sp>
       <p:pic>
         <p:nvPicPr>
-          <p:cNvPr id="4" name="Image 3"/>
+          <p:cNvPr id="4" name="Image 7"/>
           <p:cNvPicPr>
             <a:picLocks noChangeAspect="1"/>
           </p:cNvPicPr>
@@ -4049,41 +5156,100 @@
         </p:blipFill>
         <p:spPr>
           <a:xfrm>
-            <a:off x="1950737" y="1170432"/>
-            <a:ext cx="8290525" cy="5385815"/>
+            <a:off x="9248060" y="2785367"/>
+            <a:ext cx="1806794" cy="1806794"/>
           </a:xfrm>
           <a:prstGeom prst="rect">
             <a:avLst/>
           </a:prstGeom>
         </p:spPr>
       </p:pic>
-      <p:sp>
-        <p:nvSpPr>
-          <p:cNvPr id="2" name="Titre 1"/>
-          <p:cNvSpPr>
-            <a:spLocks noGrp="1"/>
-          </p:cNvSpPr>
-          <p:nvPr>
-            <p:ph type="title"/>
-          </p:nvPr>
-        </p:nvSpPr>
-        <p:spPr/>
-        <p:txBody>
-          <a:bodyPr/>
-          <a:lstStyle/>
-          <a:p>
-            <a:r>
-              <a:rPr lang="fr-FR" dirty="0" smtClean="0"/>
-              <a:t>Structure du serveur</a:t>
-            </a:r>
-            <a:endParaRPr lang="fr-FR" dirty="0"/>
-          </a:p>
-        </p:txBody>
-      </p:sp>
+      <p:pic>
+        <p:nvPicPr>
+          <p:cNvPr id="5" name="Picture 6" descr="Image result for html5 css3"/>
+          <p:cNvPicPr>
+            <a:picLocks noChangeAspect="1" noChangeArrowheads="1"/>
+          </p:cNvPicPr>
+          <p:nvPr/>
+        </p:nvPicPr>
+        <p:blipFill>
+          <a:blip r:embed="rId3">
+            <a:extLst>
+              <a:ext uri="{28A0092B-C50C-407E-A947-70E740481C1C}">
+                <a14:useLocalDpi xmlns:a14="http://schemas.microsoft.com/office/drawing/2010/main" val="0"/>
+              </a:ext>
+            </a:extLst>
+          </a:blip>
+          <a:srcRect/>
+          <a:stretch>
+            <a:fillRect/>
+          </a:stretch>
+        </p:blipFill>
+        <p:spPr bwMode="auto">
+          <a:xfrm>
+            <a:off x="5281725" y="3296840"/>
+            <a:ext cx="1942981" cy="1295321"/>
+          </a:xfrm>
+          <a:prstGeom prst="rect">
+            <a:avLst/>
+          </a:prstGeom>
+          <a:noFill/>
+          <a:extLst>
+            <a:ext uri="{909E8E84-426E-40DD-AFC4-6F175D3DCCD1}">
+              <a14:hiddenFill xmlns:a14="http://schemas.microsoft.com/office/drawing/2010/main">
+                <a:solidFill>
+                  <a:srgbClr val="FFFFFF"/>
+                </a:solidFill>
+              </a14:hiddenFill>
+            </a:ext>
+          </a:extLst>
+        </p:spPr>
+      </p:pic>
+      <p:pic>
+        <p:nvPicPr>
+          <p:cNvPr id="6" name="Picture 2" descr="Image result for socket.io png"/>
+          <p:cNvPicPr>
+            <a:picLocks noChangeAspect="1" noChangeArrowheads="1"/>
+          </p:cNvPicPr>
+          <p:nvPr/>
+        </p:nvPicPr>
+        <p:blipFill>
+          <a:blip r:embed="rId4">
+            <a:extLst>
+              <a:ext uri="{28A0092B-C50C-407E-A947-70E740481C1C}">
+                <a14:useLocalDpi xmlns:a14="http://schemas.microsoft.com/office/drawing/2010/main" val="0"/>
+              </a:ext>
+            </a:extLst>
+          </a:blip>
+          <a:srcRect/>
+          <a:stretch>
+            <a:fillRect/>
+          </a:stretch>
+        </p:blipFill>
+        <p:spPr bwMode="auto">
+          <a:xfrm>
+            <a:off x="1451579" y="3012526"/>
+            <a:ext cx="1571911" cy="1579635"/>
+          </a:xfrm>
+          <a:prstGeom prst="rect">
+            <a:avLst/>
+          </a:prstGeom>
+          <a:noFill/>
+          <a:extLst>
+            <a:ext uri="{909E8E84-426E-40DD-AFC4-6F175D3DCCD1}">
+              <a14:hiddenFill xmlns:a14="http://schemas.microsoft.com/office/drawing/2010/main">
+                <a:solidFill>
+                  <a:srgbClr val="FFFFFF"/>
+                </a:solidFill>
+              </a14:hiddenFill>
+            </a:ext>
+          </a:extLst>
+        </p:spPr>
+      </p:pic>
     </p:spTree>
     <p:extLst>
       <p:ext uri="{BB962C8B-B14F-4D97-AF65-F5344CB8AC3E}">
-        <p14:creationId xmlns:p14="http://schemas.microsoft.com/office/powerpoint/2010/main" val="1823587962"/>
+        <p14:creationId xmlns:p14="http://schemas.microsoft.com/office/powerpoint/2010/main" val="831551874"/>
       </p:ext>
     </p:extLst>
   </p:cSld>
@@ -4120,21 +5286,198 @@
             <p:ph type="title"/>
           </p:nvPr>
         </p:nvSpPr>
-        <p:spPr/>
-        <p:txBody>
-          <a:bodyPr/>
-          <a:lstStyle/>
-          <a:p>
-            <a:r>
-              <a:rPr lang="fr-FR" dirty="0"/>
-              <a:t>Démonstration</a:t>
+        <p:spPr>
+          <a:xfrm>
+            <a:off x="1451579" y="457279"/>
+            <a:ext cx="9603275" cy="871858"/>
+          </a:xfrm>
+        </p:spPr>
+        <p:txBody>
+          <a:bodyPr/>
+          <a:lstStyle/>
+          <a:p>
+            <a:r>
+              <a:rPr lang="fr-CH" dirty="0"/>
+              <a:t>Communication client-serveur</a:t>
             </a:r>
           </a:p>
         </p:txBody>
       </p:sp>
       <p:pic>
         <p:nvPicPr>
-          <p:cNvPr id="4" name="Image 3"/>
+          <p:cNvPr id="5" name="Image 4"/>
+          <p:cNvPicPr>
+            <a:picLocks noChangeAspect="1"/>
+          </p:cNvPicPr>
+          <p:nvPr/>
+        </p:nvPicPr>
+        <p:blipFill>
+          <a:blip r:embed="rId3">
+            <a:extLst>
+              <a:ext uri="{28A0092B-C50C-407E-A947-70E740481C1C}">
+                <a14:useLocalDpi xmlns:a14="http://schemas.microsoft.com/office/drawing/2010/main" val="0"/>
+              </a:ext>
+            </a:extLst>
+          </a:blip>
+          <a:stretch>
+            <a:fillRect/>
+          </a:stretch>
+        </p:blipFill>
+        <p:spPr>
+          <a:xfrm>
+            <a:off x="2483653" y="1329137"/>
+            <a:ext cx="7750212" cy="5243014"/>
+          </a:xfrm>
+          <a:prstGeom prst="rect">
+            <a:avLst/>
+          </a:prstGeom>
+        </p:spPr>
+      </p:pic>
+    </p:spTree>
+    <p:extLst>
+      <p:ext uri="{BB962C8B-B14F-4D97-AF65-F5344CB8AC3E}">
+        <p14:creationId xmlns:p14="http://schemas.microsoft.com/office/powerpoint/2010/main" val="3536527723"/>
+      </p:ext>
+    </p:extLst>
+  </p:cSld>
+  <p:clrMapOvr>
+    <a:masterClrMapping/>
+  </p:clrMapOvr>
+</p:sld>
+</file>
+
+<file path=ppt/slides/slide8.xml><?xml version="1.0" encoding="utf-8"?>
+<p:sld xmlns:a="http://schemas.openxmlformats.org/drawingml/2006/main" xmlns:r="http://schemas.openxmlformats.org/officeDocument/2006/relationships" xmlns:p="http://schemas.openxmlformats.org/presentationml/2006/main">
+  <p:cSld>
+    <p:spTree>
+      <p:nvGrpSpPr>
+        <p:cNvPr id="1" name=""/>
+        <p:cNvGrpSpPr/>
+        <p:nvPr/>
+      </p:nvGrpSpPr>
+      <p:grpSpPr>
+        <a:xfrm>
+          <a:off x="0" y="0"/>
+          <a:ext cx="0" cy="0"/>
+          <a:chOff x="0" y="0"/>
+          <a:chExt cx="0" cy="0"/>
+        </a:xfrm>
+      </p:grpSpPr>
+      <p:sp>
+        <p:nvSpPr>
+          <p:cNvPr id="2" name="Titre 1"/>
+          <p:cNvSpPr>
+            <a:spLocks noGrp="1"/>
+          </p:cNvSpPr>
+          <p:nvPr>
+            <p:ph type="title"/>
+          </p:nvPr>
+        </p:nvSpPr>
+        <p:spPr/>
+        <p:txBody>
+          <a:bodyPr/>
+          <a:lstStyle/>
+          <a:p>
+            <a:r>
+              <a:rPr lang="fr-FR" dirty="0" smtClean="0"/>
+              <a:t>Structure du serveur</a:t>
+            </a:r>
+            <a:endParaRPr lang="fr-FR" dirty="0"/>
+          </a:p>
+        </p:txBody>
+      </p:sp>
+      <p:pic>
+        <p:nvPicPr>
+          <p:cNvPr id="4" name="Espace réservé du contenu 3"/>
+          <p:cNvPicPr>
+            <a:picLocks noGrp="1" noChangeAspect="1"/>
+          </p:cNvPicPr>
+          <p:nvPr>
+            <p:ph idx="1"/>
+          </p:nvPr>
+        </p:nvPicPr>
+        <p:blipFill>
+          <a:blip r:embed="rId2">
+            <a:extLst>
+              <a:ext uri="{28A0092B-C50C-407E-A947-70E740481C1C}">
+                <a14:useLocalDpi xmlns:a14="http://schemas.microsoft.com/office/drawing/2010/main" val="0"/>
+              </a:ext>
+            </a:extLst>
+          </a:blip>
+          <a:stretch>
+            <a:fillRect/>
+          </a:stretch>
+        </p:blipFill>
+        <p:spPr>
+          <a:xfrm>
+            <a:off x="2189888" y="1268577"/>
+            <a:ext cx="8152291" cy="5296014"/>
+          </a:xfrm>
+        </p:spPr>
+      </p:pic>
+    </p:spTree>
+    <p:extLst>
+      <p:ext uri="{BB962C8B-B14F-4D97-AF65-F5344CB8AC3E}">
+        <p14:creationId xmlns:p14="http://schemas.microsoft.com/office/powerpoint/2010/main" val="2139524451"/>
+      </p:ext>
+    </p:extLst>
+  </p:cSld>
+  <p:clrMapOvr>
+    <a:masterClrMapping/>
+  </p:clrMapOvr>
+</p:sld>
+</file>
+
+<file path=ppt/slides/slide9.xml><?xml version="1.0" encoding="utf-8"?>
+<p:sld xmlns:a="http://schemas.openxmlformats.org/drawingml/2006/main" xmlns:r="http://schemas.openxmlformats.org/officeDocument/2006/relationships" xmlns:p="http://schemas.openxmlformats.org/presentationml/2006/main">
+  <p:cSld>
+    <p:spTree>
+      <p:nvGrpSpPr>
+        <p:cNvPr id="1" name=""/>
+        <p:cNvGrpSpPr/>
+        <p:nvPr/>
+      </p:nvGrpSpPr>
+      <p:grpSpPr>
+        <a:xfrm>
+          <a:off x="0" y="0"/>
+          <a:ext cx="0" cy="0"/>
+          <a:chOff x="0" y="0"/>
+          <a:chExt cx="0" cy="0"/>
+        </a:xfrm>
+      </p:grpSpPr>
+      <p:sp>
+        <p:nvSpPr>
+          <p:cNvPr id="2" name="Titre 1"/>
+          <p:cNvSpPr>
+            <a:spLocks noGrp="1"/>
+          </p:cNvSpPr>
+          <p:nvPr>
+            <p:ph type="title"/>
+          </p:nvPr>
+        </p:nvSpPr>
+        <p:spPr>
+          <a:xfrm>
+            <a:off x="1451579" y="561450"/>
+            <a:ext cx="9603275" cy="688615"/>
+          </a:xfrm>
+        </p:spPr>
+        <p:txBody>
+          <a:bodyPr>
+            <a:normAutofit fontScale="90000"/>
+          </a:bodyPr>
+          <a:lstStyle/>
+          <a:p>
+            <a:r>
+              <a:rPr lang="en-US" dirty="0" err="1"/>
+              <a:t>Chiffrement</a:t>
+            </a:r>
+            <a:endParaRPr lang="fr-CH" dirty="0"/>
+          </a:p>
+        </p:txBody>
+      </p:sp>
+      <p:pic>
+        <p:nvPicPr>
+          <p:cNvPr id="5" name="Image 4"/>
           <p:cNvPicPr>
             <a:picLocks noChangeAspect="1"/>
           </p:cNvPicPr>
@@ -4148,13 +5491,13 @@
               </a:ext>
             </a:extLst>
           </a:blip>
-          <a:srcRect r="652"/>
+          <a:srcRect t="19483"/>
           <a:stretch/>
         </p:blipFill>
         <p:spPr>
           <a:xfrm>
-            <a:off x="2970645" y="1408176"/>
-            <a:ext cx="6209931" cy="5084064"/>
+            <a:off x="1605949" y="1801368"/>
+            <a:ext cx="8759361" cy="4270248"/>
           </a:xfrm>
           <a:prstGeom prst="rect">
             <a:avLst/>
@@ -4164,7 +5507,7 @@
     </p:spTree>
     <p:extLst>
       <p:ext uri="{BB962C8B-B14F-4D97-AF65-F5344CB8AC3E}">
-        <p14:creationId xmlns:p14="http://schemas.microsoft.com/office/powerpoint/2010/main" val="2110010672"/>
+        <p14:creationId xmlns:p14="http://schemas.microsoft.com/office/powerpoint/2010/main" val="2972706628"/>
       </p:ext>
     </p:extLst>
   </p:cSld>
@@ -4175,9 +5518,9 @@
 </file>
 
 <file path=ppt/theme/theme1.xml><?xml version="1.0" encoding="utf-8"?>
-<a:theme xmlns:a="http://schemas.openxmlformats.org/drawingml/2006/main" name="Office Theme">
+<a:theme xmlns:a="http://schemas.openxmlformats.org/drawingml/2006/main" name="Thème Office">
   <a:themeElements>
-    <a:clrScheme name="Thème Office">
+    <a:clrScheme name="Bureau">
       <a:dk1>
         <a:sysClr val="windowText" lastClr="000000"/>
       </a:dk1>
@@ -4215,14 +5558,14 @@
         <a:srgbClr val="954F72"/>
       </a:folHlink>
     </a:clrScheme>
-    <a:fontScheme name="Thème Office">
+    <a:fontScheme name="Bureau">
       <a:majorFont>
         <a:latin typeface="Calibri Light" panose="020F0302020204030204"/>
         <a:ea typeface=""/>
         <a:cs typeface=""/>
-        <a:font script="Jpan" typeface="ＭＳ Ｐゴシック"/>
+        <a:font script="Jpan" typeface="Yu Gothic Light"/>
         <a:font script="Hang" typeface="맑은 고딕"/>
-        <a:font script="Hans" typeface="宋体"/>
+        <a:font script="Hans" typeface="DengXian Light"/>
         <a:font script="Hant" typeface="新細明體"/>
         <a:font script="Arab" typeface="Times New Roman"/>
         <a:font script="Hebr" typeface="Times New Roman"/>
@@ -4255,9 +5598,9 @@
         <a:latin typeface="Calibri" panose="020F0502020204030204"/>
         <a:ea typeface=""/>
         <a:cs typeface=""/>
-        <a:font script="Jpan" typeface="ＭＳ Ｐゴシック"/>
+        <a:font script="Jpan" typeface="Yu Gothic"/>
         <a:font script="Hang" typeface="맑은 고딕"/>
-        <a:font script="Hans" typeface="宋体"/>
+        <a:font script="Hans" typeface="DengXian"/>
         <a:font script="Hant" typeface="新細明體"/>
         <a:font script="Arab" typeface="Arial"/>
         <a:font script="Hebr" typeface="Arial"/>
@@ -4287,7 +5630,302 @@
         <a:font script="Geor" typeface="Sylfaen"/>
       </a:minorFont>
     </a:fontScheme>
-    <a:fmtScheme name="Thème Office">
+    <a:fmtScheme name="Bureau">
+      <a:fillStyleLst>
+        <a:solidFill>
+          <a:schemeClr val="phClr"/>
+        </a:solidFill>
+        <a:gradFill rotWithShape="1">
+          <a:gsLst>
+            <a:gs pos="0">
+              <a:schemeClr val="phClr">
+                <a:lumMod val="110000"/>
+                <a:satMod val="105000"/>
+                <a:tint val="67000"/>
+              </a:schemeClr>
+            </a:gs>
+            <a:gs pos="50000">
+              <a:schemeClr val="phClr">
+                <a:lumMod val="105000"/>
+                <a:satMod val="103000"/>
+                <a:tint val="73000"/>
+              </a:schemeClr>
+            </a:gs>
+            <a:gs pos="100000">
+              <a:schemeClr val="phClr">
+                <a:lumMod val="105000"/>
+                <a:satMod val="109000"/>
+                <a:tint val="81000"/>
+              </a:schemeClr>
+            </a:gs>
+          </a:gsLst>
+          <a:lin ang="5400000" scaled="0"/>
+        </a:gradFill>
+        <a:gradFill rotWithShape="1">
+          <a:gsLst>
+            <a:gs pos="0">
+              <a:schemeClr val="phClr">
+                <a:satMod val="103000"/>
+                <a:lumMod val="102000"/>
+                <a:tint val="94000"/>
+              </a:schemeClr>
+            </a:gs>
+            <a:gs pos="50000">
+              <a:schemeClr val="phClr">
+                <a:satMod val="110000"/>
+                <a:lumMod val="100000"/>
+                <a:shade val="100000"/>
+              </a:schemeClr>
+            </a:gs>
+            <a:gs pos="100000">
+              <a:schemeClr val="phClr">
+                <a:lumMod val="99000"/>
+                <a:satMod val="120000"/>
+                <a:shade val="78000"/>
+              </a:schemeClr>
+            </a:gs>
+          </a:gsLst>
+          <a:lin ang="5400000" scaled="0"/>
+        </a:gradFill>
+      </a:fillStyleLst>
+      <a:lnStyleLst>
+        <a:ln w="6350" cap="flat" cmpd="sng" algn="ctr">
+          <a:solidFill>
+            <a:schemeClr val="phClr"/>
+          </a:solidFill>
+          <a:prstDash val="solid"/>
+          <a:miter lim="800000"/>
+        </a:ln>
+        <a:ln w="12700" cap="flat" cmpd="sng" algn="ctr">
+          <a:solidFill>
+            <a:schemeClr val="phClr"/>
+          </a:solidFill>
+          <a:prstDash val="solid"/>
+          <a:miter lim="800000"/>
+        </a:ln>
+        <a:ln w="19050" cap="flat" cmpd="sng" algn="ctr">
+          <a:solidFill>
+            <a:schemeClr val="phClr"/>
+          </a:solidFill>
+          <a:prstDash val="solid"/>
+          <a:miter lim="800000"/>
+        </a:ln>
+      </a:lnStyleLst>
+      <a:effectStyleLst>
+        <a:effectStyle>
+          <a:effectLst/>
+        </a:effectStyle>
+        <a:effectStyle>
+          <a:effectLst/>
+        </a:effectStyle>
+        <a:effectStyle>
+          <a:effectLst>
+            <a:outerShdw blurRad="57150" dist="19050" dir="5400000" algn="ctr" rotWithShape="0">
+              <a:srgbClr val="000000">
+                <a:alpha val="63000"/>
+              </a:srgbClr>
+            </a:outerShdw>
+          </a:effectLst>
+        </a:effectStyle>
+      </a:effectStyleLst>
+      <a:bgFillStyleLst>
+        <a:solidFill>
+          <a:schemeClr val="phClr"/>
+        </a:solidFill>
+        <a:solidFill>
+          <a:schemeClr val="phClr">
+            <a:tint val="95000"/>
+            <a:satMod val="170000"/>
+          </a:schemeClr>
+        </a:solidFill>
+        <a:gradFill rotWithShape="1">
+          <a:gsLst>
+            <a:gs pos="0">
+              <a:schemeClr val="phClr">
+                <a:tint val="93000"/>
+                <a:satMod val="150000"/>
+                <a:shade val="98000"/>
+                <a:lumMod val="102000"/>
+              </a:schemeClr>
+            </a:gs>
+            <a:gs pos="50000">
+              <a:schemeClr val="phClr">
+                <a:tint val="98000"/>
+                <a:satMod val="130000"/>
+                <a:shade val="90000"/>
+                <a:lumMod val="103000"/>
+              </a:schemeClr>
+            </a:gs>
+            <a:gs pos="100000">
+              <a:schemeClr val="phClr">
+                <a:shade val="63000"/>
+                <a:satMod val="120000"/>
+              </a:schemeClr>
+            </a:gs>
+          </a:gsLst>
+          <a:lin ang="5400000" scaled="0"/>
+        </a:gradFill>
+      </a:bgFillStyleLst>
+    </a:fmtScheme>
+  </a:themeElements>
+  <a:objectDefaults/>
+  <a:extraClrSchemeLst/>
+  <a:extLst>
+    <a:ext uri="{05A4C25C-085E-4340-85A3-A5531E510DB2}">
+      <thm15:themeFamily xmlns:thm15="http://schemas.microsoft.com/office/thememl/2012/main" name="Office Theme" id="{62F939B6-93AF-4DB8-9C6B-D6C7DFDC589F}" vid="{4A3C46E8-61CC-4603-A589-7422A47A8E4A}"/>
+    </a:ext>
+  </a:extLst>
+</a:theme>
+</file>
+
+<file path=ppt/theme/theme2.xml><?xml version="1.0" encoding="utf-8"?>
+<a:theme xmlns:a="http://schemas.openxmlformats.org/drawingml/2006/main" name="Thème Office">
+  <a:themeElements>
+    <a:clrScheme name="Office">
+      <a:dk1>
+        <a:sysClr val="windowText" lastClr="000000"/>
+      </a:dk1>
+      <a:lt1>
+        <a:sysClr val="window" lastClr="FFFFFF"/>
+      </a:lt1>
+      <a:dk2>
+        <a:srgbClr val="44546A"/>
+      </a:dk2>
+      <a:lt2>
+        <a:srgbClr val="E7E6E6"/>
+      </a:lt2>
+      <a:accent1>
+        <a:srgbClr val="5B9BD5"/>
+      </a:accent1>
+      <a:accent2>
+        <a:srgbClr val="ED7D31"/>
+      </a:accent2>
+      <a:accent3>
+        <a:srgbClr val="A5A5A5"/>
+      </a:accent3>
+      <a:accent4>
+        <a:srgbClr val="FFC000"/>
+      </a:accent4>
+      <a:accent5>
+        <a:srgbClr val="4472C4"/>
+      </a:accent5>
+      <a:accent6>
+        <a:srgbClr val="70AD47"/>
+      </a:accent6>
+      <a:hlink>
+        <a:srgbClr val="0563C1"/>
+      </a:hlink>
+      <a:folHlink>
+        <a:srgbClr val="954F72"/>
+      </a:folHlink>
+    </a:clrScheme>
+    <a:fontScheme name="Office">
+      <a:majorFont>
+        <a:latin typeface="Calibri Light" panose="020F0302020204030204"/>
+        <a:ea typeface=""/>
+        <a:cs typeface=""/>
+        <a:font script="Jpan" typeface="游ゴシック Light"/>
+        <a:font script="Hang" typeface="맑은 고딕"/>
+        <a:font script="Hans" typeface="等线 Light"/>
+        <a:font script="Hant" typeface="新細明體"/>
+        <a:font script="Arab" typeface="Times New Roman"/>
+        <a:font script="Hebr" typeface="Times New Roman"/>
+        <a:font script="Thai" typeface="Angsana New"/>
+        <a:font script="Ethi" typeface="Nyala"/>
+        <a:font script="Beng" typeface="Vrinda"/>
+        <a:font script="Gujr" typeface="Shruti"/>
+        <a:font script="Khmr" typeface="MoolBoran"/>
+        <a:font script="Knda" typeface="Tunga"/>
+        <a:font script="Guru" typeface="Raavi"/>
+        <a:font script="Cans" typeface="Euphemia"/>
+        <a:font script="Cher" typeface="Plantagenet Cherokee"/>
+        <a:font script="Yiii" typeface="Microsoft Yi Baiti"/>
+        <a:font script="Tibt" typeface="Microsoft Himalaya"/>
+        <a:font script="Thaa" typeface="MV Boli"/>
+        <a:font script="Deva" typeface="Mangal"/>
+        <a:font script="Telu" typeface="Gautami"/>
+        <a:font script="Taml" typeface="Latha"/>
+        <a:font script="Syrc" typeface="Estrangelo Edessa"/>
+        <a:font script="Orya" typeface="Kalinga"/>
+        <a:font script="Mlym" typeface="Kartika"/>
+        <a:font script="Laoo" typeface="DokChampa"/>
+        <a:font script="Sinh" typeface="Iskoola Pota"/>
+        <a:font script="Mong" typeface="Mongolian Baiti"/>
+        <a:font script="Viet" typeface="Times New Roman"/>
+        <a:font script="Uigh" typeface="Microsoft Uighur"/>
+        <a:font script="Geor" typeface="Sylfaen"/>
+        <a:font script="Armn" typeface="Arial"/>
+        <a:font script="Bugi" typeface="Leelawadee UI"/>
+        <a:font script="Bopo" typeface="Microsoft JhengHei"/>
+        <a:font script="Java" typeface="Javanese Text"/>
+        <a:font script="Lisu" typeface="Segoe UI"/>
+        <a:font script="Mymr" typeface="Myanmar Text"/>
+        <a:font script="Nkoo" typeface="Ebrima"/>
+        <a:font script="Olck" typeface="Nirmala UI"/>
+        <a:font script="Osma" typeface="Ebrima"/>
+        <a:font script="Phag" typeface="Phagspa"/>
+        <a:font script="Syrn" typeface="Estrangelo Edessa"/>
+        <a:font script="Syrj" typeface="Estrangelo Edessa"/>
+        <a:font script="Syre" typeface="Estrangelo Edessa"/>
+        <a:font script="Sora" typeface="Nirmala UI"/>
+        <a:font script="Tale" typeface="Microsoft Tai Le"/>
+        <a:font script="Talu" typeface="Microsoft New Tai Lue"/>
+        <a:font script="Tfng" typeface="Ebrima"/>
+      </a:majorFont>
+      <a:minorFont>
+        <a:latin typeface="Calibri" panose="020F0502020204030204"/>
+        <a:ea typeface=""/>
+        <a:cs typeface=""/>
+        <a:font script="Jpan" typeface="游ゴシック"/>
+        <a:font script="Hang" typeface="맑은 고딕"/>
+        <a:font script="Hans" typeface="等线"/>
+        <a:font script="Hant" typeface="新細明體"/>
+        <a:font script="Arab" typeface="Arial"/>
+        <a:font script="Hebr" typeface="Arial"/>
+        <a:font script="Thai" typeface="Cordia New"/>
+        <a:font script="Ethi" typeface="Nyala"/>
+        <a:font script="Beng" typeface="Vrinda"/>
+        <a:font script="Gujr" typeface="Shruti"/>
+        <a:font script="Khmr" typeface="DaunPenh"/>
+        <a:font script="Knda" typeface="Tunga"/>
+        <a:font script="Guru" typeface="Raavi"/>
+        <a:font script="Cans" typeface="Euphemia"/>
+        <a:font script="Cher" typeface="Plantagenet Cherokee"/>
+        <a:font script="Yiii" typeface="Microsoft Yi Baiti"/>
+        <a:font script="Tibt" typeface="Microsoft Himalaya"/>
+        <a:font script="Thaa" typeface="MV Boli"/>
+        <a:font script="Deva" typeface="Mangal"/>
+        <a:font script="Telu" typeface="Gautami"/>
+        <a:font script="Taml" typeface="Latha"/>
+        <a:font script="Syrc" typeface="Estrangelo Edessa"/>
+        <a:font script="Orya" typeface="Kalinga"/>
+        <a:font script="Mlym" typeface="Kartika"/>
+        <a:font script="Laoo" typeface="DokChampa"/>
+        <a:font script="Sinh" typeface="Iskoola Pota"/>
+        <a:font script="Mong" typeface="Mongolian Baiti"/>
+        <a:font script="Viet" typeface="Arial"/>
+        <a:font script="Uigh" typeface="Microsoft Uighur"/>
+        <a:font script="Geor" typeface="Sylfaen"/>
+        <a:font script="Armn" typeface="Arial"/>
+        <a:font script="Bugi" typeface="Leelawadee UI"/>
+        <a:font script="Bopo" typeface="Microsoft JhengHei"/>
+        <a:font script="Java" typeface="Javanese Text"/>
+        <a:font script="Lisu" typeface="Segoe UI"/>
+        <a:font script="Mymr" typeface="Myanmar Text"/>
+        <a:font script="Nkoo" typeface="Ebrima"/>
+        <a:font script="Olck" typeface="Nirmala UI"/>
+        <a:font script="Osma" typeface="Ebrima"/>
+        <a:font script="Phag" typeface="Phagspa"/>
+        <a:font script="Syrn" typeface="Estrangelo Edessa"/>
+        <a:font script="Syrj" typeface="Estrangelo Edessa"/>
+        <a:font script="Syre" typeface="Estrangelo Edessa"/>
+        <a:font script="Sora" typeface="Nirmala UI"/>
+        <a:font script="Tale" typeface="Microsoft Tai Le"/>
+        <a:font script="Talu" typeface="Microsoft New Tai Lue"/>
+        <a:font script="Tfng" typeface="Ebrima"/>
+      </a:minorFont>
+    </a:fontScheme>
+    <a:fmtScheme name="Office">
       <a:fillStyleLst>
         <a:solidFill>
           <a:schemeClr val="phClr"/>
